--- a/ours/docx/E-R图初稿.pptx
+++ b/ours/docx/E-R图初稿.pptx
@@ -22,8 +22,7 @@
     <p:sldId id="273" r:id="rId16"/>
     <p:sldId id="274" r:id="rId17"/>
     <p:sldId id="275" r:id="rId18"/>
-    <p:sldId id="270" r:id="rId19"/>
-    <p:sldId id="271" r:id="rId20"/>
+    <p:sldId id="277" r:id="rId19"/>
   </p:sldIdLst>
   <p:sldSz cx="12192000" cy="6858000"/>
   <p:notesSz cx="6858000" cy="9144000"/>
@@ -261,7 +260,7 @@
           <a:p>
             <a:fld id="{07BB1640-576C-4106-8BBF-5EE4E1757382}" type="datetimeFigureOut">
               <a:rPr lang="zh-CN" altLang="en-US" smtClean="0"/>
-              <a:t>2016/10/29</a:t>
+              <a:t>2016/11/27</a:t>
             </a:fld>
             <a:endParaRPr lang="zh-CN" altLang="en-US"/>
           </a:p>
@@ -431,7 +430,7 @@
           <a:p>
             <a:fld id="{07BB1640-576C-4106-8BBF-5EE4E1757382}" type="datetimeFigureOut">
               <a:rPr lang="zh-CN" altLang="en-US" smtClean="0"/>
-              <a:t>2016/10/29</a:t>
+              <a:t>2016/11/27</a:t>
             </a:fld>
             <a:endParaRPr lang="zh-CN" altLang="en-US"/>
           </a:p>
@@ -611,7 +610,7 @@
           <a:p>
             <a:fld id="{07BB1640-576C-4106-8BBF-5EE4E1757382}" type="datetimeFigureOut">
               <a:rPr lang="zh-CN" altLang="en-US" smtClean="0"/>
-              <a:t>2016/10/29</a:t>
+              <a:t>2016/11/27</a:t>
             </a:fld>
             <a:endParaRPr lang="zh-CN" altLang="en-US"/>
           </a:p>
@@ -781,7 +780,7 @@
           <a:p>
             <a:fld id="{07BB1640-576C-4106-8BBF-5EE4E1757382}" type="datetimeFigureOut">
               <a:rPr lang="zh-CN" altLang="en-US" smtClean="0"/>
-              <a:t>2016/10/29</a:t>
+              <a:t>2016/11/27</a:t>
             </a:fld>
             <a:endParaRPr lang="zh-CN" altLang="en-US"/>
           </a:p>
@@ -1027,7 +1026,7 @@
           <a:p>
             <a:fld id="{07BB1640-576C-4106-8BBF-5EE4E1757382}" type="datetimeFigureOut">
               <a:rPr lang="zh-CN" altLang="en-US" smtClean="0"/>
-              <a:t>2016/10/29</a:t>
+              <a:t>2016/11/27</a:t>
             </a:fld>
             <a:endParaRPr lang="zh-CN" altLang="en-US"/>
           </a:p>
@@ -1259,7 +1258,7 @@
           <a:p>
             <a:fld id="{07BB1640-576C-4106-8BBF-5EE4E1757382}" type="datetimeFigureOut">
               <a:rPr lang="zh-CN" altLang="en-US" smtClean="0"/>
-              <a:t>2016/10/29</a:t>
+              <a:t>2016/11/27</a:t>
             </a:fld>
             <a:endParaRPr lang="zh-CN" altLang="en-US"/>
           </a:p>
@@ -1626,7 +1625,7 @@
           <a:p>
             <a:fld id="{07BB1640-576C-4106-8BBF-5EE4E1757382}" type="datetimeFigureOut">
               <a:rPr lang="zh-CN" altLang="en-US" smtClean="0"/>
-              <a:t>2016/10/29</a:t>
+              <a:t>2016/11/27</a:t>
             </a:fld>
             <a:endParaRPr lang="zh-CN" altLang="en-US"/>
           </a:p>
@@ -1744,7 +1743,7 @@
           <a:p>
             <a:fld id="{07BB1640-576C-4106-8BBF-5EE4E1757382}" type="datetimeFigureOut">
               <a:rPr lang="zh-CN" altLang="en-US" smtClean="0"/>
-              <a:t>2016/10/29</a:t>
+              <a:t>2016/11/27</a:t>
             </a:fld>
             <a:endParaRPr lang="zh-CN" altLang="en-US"/>
           </a:p>
@@ -1839,7 +1838,7 @@
           <a:p>
             <a:fld id="{07BB1640-576C-4106-8BBF-5EE4E1757382}" type="datetimeFigureOut">
               <a:rPr lang="zh-CN" altLang="en-US" smtClean="0"/>
-              <a:t>2016/10/29</a:t>
+              <a:t>2016/11/27</a:t>
             </a:fld>
             <a:endParaRPr lang="zh-CN" altLang="en-US"/>
           </a:p>
@@ -2116,7 +2115,7 @@
           <a:p>
             <a:fld id="{07BB1640-576C-4106-8BBF-5EE4E1757382}" type="datetimeFigureOut">
               <a:rPr lang="zh-CN" altLang="en-US" smtClean="0"/>
-              <a:t>2016/10/29</a:t>
+              <a:t>2016/11/27</a:t>
             </a:fld>
             <a:endParaRPr lang="zh-CN" altLang="en-US"/>
           </a:p>
@@ -2369,7 +2368,7 @@
           <a:p>
             <a:fld id="{07BB1640-576C-4106-8BBF-5EE4E1757382}" type="datetimeFigureOut">
               <a:rPr lang="zh-CN" altLang="en-US" smtClean="0"/>
-              <a:t>2016/10/29</a:t>
+              <a:t>2016/11/27</a:t>
             </a:fld>
             <a:endParaRPr lang="zh-CN" altLang="en-US"/>
           </a:p>
@@ -2582,7 +2581,7 @@
           <a:p>
             <a:fld id="{07BB1640-576C-4106-8BBF-5EE4E1757382}" type="datetimeFigureOut">
               <a:rPr lang="zh-CN" altLang="en-US" smtClean="0"/>
-              <a:t>2016/10/29</a:t>
+              <a:t>2016/11/27</a:t>
             </a:fld>
             <a:endParaRPr lang="zh-CN" altLang="en-US"/>
           </a:p>
@@ -15356,20 +15355,73 @@
       </p:grpSpPr>
       <p:sp>
         <p:nvSpPr>
-          <p:cNvPr id="2" name="矩形 1"/>
+          <p:cNvPr id="9" name="矩形 8"/>
           <p:cNvSpPr/>
           <p:nvPr/>
         </p:nvSpPr>
         <p:spPr>
           <a:xfrm>
-            <a:off x="2362320" y="1923501"/>
-            <a:ext cx="1101797" cy="469785"/>
+            <a:off x="1219102" y="1792751"/>
+            <a:ext cx="1714193" cy="683703"/>
           </a:xfrm>
           <a:prstGeom prst="rect">
             <a:avLst/>
           </a:prstGeom>
           <a:solidFill>
             <a:schemeClr val="accent6">
+              <a:lumMod val="20000"/>
+              <a:lumOff val="80000"/>
+            </a:schemeClr>
+          </a:solidFill>
+        </p:spPr>
+        <p:style>
+          <a:lnRef idx="2">
+            <a:schemeClr val="accent1">
+              <a:shade val="50000"/>
+            </a:schemeClr>
+          </a:lnRef>
+          <a:fillRef idx="1">
+            <a:schemeClr val="accent1"/>
+          </a:fillRef>
+          <a:effectRef idx="0">
+            <a:schemeClr val="accent1"/>
+          </a:effectRef>
+          <a:fontRef idx="minor">
+            <a:schemeClr val="lt1"/>
+          </a:fontRef>
+        </p:style>
+        <p:txBody>
+          <a:bodyPr rtlCol="0" anchor="ctr"/>
+          <a:lstStyle/>
+          <a:p>
+            <a:pPr algn="ctr"/>
+            <a:r>
+              <a:rPr lang="zh-CN" altLang="en-US" dirty="0">
+                <a:solidFill>
+                  <a:schemeClr val="tx1"/>
+                </a:solidFill>
+              </a:rPr>
+              <a:t>个人</a:t>
+            </a:r>
+          </a:p>
+        </p:txBody>
+      </p:sp>
+      <p:sp>
+        <p:nvSpPr>
+          <p:cNvPr id="10" name="椭圆 9"/>
+          <p:cNvSpPr/>
+          <p:nvPr/>
+        </p:nvSpPr>
+        <p:spPr>
+          <a:xfrm>
+            <a:off x="4912616" y="2568771"/>
+            <a:ext cx="2211977" cy="1643258"/>
+          </a:xfrm>
+          <a:prstGeom prst="ellipse">
+            <a:avLst/>
+          </a:prstGeom>
+          <a:solidFill>
+            <a:schemeClr val="accent4">
               <a:lumMod val="20000"/>
               <a:lumOff val="80000"/>
             </a:schemeClr>
@@ -15402,7 +15454,7 @@
                   <a:schemeClr val="tx1"/>
                 </a:solidFill>
               </a:rPr>
-              <a:t>本校学生</a:t>
+              <a:t>图书馆空间预约系统</a:t>
             </a:r>
             <a:endParaRPr lang="zh-CN" altLang="en-US" dirty="0">
               <a:solidFill>
@@ -15414,14 +15466,67 @@
       </p:sp>
       <p:sp>
         <p:nvSpPr>
-          <p:cNvPr id="3" name="矩形 2"/>
+          <p:cNvPr id="11" name="矩形 10"/>
           <p:cNvSpPr/>
           <p:nvPr/>
         </p:nvSpPr>
         <p:spPr>
           <a:xfrm>
-            <a:off x="9924353" y="1923501"/>
-            <a:ext cx="1138726" cy="469785"/>
+            <a:off x="1219102" y="4212029"/>
+            <a:ext cx="1714193" cy="683703"/>
+          </a:xfrm>
+          <a:prstGeom prst="rect">
+            <a:avLst/>
+          </a:prstGeom>
+          <a:solidFill>
+            <a:schemeClr val="accent6">
+              <a:lumMod val="20000"/>
+              <a:lumOff val="80000"/>
+            </a:schemeClr>
+          </a:solidFill>
+        </p:spPr>
+        <p:style>
+          <a:lnRef idx="2">
+            <a:schemeClr val="accent1">
+              <a:shade val="50000"/>
+            </a:schemeClr>
+          </a:lnRef>
+          <a:fillRef idx="1">
+            <a:schemeClr val="accent1"/>
+          </a:fillRef>
+          <a:effectRef idx="0">
+            <a:schemeClr val="accent1"/>
+          </a:effectRef>
+          <a:fontRef idx="minor">
+            <a:schemeClr val="lt1"/>
+          </a:fontRef>
+        </p:style>
+        <p:txBody>
+          <a:bodyPr rtlCol="0" anchor="ctr"/>
+          <a:lstStyle/>
+          <a:p>
+            <a:pPr algn="ctr"/>
+            <a:r>
+              <a:rPr lang="zh-CN" altLang="en-US" dirty="0">
+                <a:solidFill>
+                  <a:schemeClr val="tx1"/>
+                </a:solidFill>
+              </a:rPr>
+              <a:t>团体</a:t>
+            </a:r>
+          </a:p>
+        </p:txBody>
+      </p:sp>
+      <p:sp>
+        <p:nvSpPr>
+          <p:cNvPr id="12" name="矩形 11"/>
+          <p:cNvSpPr/>
+          <p:nvPr/>
+        </p:nvSpPr>
+        <p:spPr>
+          <a:xfrm>
+            <a:off x="7994541" y="1595727"/>
+            <a:ext cx="1714193" cy="683703"/>
           </a:xfrm>
           <a:prstGeom prst="rect">
             <a:avLst/>
@@ -15460,7 +15565,7 @@
                   <a:schemeClr val="tx1"/>
                 </a:solidFill>
               </a:rPr>
-              <a:t>本校团体</a:t>
+              <a:t>仓库（座位、讨论室）</a:t>
             </a:r>
             <a:endParaRPr lang="zh-CN" altLang="en-US" dirty="0">
               <a:solidFill>
@@ -15472,14 +15577,14 @@
       </p:sp>
       <p:sp>
         <p:nvSpPr>
-          <p:cNvPr id="4" name="矩形 3"/>
+          <p:cNvPr id="13" name="矩形 12"/>
           <p:cNvSpPr/>
           <p:nvPr/>
         </p:nvSpPr>
         <p:spPr>
           <a:xfrm>
-            <a:off x="824712" y="4279672"/>
-            <a:ext cx="1005382" cy="565150"/>
+            <a:off x="8322331" y="4226563"/>
+            <a:ext cx="1714193" cy="683703"/>
           </a:xfrm>
           <a:prstGeom prst="rect">
             <a:avLst/>
@@ -15513,12 +15618,659 @@
           <a:p>
             <a:pPr algn="ctr"/>
             <a:r>
-              <a:rPr lang="zh-CN" altLang="en-US" dirty="0" smtClean="0">
+              <a:rPr lang="zh-CN" altLang="en-US" dirty="0">
                 <a:solidFill>
                   <a:schemeClr val="tx1"/>
                 </a:solidFill>
               </a:rPr>
-              <a:t>非本校人员</a:t>
+              <a:t>管理员</a:t>
+            </a:r>
+          </a:p>
+        </p:txBody>
+      </p:sp>
+      <p:cxnSp>
+        <p:nvCxnSpPr>
+          <p:cNvPr id="14" name="曲线连接符 13"/>
+          <p:cNvCxnSpPr>
+            <a:stCxn id="9" idx="0"/>
+            <a:endCxn id="10" idx="1"/>
+          </p:cNvCxnSpPr>
+          <p:nvPr/>
+        </p:nvCxnSpPr>
+        <p:spPr>
+          <a:xfrm rot="16200000" flipH="1">
+            <a:off x="3148041" y="720909"/>
+            <a:ext cx="1016670" cy="3160354"/>
+          </a:xfrm>
+          <a:prstGeom prst="curvedConnector3">
+            <a:avLst>
+              <a:gd name="adj1" fmla="val -22485"/>
+            </a:avLst>
+          </a:prstGeom>
+          <a:ln>
+            <a:tailEnd type="triangle"/>
+          </a:ln>
+        </p:spPr>
+        <p:style>
+          <a:lnRef idx="1">
+            <a:schemeClr val="accent1"/>
+          </a:lnRef>
+          <a:fillRef idx="0">
+            <a:schemeClr val="accent1"/>
+          </a:fillRef>
+          <a:effectRef idx="0">
+            <a:schemeClr val="accent1"/>
+          </a:effectRef>
+          <a:fontRef idx="minor">
+            <a:schemeClr val="tx1"/>
+          </a:fontRef>
+        </p:style>
+      </p:cxnSp>
+      <p:cxnSp>
+        <p:nvCxnSpPr>
+          <p:cNvPr id="15" name="曲线连接符 14"/>
+          <p:cNvCxnSpPr/>
+          <p:nvPr/>
+        </p:nvCxnSpPr>
+        <p:spPr>
+          <a:xfrm rot="10800000">
+            <a:off x="2933295" y="1995392"/>
+            <a:ext cx="2303258" cy="844913"/>
+          </a:xfrm>
+          <a:prstGeom prst="curvedConnector3">
+            <a:avLst>
+              <a:gd name="adj1" fmla="val 50000"/>
+            </a:avLst>
+          </a:prstGeom>
+          <a:ln>
+            <a:tailEnd type="triangle"/>
+          </a:ln>
+        </p:spPr>
+        <p:style>
+          <a:lnRef idx="1">
+            <a:schemeClr val="accent1"/>
+          </a:lnRef>
+          <a:fillRef idx="0">
+            <a:schemeClr val="accent1"/>
+          </a:fillRef>
+          <a:effectRef idx="0">
+            <a:schemeClr val="accent1"/>
+          </a:effectRef>
+          <a:fontRef idx="minor">
+            <a:schemeClr val="tx1"/>
+          </a:fontRef>
+        </p:style>
+      </p:cxnSp>
+      <p:cxnSp>
+        <p:nvCxnSpPr>
+          <p:cNvPr id="16" name="曲线连接符 15"/>
+          <p:cNvCxnSpPr/>
+          <p:nvPr/>
+        </p:nvCxnSpPr>
+        <p:spPr>
+          <a:xfrm flipV="1">
+            <a:off x="2933295" y="3868517"/>
+            <a:ext cx="2195072" cy="958668"/>
+          </a:xfrm>
+          <a:prstGeom prst="curvedConnector3">
+            <a:avLst>
+              <a:gd name="adj1" fmla="val -586"/>
+            </a:avLst>
+          </a:prstGeom>
+          <a:ln>
+            <a:tailEnd type="triangle"/>
+          </a:ln>
+        </p:spPr>
+        <p:style>
+          <a:lnRef idx="1">
+            <a:schemeClr val="accent1"/>
+          </a:lnRef>
+          <a:fillRef idx="0">
+            <a:schemeClr val="accent1"/>
+          </a:fillRef>
+          <a:effectRef idx="0">
+            <a:schemeClr val="accent1"/>
+          </a:effectRef>
+          <a:fontRef idx="minor">
+            <a:schemeClr val="tx1"/>
+          </a:fontRef>
+        </p:style>
+      </p:cxnSp>
+      <p:cxnSp>
+        <p:nvCxnSpPr>
+          <p:cNvPr id="17" name="曲线连接符 16"/>
+          <p:cNvCxnSpPr/>
+          <p:nvPr/>
+        </p:nvCxnSpPr>
+        <p:spPr>
+          <a:xfrm rot="10800000" flipV="1">
+            <a:off x="2933296" y="4084170"/>
+            <a:ext cx="2529923" cy="743013"/>
+          </a:xfrm>
+          <a:prstGeom prst="curvedConnector3">
+            <a:avLst>
+              <a:gd name="adj1" fmla="val -1414"/>
+            </a:avLst>
+          </a:prstGeom>
+          <a:ln>
+            <a:tailEnd type="triangle"/>
+          </a:ln>
+        </p:spPr>
+        <p:style>
+          <a:lnRef idx="1">
+            <a:schemeClr val="accent1"/>
+          </a:lnRef>
+          <a:fillRef idx="0">
+            <a:schemeClr val="accent1"/>
+          </a:fillRef>
+          <a:effectRef idx="0">
+            <a:schemeClr val="accent1"/>
+          </a:effectRef>
+          <a:fontRef idx="minor">
+            <a:schemeClr val="tx1"/>
+          </a:fontRef>
+        </p:style>
+      </p:cxnSp>
+      <p:sp>
+        <p:nvSpPr>
+          <p:cNvPr id="18" name="文本框 17"/>
+          <p:cNvSpPr txBox="1"/>
+          <p:nvPr/>
+        </p:nvSpPr>
+        <p:spPr>
+          <a:xfrm>
+            <a:off x="2786140" y="1366011"/>
+            <a:ext cx="1570382" cy="307777"/>
+          </a:xfrm>
+          <a:prstGeom prst="rect">
+            <a:avLst/>
+          </a:prstGeom>
+          <a:noFill/>
+        </p:spPr>
+        <p:txBody>
+          <a:bodyPr wrap="square" rtlCol="0">
+            <a:spAutoFit/>
+          </a:bodyPr>
+          <a:lstStyle/>
+          <a:p>
+            <a:r>
+              <a:rPr lang="zh-CN" altLang="en-US" sz="1400" dirty="0" smtClean="0"/>
+              <a:t>预约座位申请</a:t>
+            </a:r>
+            <a:endParaRPr lang="zh-CN" altLang="en-US" sz="1400" dirty="0"/>
+          </a:p>
+        </p:txBody>
+      </p:sp>
+      <p:sp>
+        <p:nvSpPr>
+          <p:cNvPr id="19" name="文本框 18"/>
+          <p:cNvSpPr txBox="1"/>
+          <p:nvPr/>
+        </p:nvSpPr>
+        <p:spPr>
+          <a:xfrm>
+            <a:off x="3318220" y="2047382"/>
+            <a:ext cx="1632473" cy="307777"/>
+          </a:xfrm>
+          <a:prstGeom prst="rect">
+            <a:avLst/>
+          </a:prstGeom>
+          <a:noFill/>
+        </p:spPr>
+        <p:txBody>
+          <a:bodyPr wrap="square" rtlCol="0">
+            <a:spAutoFit/>
+          </a:bodyPr>
+          <a:lstStyle/>
+          <a:p>
+            <a:r>
+              <a:rPr lang="zh-CN" altLang="en-US" sz="1400" dirty="0" smtClean="0"/>
+              <a:t>预约情况反馈</a:t>
+            </a:r>
+            <a:endParaRPr lang="zh-CN" altLang="en-US" sz="1400" dirty="0"/>
+          </a:p>
+        </p:txBody>
+      </p:sp>
+      <p:sp>
+        <p:nvSpPr>
+          <p:cNvPr id="20" name="文本框 19"/>
+          <p:cNvSpPr txBox="1"/>
+          <p:nvPr/>
+        </p:nvSpPr>
+        <p:spPr>
+          <a:xfrm>
+            <a:off x="3088630" y="3762960"/>
+            <a:ext cx="1823431" cy="307777"/>
+          </a:xfrm>
+          <a:prstGeom prst="rect">
+            <a:avLst/>
+          </a:prstGeom>
+          <a:noFill/>
+        </p:spPr>
+        <p:txBody>
+          <a:bodyPr wrap="square" rtlCol="0">
+            <a:spAutoFit/>
+          </a:bodyPr>
+          <a:lstStyle/>
+          <a:p>
+            <a:r>
+              <a:rPr lang="zh-CN" altLang="en-US" sz="1400" dirty="0" smtClean="0"/>
+              <a:t>预约讨论室申请</a:t>
+            </a:r>
+            <a:endParaRPr lang="zh-CN" altLang="en-US" sz="1400" dirty="0"/>
+          </a:p>
+        </p:txBody>
+      </p:sp>
+      <p:sp>
+        <p:nvSpPr>
+          <p:cNvPr id="21" name="文本框 20"/>
+          <p:cNvSpPr txBox="1"/>
+          <p:nvPr/>
+        </p:nvSpPr>
+        <p:spPr>
+          <a:xfrm>
+            <a:off x="3975967" y="4688949"/>
+            <a:ext cx="1755220" cy="307777"/>
+          </a:xfrm>
+          <a:prstGeom prst="rect">
+            <a:avLst/>
+          </a:prstGeom>
+          <a:noFill/>
+        </p:spPr>
+        <p:txBody>
+          <a:bodyPr wrap="square" rtlCol="0">
+            <a:spAutoFit/>
+          </a:bodyPr>
+          <a:lstStyle/>
+          <a:p>
+            <a:r>
+              <a:rPr lang="zh-CN" altLang="en-US" sz="1400" dirty="0" smtClean="0"/>
+              <a:t>预约情况反馈</a:t>
+            </a:r>
+            <a:endParaRPr lang="zh-CN" altLang="en-US" sz="1400" dirty="0"/>
+          </a:p>
+        </p:txBody>
+      </p:sp>
+      <p:cxnSp>
+        <p:nvCxnSpPr>
+          <p:cNvPr id="22" name="曲线连接符 21"/>
+          <p:cNvCxnSpPr>
+            <a:stCxn id="10" idx="7"/>
+          </p:cNvCxnSpPr>
+          <p:nvPr/>
+        </p:nvCxnSpPr>
+        <p:spPr>
+          <a:xfrm rot="5400000" flipH="1" flipV="1">
+            <a:off x="6989088" y="1765185"/>
+            <a:ext cx="855805" cy="1232669"/>
+          </a:xfrm>
+          <a:prstGeom prst="curvedConnector2">
+            <a:avLst/>
+          </a:prstGeom>
+          <a:ln>
+            <a:tailEnd type="triangle"/>
+          </a:ln>
+        </p:spPr>
+        <p:style>
+          <a:lnRef idx="1">
+            <a:schemeClr val="accent1"/>
+          </a:lnRef>
+          <a:fillRef idx="0">
+            <a:schemeClr val="accent1"/>
+          </a:fillRef>
+          <a:effectRef idx="0">
+            <a:schemeClr val="accent1"/>
+          </a:effectRef>
+          <a:fontRef idx="minor">
+            <a:schemeClr val="tx1"/>
+          </a:fontRef>
+        </p:style>
+      </p:cxnSp>
+      <p:sp>
+        <p:nvSpPr>
+          <p:cNvPr id="23" name="文本框 22"/>
+          <p:cNvSpPr txBox="1"/>
+          <p:nvPr/>
+        </p:nvSpPr>
+        <p:spPr>
+          <a:xfrm>
+            <a:off x="6363872" y="1995391"/>
+            <a:ext cx="1193885" cy="307777"/>
+          </a:xfrm>
+          <a:prstGeom prst="rect">
+            <a:avLst/>
+          </a:prstGeom>
+          <a:noFill/>
+        </p:spPr>
+        <p:txBody>
+          <a:bodyPr wrap="square" rtlCol="0">
+            <a:spAutoFit/>
+          </a:bodyPr>
+          <a:lstStyle/>
+          <a:p>
+            <a:r>
+              <a:rPr lang="zh-CN" altLang="en-US" sz="1400" dirty="0" smtClean="0"/>
+              <a:t>使用清单</a:t>
+            </a:r>
+            <a:endParaRPr lang="zh-CN" altLang="en-US" sz="1400" dirty="0"/>
+          </a:p>
+        </p:txBody>
+      </p:sp>
+      <p:sp>
+        <p:nvSpPr>
+          <p:cNvPr id="24" name="文本框 23"/>
+          <p:cNvSpPr txBox="1"/>
+          <p:nvPr/>
+        </p:nvSpPr>
+        <p:spPr>
+          <a:xfrm>
+            <a:off x="6402049" y="4568414"/>
+            <a:ext cx="1920282" cy="307777"/>
+          </a:xfrm>
+          <a:prstGeom prst="rect">
+            <a:avLst/>
+          </a:prstGeom>
+          <a:noFill/>
+        </p:spPr>
+        <p:txBody>
+          <a:bodyPr wrap="square" rtlCol="0">
+            <a:spAutoFit/>
+          </a:bodyPr>
+          <a:lstStyle/>
+          <a:p>
+            <a:r>
+              <a:rPr lang="zh-CN" altLang="en-US" sz="1400" dirty="0" smtClean="0"/>
+              <a:t>个人（团体）统</a:t>
+            </a:r>
+            <a:r>
+              <a:rPr lang="zh-CN" altLang="en-US" sz="1400" dirty="0" smtClean="0"/>
+              <a:t>计表</a:t>
+            </a:r>
+            <a:endParaRPr lang="zh-CN" altLang="en-US" sz="1400" dirty="0"/>
+          </a:p>
+        </p:txBody>
+      </p:sp>
+      <p:cxnSp>
+        <p:nvCxnSpPr>
+          <p:cNvPr id="25" name="曲线连接符 24"/>
+          <p:cNvCxnSpPr>
+            <a:stCxn id="10" idx="5"/>
+          </p:cNvCxnSpPr>
+          <p:nvPr/>
+        </p:nvCxnSpPr>
+        <p:spPr>
+          <a:xfrm rot="16200000" flipH="1">
+            <a:off x="7218249" y="3553785"/>
+            <a:ext cx="686488" cy="1521675"/>
+          </a:xfrm>
+          <a:prstGeom prst="curvedConnector2">
+            <a:avLst/>
+          </a:prstGeom>
+          <a:ln>
+            <a:tailEnd type="triangle"/>
+          </a:ln>
+        </p:spPr>
+        <p:style>
+          <a:lnRef idx="1">
+            <a:schemeClr val="accent1"/>
+          </a:lnRef>
+          <a:fillRef idx="0">
+            <a:schemeClr val="accent1"/>
+          </a:fillRef>
+          <a:effectRef idx="0">
+            <a:schemeClr val="accent1"/>
+          </a:effectRef>
+          <a:fontRef idx="minor">
+            <a:schemeClr val="tx1"/>
+          </a:fontRef>
+        </p:style>
+      </p:cxnSp>
+      <p:cxnSp>
+        <p:nvCxnSpPr>
+          <p:cNvPr id="27" name="曲线连接符 26"/>
+          <p:cNvCxnSpPr>
+            <a:stCxn id="13" idx="1"/>
+            <a:endCxn id="10" idx="6"/>
+          </p:cNvCxnSpPr>
+          <p:nvPr/>
+        </p:nvCxnSpPr>
+        <p:spPr>
+          <a:xfrm rot="10800000">
+            <a:off x="7124593" y="3390401"/>
+            <a:ext cx="1197738" cy="1178015"/>
+          </a:xfrm>
+          <a:prstGeom prst="curvedConnector3">
+            <a:avLst/>
+          </a:prstGeom>
+          <a:ln>
+            <a:tailEnd type="triangle"/>
+          </a:ln>
+        </p:spPr>
+        <p:style>
+          <a:lnRef idx="1">
+            <a:schemeClr val="accent1"/>
+          </a:lnRef>
+          <a:fillRef idx="0">
+            <a:schemeClr val="accent1"/>
+          </a:fillRef>
+          <a:effectRef idx="0">
+            <a:schemeClr val="accent1"/>
+          </a:effectRef>
+          <a:fontRef idx="minor">
+            <a:schemeClr val="tx1"/>
+          </a:fontRef>
+        </p:style>
+      </p:cxnSp>
+      <p:sp>
+        <p:nvSpPr>
+          <p:cNvPr id="29" name="文本框 28"/>
+          <p:cNvSpPr txBox="1"/>
+          <p:nvPr/>
+        </p:nvSpPr>
+        <p:spPr>
+          <a:xfrm>
+            <a:off x="3677500" y="4232671"/>
+            <a:ext cx="1920282" cy="307777"/>
+          </a:xfrm>
+          <a:prstGeom prst="rect">
+            <a:avLst/>
+          </a:prstGeom>
+          <a:noFill/>
+        </p:spPr>
+        <p:txBody>
+          <a:bodyPr wrap="square" rtlCol="0">
+            <a:spAutoFit/>
+          </a:bodyPr>
+          <a:lstStyle/>
+          <a:p>
+            <a:r>
+              <a:rPr lang="zh-CN" altLang="en-US" sz="1400" dirty="0" smtClean="0"/>
+              <a:t>修改团体信息</a:t>
+            </a:r>
+            <a:endParaRPr lang="zh-CN" altLang="en-US" sz="1400" dirty="0"/>
+          </a:p>
+        </p:txBody>
+      </p:sp>
+      <p:cxnSp>
+        <p:nvCxnSpPr>
+          <p:cNvPr id="41" name="曲线连接符 40"/>
+          <p:cNvCxnSpPr>
+            <a:stCxn id="9" idx="2"/>
+          </p:cNvCxnSpPr>
+          <p:nvPr/>
+        </p:nvCxnSpPr>
+        <p:spPr>
+          <a:xfrm rot="16200000" flipH="1">
+            <a:off x="3314575" y="1238077"/>
+            <a:ext cx="525857" cy="3002609"/>
+          </a:xfrm>
+          <a:prstGeom prst="curvedConnector2">
+            <a:avLst/>
+          </a:prstGeom>
+          <a:ln>
+            <a:tailEnd type="triangle"/>
+          </a:ln>
+        </p:spPr>
+        <p:style>
+          <a:lnRef idx="1">
+            <a:schemeClr val="accent1"/>
+          </a:lnRef>
+          <a:fillRef idx="0">
+            <a:schemeClr val="accent1"/>
+          </a:fillRef>
+          <a:effectRef idx="0">
+            <a:schemeClr val="accent1"/>
+          </a:effectRef>
+          <a:fontRef idx="minor">
+            <a:schemeClr val="tx1"/>
+          </a:fontRef>
+        </p:style>
+      </p:cxnSp>
+      <p:sp>
+        <p:nvSpPr>
+          <p:cNvPr id="43" name="文本框 42"/>
+          <p:cNvSpPr txBox="1"/>
+          <p:nvPr/>
+        </p:nvSpPr>
+        <p:spPr>
+          <a:xfrm>
+            <a:off x="2420784" y="2596195"/>
+            <a:ext cx="1920282" cy="307777"/>
+          </a:xfrm>
+          <a:prstGeom prst="rect">
+            <a:avLst/>
+          </a:prstGeom>
+          <a:noFill/>
+        </p:spPr>
+        <p:txBody>
+          <a:bodyPr wrap="square" rtlCol="0">
+            <a:spAutoFit/>
+          </a:bodyPr>
+          <a:lstStyle/>
+          <a:p>
+            <a:r>
+              <a:rPr lang="zh-CN" altLang="en-US" sz="1400" dirty="0" smtClean="0"/>
+              <a:t>修改个人信息</a:t>
+            </a:r>
+            <a:endParaRPr lang="zh-CN" altLang="en-US" sz="1400" dirty="0"/>
+          </a:p>
+        </p:txBody>
+      </p:sp>
+      <p:cxnSp>
+        <p:nvCxnSpPr>
+          <p:cNvPr id="49" name="曲线连接符 48"/>
+          <p:cNvCxnSpPr>
+            <a:stCxn id="11" idx="3"/>
+            <a:endCxn id="10" idx="3"/>
+          </p:cNvCxnSpPr>
+          <p:nvPr/>
+        </p:nvCxnSpPr>
+        <p:spPr>
+          <a:xfrm flipV="1">
+            <a:off x="2933295" y="3971379"/>
+            <a:ext cx="2303258" cy="582502"/>
+          </a:xfrm>
+          <a:prstGeom prst="curvedConnector2">
+            <a:avLst/>
+          </a:prstGeom>
+          <a:ln>
+            <a:tailEnd type="triangle"/>
+          </a:ln>
+        </p:spPr>
+        <p:style>
+          <a:lnRef idx="1">
+            <a:schemeClr val="accent1"/>
+          </a:lnRef>
+          <a:fillRef idx="0">
+            <a:schemeClr val="accent1"/>
+          </a:fillRef>
+          <a:effectRef idx="0">
+            <a:schemeClr val="accent1"/>
+          </a:effectRef>
+          <a:fontRef idx="minor">
+            <a:schemeClr val="tx1"/>
+          </a:fontRef>
+        </p:style>
+      </p:cxnSp>
+      <p:sp>
+        <p:nvSpPr>
+          <p:cNvPr id="50" name="文本框 49"/>
+          <p:cNvSpPr txBox="1"/>
+          <p:nvPr/>
+        </p:nvSpPr>
+        <p:spPr>
+          <a:xfrm>
+            <a:off x="7569390" y="3900260"/>
+            <a:ext cx="1920282" cy="307777"/>
+          </a:xfrm>
+          <a:prstGeom prst="rect">
+            <a:avLst/>
+          </a:prstGeom>
+          <a:noFill/>
+        </p:spPr>
+        <p:txBody>
+          <a:bodyPr wrap="square" rtlCol="0">
+            <a:spAutoFit/>
+          </a:bodyPr>
+          <a:lstStyle/>
+          <a:p>
+            <a:r>
+              <a:rPr lang="zh-CN" altLang="en-US" sz="1400" dirty="0" smtClean="0"/>
+              <a:t>修改管理员信息</a:t>
+            </a:r>
+            <a:endParaRPr lang="zh-CN" altLang="en-US" sz="1400" dirty="0"/>
+          </a:p>
+        </p:txBody>
+      </p:sp>
+      <p:sp>
+        <p:nvSpPr>
+          <p:cNvPr id="51" name="矩形 50"/>
+          <p:cNvSpPr/>
+          <p:nvPr/>
+        </p:nvSpPr>
+        <p:spPr>
+          <a:xfrm>
+            <a:off x="5161507" y="588251"/>
+            <a:ext cx="1714193" cy="683703"/>
+          </a:xfrm>
+          <a:prstGeom prst="rect">
+            <a:avLst/>
+          </a:prstGeom>
+          <a:solidFill>
+            <a:schemeClr val="accent6">
+              <a:lumMod val="20000"/>
+              <a:lumOff val="80000"/>
+            </a:schemeClr>
+          </a:solidFill>
+        </p:spPr>
+        <p:style>
+          <a:lnRef idx="2">
+            <a:schemeClr val="accent1">
+              <a:shade val="50000"/>
+            </a:schemeClr>
+          </a:lnRef>
+          <a:fillRef idx="1">
+            <a:schemeClr val="accent1"/>
+          </a:fillRef>
+          <a:effectRef idx="0">
+            <a:schemeClr val="accent1"/>
+          </a:effectRef>
+          <a:fontRef idx="minor">
+            <a:schemeClr val="lt1"/>
+          </a:fontRef>
+        </p:style>
+        <p:txBody>
+          <a:bodyPr rtlCol="0" anchor="ctr"/>
+          <a:lstStyle/>
+          <a:p>
+            <a:pPr algn="ctr"/>
+            <a:r>
+              <a:rPr lang="zh-CN" altLang="en-US" dirty="0">
+                <a:solidFill>
+                  <a:schemeClr val="tx1"/>
+                </a:solidFill>
+              </a:rPr>
+              <a:t>教务</a:t>
             </a:r>
             <a:endParaRPr lang="zh-CN" altLang="en-US" dirty="0">
               <a:solidFill>
@@ -15528,322 +16280,26 @@
           </a:p>
         </p:txBody>
       </p:sp>
-      <p:sp>
-        <p:nvSpPr>
-          <p:cNvPr id="5" name="矩形 4"/>
-          <p:cNvSpPr/>
-          <p:nvPr/>
-        </p:nvSpPr>
-        <p:spPr>
-          <a:xfrm>
-            <a:off x="5958877" y="4331494"/>
-            <a:ext cx="1107308" cy="474925"/>
-          </a:xfrm>
-          <a:prstGeom prst="rect">
-            <a:avLst/>
-          </a:prstGeom>
-          <a:solidFill>
-            <a:schemeClr val="accent6">
-              <a:lumMod val="20000"/>
-              <a:lumOff val="80000"/>
-            </a:schemeClr>
-          </a:solidFill>
-        </p:spPr>
-        <p:style>
-          <a:lnRef idx="2">
-            <a:schemeClr val="accent1">
-              <a:shade val="50000"/>
-            </a:schemeClr>
-          </a:lnRef>
-          <a:fillRef idx="1">
-            <a:schemeClr val="accent1"/>
-          </a:fillRef>
-          <a:effectRef idx="0">
-            <a:schemeClr val="accent1"/>
-          </a:effectRef>
-          <a:fontRef idx="minor">
-            <a:schemeClr val="lt1"/>
-          </a:fontRef>
-        </p:style>
-        <p:txBody>
-          <a:bodyPr rtlCol="0" anchor="ctr"/>
-          <a:lstStyle/>
-          <a:p>
-            <a:pPr algn="ctr"/>
-            <a:r>
-              <a:rPr lang="zh-CN" altLang="en-US" dirty="0" smtClean="0">
-                <a:solidFill>
-                  <a:schemeClr val="tx1"/>
-                </a:solidFill>
-              </a:rPr>
-              <a:t>管理员</a:t>
-            </a:r>
-            <a:endParaRPr lang="zh-CN" altLang="en-US" dirty="0">
-              <a:solidFill>
-                <a:schemeClr val="tx1"/>
-              </a:solidFill>
-            </a:endParaRPr>
-          </a:p>
-        </p:txBody>
-      </p:sp>
-      <p:sp>
-        <p:nvSpPr>
-          <p:cNvPr id="6" name="菱形 5"/>
-          <p:cNvSpPr/>
-          <p:nvPr/>
-        </p:nvSpPr>
-        <p:spPr>
-          <a:xfrm>
-            <a:off x="3427894" y="4284529"/>
-            <a:ext cx="748570" cy="560293"/>
-          </a:xfrm>
-          <a:prstGeom prst="diamond">
-            <a:avLst/>
-          </a:prstGeom>
-          <a:solidFill>
-            <a:schemeClr val="bg1">
-              <a:lumMod val="95000"/>
-            </a:schemeClr>
-          </a:solidFill>
-        </p:spPr>
-        <p:style>
-          <a:lnRef idx="2">
-            <a:schemeClr val="accent1">
-              <a:shade val="50000"/>
-            </a:schemeClr>
-          </a:lnRef>
-          <a:fillRef idx="1">
-            <a:schemeClr val="accent1"/>
-          </a:fillRef>
-          <a:effectRef idx="0">
-            <a:schemeClr val="accent1"/>
-          </a:effectRef>
-          <a:fontRef idx="minor">
-            <a:schemeClr val="lt1"/>
-          </a:fontRef>
-        </p:style>
-        <p:txBody>
-          <a:bodyPr rtlCol="0" anchor="ctr"/>
-          <a:lstStyle/>
-          <a:p>
-            <a:pPr algn="ctr"/>
-            <a:r>
-              <a:rPr lang="zh-CN" altLang="en-US" dirty="0">
-                <a:solidFill>
-                  <a:schemeClr val="tx1"/>
-                </a:solidFill>
-              </a:rPr>
-              <a:t>申请</a:t>
-            </a:r>
-          </a:p>
-        </p:txBody>
-      </p:sp>
       <p:cxnSp>
         <p:nvCxnSpPr>
-          <p:cNvPr id="7" name="直接连接符 6"/>
+          <p:cNvPr id="55" name="直接箭头连接符 54"/>
           <p:cNvCxnSpPr>
-            <a:stCxn id="4" idx="3"/>
-            <a:endCxn id="6" idx="1"/>
-          </p:cNvCxnSpPr>
-          <p:nvPr/>
-        </p:nvCxnSpPr>
-        <p:spPr>
-          <a:xfrm>
-            <a:off x="1830094" y="4562247"/>
-            <a:ext cx="1597800" cy="2429"/>
-          </a:xfrm>
-          <a:prstGeom prst="line">
-            <a:avLst/>
-          </a:prstGeom>
-        </p:spPr>
-        <p:style>
-          <a:lnRef idx="1">
-            <a:schemeClr val="accent1"/>
-          </a:lnRef>
-          <a:fillRef idx="0">
-            <a:schemeClr val="accent1"/>
-          </a:fillRef>
-          <a:effectRef idx="0">
-            <a:schemeClr val="accent1"/>
-          </a:effectRef>
-          <a:fontRef idx="minor">
-            <a:schemeClr val="tx1"/>
-          </a:fontRef>
-        </p:style>
-      </p:cxnSp>
-      <p:cxnSp>
-        <p:nvCxnSpPr>
-          <p:cNvPr id="8" name="直接连接符 7"/>
-          <p:cNvCxnSpPr>
-            <a:stCxn id="6" idx="3"/>
-            <a:endCxn id="5" idx="1"/>
-          </p:cNvCxnSpPr>
-          <p:nvPr/>
-        </p:nvCxnSpPr>
-        <p:spPr>
-          <a:xfrm>
-            <a:off x="4176464" y="4564676"/>
-            <a:ext cx="1782413" cy="4281"/>
-          </a:xfrm>
-          <a:prstGeom prst="line">
-            <a:avLst/>
-          </a:prstGeom>
-        </p:spPr>
-        <p:style>
-          <a:lnRef idx="1">
-            <a:schemeClr val="accent1"/>
-          </a:lnRef>
-          <a:fillRef idx="0">
-            <a:schemeClr val="accent1"/>
-          </a:fillRef>
-          <a:effectRef idx="0">
-            <a:schemeClr val="accent1"/>
-          </a:effectRef>
-          <a:fontRef idx="minor">
-            <a:schemeClr val="tx1"/>
-          </a:fontRef>
-        </p:style>
-      </p:cxnSp>
-      <p:sp>
-        <p:nvSpPr>
-          <p:cNvPr id="9" name="矩形 8"/>
-          <p:cNvSpPr/>
-          <p:nvPr/>
-        </p:nvSpPr>
-        <p:spPr>
-          <a:xfrm>
-            <a:off x="2359608" y="5751491"/>
-            <a:ext cx="1103952" cy="417533"/>
-          </a:xfrm>
-          <a:prstGeom prst="rect">
-            <a:avLst/>
-          </a:prstGeom>
-          <a:solidFill>
-            <a:schemeClr val="accent6">
-              <a:lumMod val="20000"/>
-              <a:lumOff val="80000"/>
-            </a:schemeClr>
-          </a:solidFill>
-        </p:spPr>
-        <p:style>
-          <a:lnRef idx="2">
-            <a:schemeClr val="accent1">
-              <a:shade val="50000"/>
-            </a:schemeClr>
-          </a:lnRef>
-          <a:fillRef idx="1">
-            <a:schemeClr val="accent1"/>
-          </a:fillRef>
-          <a:effectRef idx="0">
-            <a:schemeClr val="accent1"/>
-          </a:effectRef>
-          <a:fontRef idx="minor">
-            <a:schemeClr val="lt1"/>
-          </a:fontRef>
-        </p:style>
-        <p:txBody>
-          <a:bodyPr rtlCol="0" anchor="ctr"/>
-          <a:lstStyle/>
-          <a:p>
-            <a:pPr algn="ctr"/>
-            <a:r>
-              <a:rPr lang="zh-CN" altLang="en-US" dirty="0" smtClean="0">
-                <a:solidFill>
-                  <a:schemeClr val="tx1"/>
-                </a:solidFill>
-              </a:rPr>
-              <a:t>单人座位</a:t>
-            </a:r>
-            <a:endParaRPr lang="zh-CN" altLang="en-US" dirty="0">
-              <a:solidFill>
-                <a:schemeClr val="tx1"/>
-              </a:solidFill>
-            </a:endParaRPr>
-          </a:p>
-        </p:txBody>
-      </p:sp>
-      <p:sp>
-        <p:nvSpPr>
-          <p:cNvPr id="10" name="菱形 9"/>
-          <p:cNvSpPr/>
-          <p:nvPr/>
-        </p:nvSpPr>
-        <p:spPr>
-          <a:xfrm>
-            <a:off x="658858" y="5576429"/>
-            <a:ext cx="1343459" cy="767655"/>
-          </a:xfrm>
-          <a:prstGeom prst="diamond">
-            <a:avLst/>
-          </a:prstGeom>
-          <a:solidFill>
-            <a:schemeClr val="bg1">
-              <a:lumMod val="95000"/>
-            </a:schemeClr>
-          </a:solidFill>
-        </p:spPr>
-        <p:style>
-          <a:lnRef idx="2">
-            <a:schemeClr val="accent1">
-              <a:shade val="50000"/>
-            </a:schemeClr>
-          </a:lnRef>
-          <a:fillRef idx="1">
-            <a:schemeClr val="accent1"/>
-          </a:fillRef>
-          <a:effectRef idx="0">
-            <a:schemeClr val="accent1"/>
-          </a:effectRef>
-          <a:fontRef idx="minor">
-            <a:schemeClr val="lt1"/>
-          </a:fontRef>
-        </p:style>
-        <p:txBody>
-          <a:bodyPr rtlCol="0" anchor="ctr"/>
-          <a:lstStyle/>
-          <a:p>
-            <a:pPr algn="ctr"/>
-            <a:r>
-              <a:rPr lang="zh-CN" altLang="en-US" dirty="0">
-                <a:solidFill>
-                  <a:schemeClr val="tx1"/>
-                </a:solidFill>
-              </a:rPr>
-              <a:t>临</a:t>
-            </a:r>
-            <a:r>
-              <a:rPr lang="zh-CN" altLang="en-US" dirty="0" smtClean="0">
-                <a:solidFill>
-                  <a:schemeClr val="tx1"/>
-                </a:solidFill>
-              </a:rPr>
-              <a:t>时预约</a:t>
-            </a:r>
-            <a:endParaRPr lang="zh-CN" altLang="en-US" dirty="0">
-              <a:solidFill>
-                <a:schemeClr val="tx1"/>
-              </a:solidFill>
-            </a:endParaRPr>
-          </a:p>
-        </p:txBody>
-      </p:sp>
-      <p:cxnSp>
-        <p:nvCxnSpPr>
-          <p:cNvPr id="11" name="直接连接符 10"/>
-          <p:cNvCxnSpPr>
-            <a:stCxn id="4" idx="2"/>
+            <a:stCxn id="51" idx="2"/>
             <a:endCxn id="10" idx="0"/>
           </p:cNvCxnSpPr>
           <p:nvPr/>
         </p:nvCxnSpPr>
         <p:spPr>
           <a:xfrm>
-            <a:off x="1327403" y="4844822"/>
-            <a:ext cx="3185" cy="731607"/>
-          </a:xfrm>
-          <a:prstGeom prst="line">
-            <a:avLst/>
-          </a:prstGeom>
+            <a:off x="6018604" y="1271954"/>
+            <a:ext cx="1" cy="1296817"/>
+          </a:xfrm>
+          <a:prstGeom prst="straightConnector1">
+            <a:avLst/>
+          </a:prstGeom>
+          <a:ln>
+            <a:tailEnd type="triangle"/>
+          </a:ln>
         </p:spPr>
         <p:style>
           <a:lnRef idx="1">
@@ -15860,5992 +16316,46 @@
           </a:fontRef>
         </p:style>
       </p:cxnSp>
-      <p:cxnSp>
-        <p:nvCxnSpPr>
-          <p:cNvPr id="12" name="直接连接符 11"/>
-          <p:cNvCxnSpPr>
-            <a:stCxn id="10" idx="3"/>
-            <a:endCxn id="9" idx="1"/>
-          </p:cNvCxnSpPr>
-          <p:nvPr/>
-        </p:nvCxnSpPr>
-        <p:spPr>
-          <a:xfrm>
-            <a:off x="2002317" y="5960257"/>
-            <a:ext cx="357291" cy="1"/>
-          </a:xfrm>
-          <a:prstGeom prst="line">
-            <a:avLst/>
-          </a:prstGeom>
-        </p:spPr>
-        <p:style>
-          <a:lnRef idx="1">
-            <a:schemeClr val="accent1"/>
-          </a:lnRef>
-          <a:fillRef idx="0">
-            <a:schemeClr val="accent1"/>
-          </a:fillRef>
-          <a:effectRef idx="0">
-            <a:schemeClr val="accent1"/>
-          </a:effectRef>
-          <a:fontRef idx="minor">
-            <a:schemeClr val="tx1"/>
-          </a:fontRef>
-        </p:style>
-      </p:cxnSp>
-      <p:cxnSp>
-        <p:nvCxnSpPr>
-          <p:cNvPr id="13" name="直接连接符 12"/>
-          <p:cNvCxnSpPr>
-            <a:stCxn id="5" idx="2"/>
-            <a:endCxn id="14" idx="0"/>
-          </p:cNvCxnSpPr>
-          <p:nvPr/>
-        </p:nvCxnSpPr>
-        <p:spPr>
-          <a:xfrm>
-            <a:off x="6512531" y="4806419"/>
-            <a:ext cx="0" cy="840209"/>
-          </a:xfrm>
-          <a:prstGeom prst="line">
-            <a:avLst/>
-          </a:prstGeom>
-        </p:spPr>
-        <p:style>
-          <a:lnRef idx="1">
-            <a:schemeClr val="accent1"/>
-          </a:lnRef>
-          <a:fillRef idx="0">
-            <a:schemeClr val="accent1"/>
-          </a:fillRef>
-          <a:effectRef idx="0">
-            <a:schemeClr val="accent1"/>
-          </a:effectRef>
-          <a:fontRef idx="minor">
-            <a:schemeClr val="tx1"/>
-          </a:fontRef>
-        </p:style>
-      </p:cxnSp>
-      <p:sp>
-        <p:nvSpPr>
-          <p:cNvPr id="14" name="菱形 13"/>
-          <p:cNvSpPr/>
-          <p:nvPr/>
-        </p:nvSpPr>
-        <p:spPr>
-          <a:xfrm>
-            <a:off x="6037455" y="5646628"/>
-            <a:ext cx="950151" cy="627258"/>
-          </a:xfrm>
-          <a:prstGeom prst="diamond">
-            <a:avLst/>
-          </a:prstGeom>
-          <a:solidFill>
-            <a:schemeClr val="bg1">
-              <a:lumMod val="95000"/>
-            </a:schemeClr>
-          </a:solidFill>
-        </p:spPr>
-        <p:style>
-          <a:lnRef idx="2">
-            <a:schemeClr val="accent1">
-              <a:shade val="50000"/>
-            </a:schemeClr>
-          </a:lnRef>
-          <a:fillRef idx="1">
-            <a:schemeClr val="accent1"/>
-          </a:fillRef>
-          <a:effectRef idx="0">
-            <a:schemeClr val="accent1"/>
-          </a:effectRef>
-          <a:fontRef idx="minor">
-            <a:schemeClr val="lt1"/>
-          </a:fontRef>
-        </p:style>
-        <p:txBody>
-          <a:bodyPr rtlCol="0" anchor="ctr"/>
-          <a:lstStyle/>
-          <a:p>
-            <a:pPr algn="ctr"/>
-            <a:r>
-              <a:rPr lang="zh-CN" altLang="en-US" dirty="0" smtClean="0">
-                <a:solidFill>
-                  <a:schemeClr val="tx1"/>
-                </a:solidFill>
-              </a:rPr>
-              <a:t>管理</a:t>
-            </a:r>
-            <a:endParaRPr lang="zh-CN" altLang="en-US" dirty="0">
-              <a:solidFill>
-                <a:schemeClr val="tx1"/>
-              </a:solidFill>
-            </a:endParaRPr>
-          </a:p>
-        </p:txBody>
-      </p:sp>
-      <p:cxnSp>
-        <p:nvCxnSpPr>
-          <p:cNvPr id="15" name="直接连接符 14"/>
-          <p:cNvCxnSpPr>
-            <a:stCxn id="14" idx="1"/>
-            <a:endCxn id="9" idx="3"/>
-          </p:cNvCxnSpPr>
-          <p:nvPr/>
-        </p:nvCxnSpPr>
-        <p:spPr>
-          <a:xfrm flipH="1">
-            <a:off x="3463560" y="5960257"/>
-            <a:ext cx="2573895" cy="1"/>
-          </a:xfrm>
-          <a:prstGeom prst="line">
-            <a:avLst/>
-          </a:prstGeom>
-        </p:spPr>
-        <p:style>
-          <a:lnRef idx="1">
-            <a:schemeClr val="accent1"/>
-          </a:lnRef>
-          <a:fillRef idx="0">
-            <a:schemeClr val="accent1"/>
-          </a:fillRef>
-          <a:effectRef idx="0">
-            <a:schemeClr val="accent1"/>
-          </a:effectRef>
-          <a:fontRef idx="minor">
-            <a:schemeClr val="tx1"/>
-          </a:fontRef>
-        </p:style>
-      </p:cxnSp>
-      <p:sp>
-        <p:nvSpPr>
-          <p:cNvPr id="115" name="矩形 114"/>
-          <p:cNvSpPr/>
-          <p:nvPr/>
-        </p:nvSpPr>
-        <p:spPr>
-          <a:xfrm>
-            <a:off x="5790431" y="114947"/>
-            <a:ext cx="1175538" cy="359029"/>
+      <p:sp>
+        <p:nvSpPr>
+          <p:cNvPr id="58" name="文本框 57"/>
+          <p:cNvSpPr txBox="1"/>
+          <p:nvPr/>
+        </p:nvSpPr>
+        <p:spPr>
+          <a:xfrm>
+            <a:off x="5550407" y="1581404"/>
+            <a:ext cx="1920282" cy="307777"/>
           </a:xfrm>
           <a:prstGeom prst="rect">
             <a:avLst/>
           </a:prstGeom>
-          <a:solidFill>
-            <a:schemeClr val="accent6">
-              <a:lumMod val="20000"/>
-              <a:lumOff val="80000"/>
-            </a:schemeClr>
-          </a:solidFill>
-        </p:spPr>
-        <p:style>
-          <a:lnRef idx="2">
-            <a:schemeClr val="accent1">
-              <a:shade val="50000"/>
-            </a:schemeClr>
-          </a:lnRef>
-          <a:fillRef idx="1">
-            <a:schemeClr val="accent1"/>
-          </a:fillRef>
-          <a:effectRef idx="0">
-            <a:schemeClr val="accent1"/>
-          </a:effectRef>
-          <a:fontRef idx="minor">
-            <a:schemeClr val="lt1"/>
-          </a:fontRef>
-        </p:style>
-        <p:txBody>
-          <a:bodyPr rtlCol="0" anchor="ctr"/>
-          <a:lstStyle/>
-          <a:p>
-            <a:pPr algn="ctr"/>
-            <a:r>
-              <a:rPr lang="zh-CN" altLang="en-US" dirty="0" smtClean="0">
-                <a:solidFill>
-                  <a:schemeClr val="tx1"/>
-                </a:solidFill>
-              </a:rPr>
-              <a:t>违约记录</a:t>
-            </a:r>
-            <a:endParaRPr lang="zh-CN" altLang="en-US" dirty="0">
-              <a:solidFill>
-                <a:schemeClr val="tx1"/>
-              </a:solidFill>
-            </a:endParaRPr>
-          </a:p>
-        </p:txBody>
-      </p:sp>
-      <p:sp>
-        <p:nvSpPr>
-          <p:cNvPr id="116" name="矩形 115"/>
-          <p:cNvSpPr/>
-          <p:nvPr/>
-        </p:nvSpPr>
-        <p:spPr>
-          <a:xfrm>
-            <a:off x="4305034" y="896018"/>
-            <a:ext cx="1104979" cy="556571"/>
-          </a:xfrm>
-          <a:prstGeom prst="rect">
-            <a:avLst/>
-          </a:prstGeom>
-          <a:solidFill>
-            <a:schemeClr val="accent6">
-              <a:lumMod val="20000"/>
-              <a:lumOff val="80000"/>
-            </a:schemeClr>
-          </a:solidFill>
-        </p:spPr>
-        <p:style>
-          <a:lnRef idx="2">
-            <a:schemeClr val="accent1">
-              <a:shade val="50000"/>
-            </a:schemeClr>
-          </a:lnRef>
-          <a:fillRef idx="1">
-            <a:schemeClr val="accent1"/>
-          </a:fillRef>
-          <a:effectRef idx="0">
-            <a:schemeClr val="accent1"/>
-          </a:effectRef>
-          <a:fontRef idx="minor">
-            <a:schemeClr val="lt1"/>
-          </a:fontRef>
-        </p:style>
-        <p:txBody>
-          <a:bodyPr rtlCol="0" anchor="ctr"/>
-          <a:lstStyle/>
-          <a:p>
-            <a:pPr algn="ctr"/>
-            <a:r>
-              <a:rPr lang="zh-CN" altLang="en-US" dirty="0" smtClean="0">
-                <a:solidFill>
-                  <a:schemeClr val="tx1"/>
-                </a:solidFill>
-              </a:rPr>
-              <a:t>个人</a:t>
-            </a:r>
-            <a:endParaRPr lang="en-US" altLang="zh-CN" dirty="0" smtClean="0">
-              <a:solidFill>
-                <a:schemeClr val="tx1"/>
-              </a:solidFill>
-            </a:endParaRPr>
-          </a:p>
-          <a:p>
-            <a:pPr algn="ctr"/>
-            <a:r>
-              <a:rPr lang="zh-CN" altLang="en-US" dirty="0" smtClean="0">
-                <a:solidFill>
-                  <a:schemeClr val="tx1"/>
-                </a:solidFill>
-              </a:rPr>
-              <a:t>违约记录</a:t>
-            </a:r>
-            <a:endParaRPr lang="zh-CN" altLang="en-US" dirty="0">
-              <a:solidFill>
-                <a:schemeClr val="tx1"/>
-              </a:solidFill>
-            </a:endParaRPr>
-          </a:p>
-        </p:txBody>
-      </p:sp>
-      <p:sp>
-        <p:nvSpPr>
-          <p:cNvPr id="117" name="矩形 116"/>
-          <p:cNvSpPr/>
-          <p:nvPr/>
-        </p:nvSpPr>
-        <p:spPr>
-          <a:xfrm>
-            <a:off x="7346387" y="896018"/>
-            <a:ext cx="1153449" cy="527209"/>
-          </a:xfrm>
-          <a:prstGeom prst="rect">
-            <a:avLst/>
-          </a:prstGeom>
-          <a:solidFill>
-            <a:schemeClr val="accent6">
-              <a:lumMod val="20000"/>
-              <a:lumOff val="80000"/>
-            </a:schemeClr>
-          </a:solidFill>
-        </p:spPr>
-        <p:style>
-          <a:lnRef idx="2">
-            <a:schemeClr val="accent1">
-              <a:shade val="50000"/>
-            </a:schemeClr>
-          </a:lnRef>
-          <a:fillRef idx="1">
-            <a:schemeClr val="accent1"/>
-          </a:fillRef>
-          <a:effectRef idx="0">
-            <a:schemeClr val="accent1"/>
-          </a:effectRef>
-          <a:fontRef idx="minor">
-            <a:schemeClr val="lt1"/>
-          </a:fontRef>
-        </p:style>
-        <p:txBody>
-          <a:bodyPr rtlCol="0" anchor="ctr"/>
-          <a:lstStyle/>
-          <a:p>
-            <a:pPr algn="ctr"/>
-            <a:r>
-              <a:rPr lang="zh-CN" altLang="en-US" dirty="0" smtClean="0">
-                <a:solidFill>
-                  <a:schemeClr val="tx1"/>
-                </a:solidFill>
-              </a:rPr>
-              <a:t>团体</a:t>
-            </a:r>
-            <a:endParaRPr lang="en-US" altLang="zh-CN" dirty="0" smtClean="0">
-              <a:solidFill>
-                <a:schemeClr val="tx1"/>
-              </a:solidFill>
-            </a:endParaRPr>
-          </a:p>
-          <a:p>
-            <a:pPr algn="ctr"/>
-            <a:r>
-              <a:rPr lang="zh-CN" altLang="en-US" dirty="0" smtClean="0">
-                <a:solidFill>
-                  <a:schemeClr val="tx1"/>
-                </a:solidFill>
-              </a:rPr>
-              <a:t>违约记录</a:t>
-            </a:r>
-            <a:endParaRPr lang="zh-CN" altLang="en-US" dirty="0">
-              <a:solidFill>
-                <a:schemeClr val="tx1"/>
-              </a:solidFill>
-            </a:endParaRPr>
-          </a:p>
-        </p:txBody>
-      </p:sp>
-      <p:cxnSp>
-        <p:nvCxnSpPr>
-          <p:cNvPr id="118" name="直接连接符 117"/>
-          <p:cNvCxnSpPr>
-            <a:stCxn id="116" idx="3"/>
-            <a:endCxn id="120" idx="0"/>
-          </p:cNvCxnSpPr>
-          <p:nvPr/>
-        </p:nvCxnSpPr>
-        <p:spPr>
-          <a:xfrm flipV="1">
-            <a:off x="5410013" y="1050894"/>
-            <a:ext cx="968187" cy="123410"/>
-          </a:xfrm>
-          <a:prstGeom prst="line">
-            <a:avLst/>
-          </a:prstGeom>
-        </p:spPr>
-        <p:style>
-          <a:lnRef idx="1">
-            <a:schemeClr val="accent1"/>
-          </a:lnRef>
-          <a:fillRef idx="0">
-            <a:schemeClr val="accent1"/>
-          </a:fillRef>
-          <a:effectRef idx="0">
-            <a:schemeClr val="accent1"/>
-          </a:effectRef>
-          <a:fontRef idx="minor">
-            <a:schemeClr val="tx1"/>
-          </a:fontRef>
-        </p:style>
-      </p:cxnSp>
-      <p:cxnSp>
-        <p:nvCxnSpPr>
-          <p:cNvPr id="119" name="直接连接符 118"/>
-          <p:cNvCxnSpPr>
-            <a:stCxn id="120" idx="0"/>
-            <a:endCxn id="117" idx="1"/>
-          </p:cNvCxnSpPr>
-          <p:nvPr/>
-        </p:nvCxnSpPr>
-        <p:spPr>
-          <a:xfrm>
-            <a:off x="6378200" y="1050894"/>
-            <a:ext cx="968187" cy="108729"/>
-          </a:xfrm>
-          <a:prstGeom prst="line">
-            <a:avLst/>
-          </a:prstGeom>
-        </p:spPr>
-        <p:style>
-          <a:lnRef idx="1">
-            <a:schemeClr val="accent1"/>
-          </a:lnRef>
-          <a:fillRef idx="0">
-            <a:schemeClr val="accent1"/>
-          </a:fillRef>
-          <a:effectRef idx="0">
-            <a:schemeClr val="accent1"/>
-          </a:effectRef>
-          <a:fontRef idx="minor">
-            <a:schemeClr val="tx1"/>
-          </a:fontRef>
-        </p:style>
-      </p:cxnSp>
-      <p:sp>
-        <p:nvSpPr>
-          <p:cNvPr id="120" name="流程图: 合并 119"/>
-          <p:cNvSpPr/>
-          <p:nvPr/>
-        </p:nvSpPr>
-        <p:spPr>
-          <a:xfrm flipV="1">
-            <a:off x="5926698" y="613867"/>
-            <a:ext cx="903004" cy="437027"/>
-          </a:xfrm>
-          <a:prstGeom prst="flowChartMerge">
-            <a:avLst/>
-          </a:prstGeom>
           <a:noFill/>
         </p:spPr>
-        <p:style>
-          <a:lnRef idx="2">
-            <a:schemeClr val="accent1">
-              <a:shade val="50000"/>
-            </a:schemeClr>
-          </a:lnRef>
-          <a:fillRef idx="1">
-            <a:schemeClr val="accent1"/>
-          </a:fillRef>
-          <a:effectRef idx="0">
-            <a:schemeClr val="accent1"/>
-          </a:effectRef>
-          <a:fontRef idx="minor">
-            <a:schemeClr val="lt1"/>
-          </a:fontRef>
-        </p:style>
-        <p:txBody>
-          <a:bodyPr rtlCol="0" anchor="ctr"/>
-          <a:lstStyle/>
-          <a:p>
-            <a:pPr algn="ctr"/>
-            <a:endParaRPr lang="zh-CN" altLang="en-US"/>
-          </a:p>
-        </p:txBody>
-      </p:sp>
-      <p:cxnSp>
-        <p:nvCxnSpPr>
-          <p:cNvPr id="121" name="直接连接符 120"/>
-          <p:cNvCxnSpPr>
-            <a:stCxn id="115" idx="2"/>
-            <a:endCxn id="120" idx="2"/>
-          </p:cNvCxnSpPr>
-          <p:nvPr/>
-        </p:nvCxnSpPr>
-        <p:spPr>
-          <a:xfrm>
-            <a:off x="6378200" y="473976"/>
-            <a:ext cx="0" cy="139891"/>
-          </a:xfrm>
-          <a:prstGeom prst="line">
-            <a:avLst/>
-          </a:prstGeom>
-        </p:spPr>
-        <p:style>
-          <a:lnRef idx="1">
-            <a:schemeClr val="accent1"/>
-          </a:lnRef>
-          <a:fillRef idx="0">
-            <a:schemeClr val="accent1"/>
-          </a:fillRef>
-          <a:effectRef idx="0">
-            <a:schemeClr val="accent1"/>
-          </a:effectRef>
-          <a:fontRef idx="minor">
-            <a:schemeClr val="tx1"/>
-          </a:fontRef>
-        </p:style>
-      </p:cxnSp>
-      <p:cxnSp>
-        <p:nvCxnSpPr>
-          <p:cNvPr id="122" name="直接连接符 121"/>
-          <p:cNvCxnSpPr/>
-          <p:nvPr/>
-        </p:nvCxnSpPr>
-        <p:spPr>
-          <a:xfrm>
-            <a:off x="6224737" y="798438"/>
-            <a:ext cx="273006" cy="225129"/>
-          </a:xfrm>
-          <a:prstGeom prst="line">
-            <a:avLst/>
-          </a:prstGeom>
-          <a:ln w="19050">
-            <a:solidFill>
-              <a:schemeClr val="tx1"/>
-            </a:solidFill>
-          </a:ln>
-        </p:spPr>
-        <p:style>
-          <a:lnRef idx="1">
-            <a:schemeClr val="accent1"/>
-          </a:lnRef>
-          <a:fillRef idx="0">
-            <a:schemeClr val="accent1"/>
-          </a:fillRef>
-          <a:effectRef idx="0">
-            <a:schemeClr val="accent1"/>
-          </a:effectRef>
-          <a:fontRef idx="minor">
-            <a:schemeClr val="tx1"/>
-          </a:fontRef>
-        </p:style>
-      </p:cxnSp>
-      <p:cxnSp>
-        <p:nvCxnSpPr>
-          <p:cNvPr id="123" name="直接连接符 122"/>
-          <p:cNvCxnSpPr/>
-          <p:nvPr/>
-        </p:nvCxnSpPr>
-        <p:spPr>
-          <a:xfrm flipV="1">
-            <a:off x="6258657" y="798438"/>
-            <a:ext cx="239086" cy="225129"/>
-          </a:xfrm>
-          <a:prstGeom prst="line">
-            <a:avLst/>
-          </a:prstGeom>
-          <a:ln w="19050">
-            <a:solidFill>
-              <a:schemeClr val="tx1"/>
-            </a:solidFill>
-          </a:ln>
-        </p:spPr>
-        <p:style>
-          <a:lnRef idx="1">
-            <a:schemeClr val="accent1"/>
-          </a:lnRef>
-          <a:fillRef idx="0">
-            <a:schemeClr val="accent1"/>
-          </a:fillRef>
-          <a:effectRef idx="0">
-            <a:schemeClr val="accent1"/>
-          </a:effectRef>
-          <a:fontRef idx="minor">
-            <a:schemeClr val="tx1"/>
-          </a:fontRef>
-        </p:style>
-      </p:cxnSp>
-      <p:sp>
-        <p:nvSpPr>
-          <p:cNvPr id="151" name="菱形 150"/>
-          <p:cNvSpPr/>
-          <p:nvPr/>
-        </p:nvSpPr>
-        <p:spPr>
-          <a:xfrm>
-            <a:off x="2509229" y="832381"/>
-            <a:ext cx="805824" cy="686412"/>
-          </a:xfrm>
-          <a:prstGeom prst="diamond">
-            <a:avLst/>
-          </a:prstGeom>
-          <a:solidFill>
-            <a:schemeClr val="bg1">
-              <a:lumMod val="95000"/>
-            </a:schemeClr>
-          </a:solidFill>
-        </p:spPr>
-        <p:style>
-          <a:lnRef idx="2">
-            <a:schemeClr val="accent1">
-              <a:shade val="50000"/>
-            </a:schemeClr>
-          </a:lnRef>
-          <a:fillRef idx="1">
-            <a:schemeClr val="accent1"/>
-          </a:fillRef>
-          <a:effectRef idx="0">
-            <a:schemeClr val="accent1"/>
-          </a:effectRef>
-          <a:fontRef idx="minor">
-            <a:schemeClr val="lt1"/>
-          </a:fontRef>
-        </p:style>
-        <p:txBody>
-          <a:bodyPr rtlCol="0" anchor="ctr"/>
-          <a:lstStyle/>
-          <a:p>
-            <a:pPr algn="ctr"/>
-            <a:r>
-              <a:rPr lang="zh-CN" altLang="en-US" dirty="0">
-                <a:solidFill>
-                  <a:schemeClr val="tx1"/>
-                </a:solidFill>
-              </a:rPr>
-              <a:t>监督</a:t>
-            </a:r>
-          </a:p>
-        </p:txBody>
-      </p:sp>
-      <p:cxnSp>
-        <p:nvCxnSpPr>
-          <p:cNvPr id="155" name="直接连接符 154"/>
-          <p:cNvCxnSpPr>
-            <a:stCxn id="151" idx="3"/>
-            <a:endCxn id="116" idx="1"/>
-          </p:cNvCxnSpPr>
-          <p:nvPr/>
-        </p:nvCxnSpPr>
-        <p:spPr>
-          <a:xfrm flipV="1">
-            <a:off x="3315053" y="1174304"/>
-            <a:ext cx="989981" cy="1283"/>
-          </a:xfrm>
-          <a:prstGeom prst="line">
-            <a:avLst/>
-          </a:prstGeom>
-        </p:spPr>
-        <p:style>
-          <a:lnRef idx="1">
-            <a:schemeClr val="accent1"/>
-          </a:lnRef>
-          <a:fillRef idx="0">
-            <a:schemeClr val="accent1"/>
-          </a:fillRef>
-          <a:effectRef idx="0">
-            <a:schemeClr val="accent1"/>
-          </a:effectRef>
-          <a:fontRef idx="minor">
-            <a:schemeClr val="tx1"/>
-          </a:fontRef>
-        </p:style>
-      </p:cxnSp>
-      <p:cxnSp>
-        <p:nvCxnSpPr>
-          <p:cNvPr id="158" name="直接连接符 157"/>
-          <p:cNvCxnSpPr>
-            <a:stCxn id="151" idx="2"/>
-            <a:endCxn id="2" idx="0"/>
-          </p:cNvCxnSpPr>
-          <p:nvPr/>
-        </p:nvCxnSpPr>
-        <p:spPr>
-          <a:xfrm>
-            <a:off x="2912141" y="1518793"/>
-            <a:ext cx="1078" cy="404708"/>
-          </a:xfrm>
-          <a:prstGeom prst="line">
-            <a:avLst/>
-          </a:prstGeom>
-        </p:spPr>
-        <p:style>
-          <a:lnRef idx="1">
-            <a:schemeClr val="accent1"/>
-          </a:lnRef>
-          <a:fillRef idx="0">
-            <a:schemeClr val="accent1"/>
-          </a:fillRef>
-          <a:effectRef idx="0">
-            <a:schemeClr val="accent1"/>
-          </a:effectRef>
-          <a:fontRef idx="minor">
-            <a:schemeClr val="tx1"/>
-          </a:fontRef>
-        </p:style>
-      </p:cxnSp>
-      <p:sp>
-        <p:nvSpPr>
-          <p:cNvPr id="161" name="菱形 160"/>
-          <p:cNvSpPr/>
-          <p:nvPr/>
-        </p:nvSpPr>
-        <p:spPr>
-          <a:xfrm>
-            <a:off x="10090804" y="819556"/>
-            <a:ext cx="805824" cy="686412"/>
-          </a:xfrm>
-          <a:prstGeom prst="diamond">
-            <a:avLst/>
-          </a:prstGeom>
-          <a:solidFill>
-            <a:schemeClr val="bg1">
-              <a:lumMod val="95000"/>
-            </a:schemeClr>
-          </a:solidFill>
-        </p:spPr>
-        <p:style>
-          <a:lnRef idx="2">
-            <a:schemeClr val="accent1">
-              <a:shade val="50000"/>
-            </a:schemeClr>
-          </a:lnRef>
-          <a:fillRef idx="1">
-            <a:schemeClr val="accent1"/>
-          </a:fillRef>
-          <a:effectRef idx="0">
-            <a:schemeClr val="accent1"/>
-          </a:effectRef>
-          <a:fontRef idx="minor">
-            <a:schemeClr val="lt1"/>
-          </a:fontRef>
-        </p:style>
-        <p:txBody>
-          <a:bodyPr rtlCol="0" anchor="ctr"/>
-          <a:lstStyle/>
-          <a:p>
-            <a:pPr algn="ctr"/>
-            <a:r>
-              <a:rPr lang="zh-CN" altLang="en-US" dirty="0">
-                <a:solidFill>
-                  <a:schemeClr val="tx1"/>
-                </a:solidFill>
-              </a:rPr>
-              <a:t>监督</a:t>
-            </a:r>
-          </a:p>
-        </p:txBody>
-      </p:sp>
-      <p:cxnSp>
-        <p:nvCxnSpPr>
-          <p:cNvPr id="163" name="直接连接符 162"/>
-          <p:cNvCxnSpPr>
-            <a:stCxn id="117" idx="3"/>
-            <a:endCxn id="161" idx="1"/>
-          </p:cNvCxnSpPr>
-          <p:nvPr/>
-        </p:nvCxnSpPr>
-        <p:spPr>
-          <a:xfrm>
-            <a:off x="8499836" y="1159623"/>
-            <a:ext cx="1590968" cy="3139"/>
-          </a:xfrm>
-          <a:prstGeom prst="line">
-            <a:avLst/>
-          </a:prstGeom>
-        </p:spPr>
-        <p:style>
-          <a:lnRef idx="1">
-            <a:schemeClr val="accent1"/>
-          </a:lnRef>
-          <a:fillRef idx="0">
-            <a:schemeClr val="accent1"/>
-          </a:fillRef>
-          <a:effectRef idx="0">
-            <a:schemeClr val="accent1"/>
-          </a:effectRef>
-          <a:fontRef idx="minor">
-            <a:schemeClr val="tx1"/>
-          </a:fontRef>
-        </p:style>
-      </p:cxnSp>
-      <p:cxnSp>
-        <p:nvCxnSpPr>
-          <p:cNvPr id="165" name="直接连接符 164"/>
-          <p:cNvCxnSpPr>
-            <a:stCxn id="161" idx="2"/>
-            <a:endCxn id="3" idx="0"/>
-          </p:cNvCxnSpPr>
-          <p:nvPr/>
-        </p:nvCxnSpPr>
-        <p:spPr>
-          <a:xfrm>
-            <a:off x="10493716" y="1505968"/>
-            <a:ext cx="0" cy="417533"/>
-          </a:xfrm>
-          <a:prstGeom prst="line">
-            <a:avLst/>
-          </a:prstGeom>
-        </p:spPr>
-        <p:style>
-          <a:lnRef idx="1">
-            <a:schemeClr val="accent1"/>
-          </a:lnRef>
-          <a:fillRef idx="0">
-            <a:schemeClr val="accent1"/>
-          </a:fillRef>
-          <a:effectRef idx="0">
-            <a:schemeClr val="accent1"/>
-          </a:effectRef>
-          <a:fontRef idx="minor">
-            <a:schemeClr val="tx1"/>
-          </a:fontRef>
-        </p:style>
-      </p:cxnSp>
-      <p:sp>
-        <p:nvSpPr>
-          <p:cNvPr id="168" name="菱形 167"/>
-          <p:cNvSpPr/>
-          <p:nvPr/>
-        </p:nvSpPr>
-        <p:spPr>
-          <a:xfrm>
-            <a:off x="6116154" y="1838723"/>
-            <a:ext cx="792755" cy="639335"/>
-          </a:xfrm>
-          <a:prstGeom prst="diamond">
-            <a:avLst/>
-          </a:prstGeom>
-          <a:solidFill>
-            <a:schemeClr val="bg1">
-              <a:lumMod val="95000"/>
-            </a:schemeClr>
-          </a:solidFill>
-        </p:spPr>
-        <p:style>
-          <a:lnRef idx="2">
-            <a:schemeClr val="accent1">
-              <a:shade val="50000"/>
-            </a:schemeClr>
-          </a:lnRef>
-          <a:fillRef idx="1">
-            <a:schemeClr val="accent1"/>
-          </a:fillRef>
-          <a:effectRef idx="0">
-            <a:schemeClr val="accent1"/>
-          </a:effectRef>
-          <a:fontRef idx="minor">
-            <a:schemeClr val="lt1"/>
-          </a:fontRef>
-        </p:style>
-        <p:txBody>
-          <a:bodyPr rtlCol="0" anchor="ctr"/>
-          <a:lstStyle/>
-          <a:p>
-            <a:pPr algn="ctr"/>
-            <a:r>
-              <a:rPr lang="zh-CN" altLang="en-US" dirty="0" smtClean="0">
-                <a:solidFill>
-                  <a:schemeClr val="tx1"/>
-                </a:solidFill>
-              </a:rPr>
-              <a:t>申</a:t>
-            </a:r>
-            <a:r>
-              <a:rPr lang="zh-CN" altLang="en-US" dirty="0">
-                <a:solidFill>
-                  <a:schemeClr val="tx1"/>
-                </a:solidFill>
-              </a:rPr>
-              <a:t>诉</a:t>
-            </a:r>
-          </a:p>
-        </p:txBody>
-      </p:sp>
-      <p:cxnSp>
-        <p:nvCxnSpPr>
-          <p:cNvPr id="172" name="直接连接符 171"/>
-          <p:cNvCxnSpPr>
-            <a:stCxn id="168" idx="3"/>
-            <a:endCxn id="3" idx="1"/>
-          </p:cNvCxnSpPr>
-          <p:nvPr/>
-        </p:nvCxnSpPr>
-        <p:spPr>
-          <a:xfrm>
-            <a:off x="6908909" y="2158391"/>
-            <a:ext cx="3015444" cy="3"/>
-          </a:xfrm>
-          <a:prstGeom prst="line">
-            <a:avLst/>
-          </a:prstGeom>
-        </p:spPr>
-        <p:style>
-          <a:lnRef idx="1">
-            <a:schemeClr val="accent1"/>
-          </a:lnRef>
-          <a:fillRef idx="0">
-            <a:schemeClr val="accent1"/>
-          </a:fillRef>
-          <a:effectRef idx="0">
-            <a:schemeClr val="accent1"/>
-          </a:effectRef>
-          <a:fontRef idx="minor">
-            <a:schemeClr val="tx1"/>
-          </a:fontRef>
-        </p:style>
-      </p:cxnSp>
-      <p:cxnSp>
-        <p:nvCxnSpPr>
-          <p:cNvPr id="174" name="直接连接符 173"/>
-          <p:cNvCxnSpPr>
-            <a:stCxn id="168" idx="2"/>
-            <a:endCxn id="5" idx="0"/>
-          </p:cNvCxnSpPr>
-          <p:nvPr/>
-        </p:nvCxnSpPr>
-        <p:spPr>
-          <a:xfrm flipH="1">
-            <a:off x="6512531" y="2478058"/>
-            <a:ext cx="1" cy="1853436"/>
-          </a:xfrm>
-          <a:prstGeom prst="line">
-            <a:avLst/>
-          </a:prstGeom>
-        </p:spPr>
-        <p:style>
-          <a:lnRef idx="1">
-            <a:schemeClr val="accent1"/>
-          </a:lnRef>
-          <a:fillRef idx="0">
-            <a:schemeClr val="accent1"/>
-          </a:fillRef>
-          <a:effectRef idx="0">
-            <a:schemeClr val="accent1"/>
-          </a:effectRef>
-          <a:fontRef idx="minor">
-            <a:schemeClr val="tx1"/>
-          </a:fontRef>
-        </p:style>
-      </p:cxnSp>
-      <p:cxnSp>
-        <p:nvCxnSpPr>
-          <p:cNvPr id="181" name="直接连接符 180"/>
-          <p:cNvCxnSpPr>
-            <a:stCxn id="168" idx="1"/>
-            <a:endCxn id="2" idx="3"/>
-          </p:cNvCxnSpPr>
-          <p:nvPr/>
-        </p:nvCxnSpPr>
-        <p:spPr>
-          <a:xfrm flipH="1">
-            <a:off x="3464117" y="2158391"/>
-            <a:ext cx="2652037" cy="3"/>
-          </a:xfrm>
-          <a:prstGeom prst="line">
-            <a:avLst/>
-          </a:prstGeom>
-        </p:spPr>
-        <p:style>
-          <a:lnRef idx="1">
-            <a:schemeClr val="accent1"/>
-          </a:lnRef>
-          <a:fillRef idx="0">
-            <a:schemeClr val="accent1"/>
-          </a:fillRef>
-          <a:effectRef idx="0">
-            <a:schemeClr val="accent1"/>
-          </a:effectRef>
-          <a:fontRef idx="minor">
-            <a:schemeClr val="tx1"/>
-          </a:fontRef>
-        </p:style>
-      </p:cxnSp>
-      <p:sp>
-        <p:nvSpPr>
-          <p:cNvPr id="182" name="菱形 181"/>
-          <p:cNvSpPr/>
-          <p:nvPr/>
-        </p:nvSpPr>
-        <p:spPr>
-          <a:xfrm>
-            <a:off x="2262615" y="3538493"/>
-            <a:ext cx="1297937" cy="672056"/>
-          </a:xfrm>
-          <a:prstGeom prst="diamond">
-            <a:avLst/>
-          </a:prstGeom>
-          <a:solidFill>
-            <a:schemeClr val="bg1">
-              <a:lumMod val="95000"/>
-            </a:schemeClr>
-          </a:solidFill>
-        </p:spPr>
-        <p:style>
-          <a:lnRef idx="2">
-            <a:schemeClr val="accent1">
-              <a:shade val="50000"/>
-            </a:schemeClr>
-          </a:lnRef>
-          <a:fillRef idx="1">
-            <a:schemeClr val="accent1"/>
-          </a:fillRef>
-          <a:effectRef idx="0">
-            <a:schemeClr val="accent1"/>
-          </a:effectRef>
-          <a:fontRef idx="minor">
-            <a:schemeClr val="lt1"/>
-          </a:fontRef>
-        </p:style>
-        <p:txBody>
-          <a:bodyPr rtlCol="0" anchor="ctr"/>
-          <a:lstStyle/>
-          <a:p>
-            <a:pPr algn="ctr"/>
-            <a:r>
-              <a:rPr lang="zh-CN" altLang="en-US" dirty="0" smtClean="0">
-                <a:solidFill>
-                  <a:schemeClr val="tx1"/>
-                </a:solidFill>
-              </a:rPr>
-              <a:t>座位预约</a:t>
-            </a:r>
-            <a:endParaRPr lang="zh-CN" altLang="en-US" dirty="0">
-              <a:solidFill>
-                <a:schemeClr val="tx1"/>
-              </a:solidFill>
-            </a:endParaRPr>
-          </a:p>
-        </p:txBody>
-      </p:sp>
-      <p:cxnSp>
-        <p:nvCxnSpPr>
-          <p:cNvPr id="183" name="直接连接符 182"/>
-          <p:cNvCxnSpPr>
-            <a:stCxn id="2" idx="2"/>
-            <a:endCxn id="182" idx="0"/>
-          </p:cNvCxnSpPr>
-          <p:nvPr/>
-        </p:nvCxnSpPr>
-        <p:spPr>
-          <a:xfrm flipH="1">
-            <a:off x="2911584" y="2393286"/>
-            <a:ext cx="1635" cy="1145207"/>
-          </a:xfrm>
-          <a:prstGeom prst="line">
-            <a:avLst/>
-          </a:prstGeom>
-        </p:spPr>
-        <p:style>
-          <a:lnRef idx="1">
-            <a:schemeClr val="accent1"/>
-          </a:lnRef>
-          <a:fillRef idx="0">
-            <a:schemeClr val="accent1"/>
-          </a:fillRef>
-          <a:effectRef idx="0">
-            <a:schemeClr val="accent1"/>
-          </a:effectRef>
-          <a:fontRef idx="minor">
-            <a:schemeClr val="tx1"/>
-          </a:fontRef>
-        </p:style>
-      </p:cxnSp>
-      <p:cxnSp>
-        <p:nvCxnSpPr>
-          <p:cNvPr id="184" name="直接连接符 183"/>
-          <p:cNvCxnSpPr>
-            <a:stCxn id="182" idx="2"/>
-            <a:endCxn id="9" idx="0"/>
-          </p:cNvCxnSpPr>
-          <p:nvPr/>
-        </p:nvCxnSpPr>
-        <p:spPr>
-          <a:xfrm>
-            <a:off x="2911584" y="4210549"/>
-            <a:ext cx="0" cy="1540942"/>
-          </a:xfrm>
-          <a:prstGeom prst="line">
-            <a:avLst/>
-          </a:prstGeom>
-        </p:spPr>
-        <p:style>
-          <a:lnRef idx="1">
-            <a:schemeClr val="accent1"/>
-          </a:lnRef>
-          <a:fillRef idx="0">
-            <a:schemeClr val="accent1"/>
-          </a:fillRef>
-          <a:effectRef idx="0">
-            <a:schemeClr val="accent1"/>
-          </a:effectRef>
-          <a:fontRef idx="minor">
-            <a:schemeClr val="tx1"/>
-          </a:fontRef>
-        </p:style>
-      </p:cxnSp>
-      <p:sp>
-        <p:nvSpPr>
-          <p:cNvPr id="194" name="矩形 193"/>
-          <p:cNvSpPr/>
-          <p:nvPr/>
-        </p:nvSpPr>
-        <p:spPr>
-          <a:xfrm>
-            <a:off x="10045588" y="5751491"/>
-            <a:ext cx="896256" cy="417533"/>
-          </a:xfrm>
-          <a:prstGeom prst="rect">
-            <a:avLst/>
-          </a:prstGeom>
-          <a:solidFill>
-            <a:schemeClr val="accent6">
-              <a:lumMod val="20000"/>
-              <a:lumOff val="80000"/>
-            </a:schemeClr>
-          </a:solidFill>
-        </p:spPr>
-        <p:style>
-          <a:lnRef idx="2">
-            <a:schemeClr val="accent1">
-              <a:shade val="50000"/>
-            </a:schemeClr>
-          </a:lnRef>
-          <a:fillRef idx="1">
-            <a:schemeClr val="accent1"/>
-          </a:fillRef>
-          <a:effectRef idx="0">
-            <a:schemeClr val="accent1"/>
-          </a:effectRef>
-          <a:fontRef idx="minor">
-            <a:schemeClr val="lt1"/>
-          </a:fontRef>
-        </p:style>
-        <p:txBody>
-          <a:bodyPr rtlCol="0" anchor="ctr"/>
-          <a:lstStyle/>
-          <a:p>
-            <a:pPr algn="ctr"/>
-            <a:r>
-              <a:rPr lang="zh-CN" altLang="en-US" dirty="0">
-                <a:solidFill>
-                  <a:schemeClr val="tx1"/>
-                </a:solidFill>
-              </a:rPr>
-              <a:t>讨</a:t>
-            </a:r>
-            <a:r>
-              <a:rPr lang="zh-CN" altLang="en-US" dirty="0" smtClean="0">
-                <a:solidFill>
-                  <a:schemeClr val="tx1"/>
-                </a:solidFill>
-              </a:rPr>
-              <a:t>论室</a:t>
-            </a:r>
-            <a:endParaRPr lang="zh-CN" altLang="en-US" dirty="0">
-              <a:solidFill>
-                <a:schemeClr val="tx1"/>
-              </a:solidFill>
-            </a:endParaRPr>
-          </a:p>
-        </p:txBody>
-      </p:sp>
-      <p:sp>
-        <p:nvSpPr>
-          <p:cNvPr id="195" name="菱形 194"/>
-          <p:cNvSpPr/>
-          <p:nvPr/>
-        </p:nvSpPr>
-        <p:spPr>
-          <a:xfrm>
-            <a:off x="9830558" y="3580383"/>
-            <a:ext cx="1326316" cy="742100"/>
-          </a:xfrm>
-          <a:prstGeom prst="diamond">
-            <a:avLst/>
-          </a:prstGeom>
-          <a:solidFill>
-            <a:schemeClr val="bg1">
-              <a:lumMod val="95000"/>
-            </a:schemeClr>
-          </a:solidFill>
-        </p:spPr>
-        <p:style>
-          <a:lnRef idx="2">
-            <a:schemeClr val="accent1">
-              <a:shade val="50000"/>
-            </a:schemeClr>
-          </a:lnRef>
-          <a:fillRef idx="1">
-            <a:schemeClr val="accent1"/>
-          </a:fillRef>
-          <a:effectRef idx="0">
-            <a:schemeClr val="accent1"/>
-          </a:effectRef>
-          <a:fontRef idx="minor">
-            <a:schemeClr val="lt1"/>
-          </a:fontRef>
-        </p:style>
-        <p:txBody>
-          <a:bodyPr rtlCol="0" anchor="ctr"/>
-          <a:lstStyle/>
-          <a:p>
-            <a:pPr algn="ctr"/>
-            <a:r>
-              <a:rPr lang="zh-CN" altLang="en-US" dirty="0" smtClean="0">
-                <a:solidFill>
-                  <a:schemeClr val="tx1"/>
-                </a:solidFill>
-              </a:rPr>
-              <a:t>教室预约</a:t>
-            </a:r>
-            <a:endParaRPr lang="zh-CN" altLang="en-US" dirty="0">
-              <a:solidFill>
-                <a:schemeClr val="tx1"/>
-              </a:solidFill>
-            </a:endParaRPr>
-          </a:p>
-        </p:txBody>
-      </p:sp>
-      <p:cxnSp>
-        <p:nvCxnSpPr>
-          <p:cNvPr id="197" name="直接连接符 196"/>
-          <p:cNvCxnSpPr>
-            <a:stCxn id="3" idx="2"/>
-            <a:endCxn id="195" idx="0"/>
-          </p:cNvCxnSpPr>
-          <p:nvPr/>
-        </p:nvCxnSpPr>
-        <p:spPr>
-          <a:xfrm>
-            <a:off x="10493716" y="2393286"/>
-            <a:ext cx="0" cy="1187097"/>
-          </a:xfrm>
-          <a:prstGeom prst="line">
-            <a:avLst/>
-          </a:prstGeom>
-        </p:spPr>
-        <p:style>
-          <a:lnRef idx="1">
-            <a:schemeClr val="accent1"/>
-          </a:lnRef>
-          <a:fillRef idx="0">
-            <a:schemeClr val="accent1"/>
-          </a:fillRef>
-          <a:effectRef idx="0">
-            <a:schemeClr val="accent1"/>
-          </a:effectRef>
-          <a:fontRef idx="minor">
-            <a:schemeClr val="tx1"/>
-          </a:fontRef>
-        </p:style>
-      </p:cxnSp>
-      <p:cxnSp>
-        <p:nvCxnSpPr>
-          <p:cNvPr id="198" name="直接连接符 197"/>
-          <p:cNvCxnSpPr>
-            <a:stCxn id="195" idx="2"/>
-            <a:endCxn id="194" idx="0"/>
-          </p:cNvCxnSpPr>
-          <p:nvPr/>
-        </p:nvCxnSpPr>
-        <p:spPr>
-          <a:xfrm>
-            <a:off x="10493716" y="4322483"/>
-            <a:ext cx="0" cy="1429008"/>
-          </a:xfrm>
-          <a:prstGeom prst="line">
-            <a:avLst/>
-          </a:prstGeom>
-        </p:spPr>
-        <p:style>
-          <a:lnRef idx="1">
-            <a:schemeClr val="accent1"/>
-          </a:lnRef>
-          <a:fillRef idx="0">
-            <a:schemeClr val="accent1"/>
-          </a:fillRef>
-          <a:effectRef idx="0">
-            <a:schemeClr val="accent1"/>
-          </a:effectRef>
-          <a:fontRef idx="minor">
-            <a:schemeClr val="tx1"/>
-          </a:fontRef>
-        </p:style>
-      </p:cxnSp>
-      <p:cxnSp>
-        <p:nvCxnSpPr>
-          <p:cNvPr id="212" name="直接连接符 211"/>
-          <p:cNvCxnSpPr>
-            <a:stCxn id="14" idx="3"/>
-            <a:endCxn id="194" idx="1"/>
-          </p:cNvCxnSpPr>
-          <p:nvPr/>
-        </p:nvCxnSpPr>
-        <p:spPr>
-          <a:xfrm>
-            <a:off x="6987606" y="5960257"/>
-            <a:ext cx="3057982" cy="1"/>
-          </a:xfrm>
-          <a:prstGeom prst="line">
-            <a:avLst/>
-          </a:prstGeom>
-        </p:spPr>
-        <p:style>
-          <a:lnRef idx="1">
-            <a:schemeClr val="accent1"/>
-          </a:lnRef>
-          <a:fillRef idx="0">
-            <a:schemeClr val="accent1"/>
-          </a:fillRef>
-          <a:effectRef idx="0">
-            <a:schemeClr val="accent1"/>
-          </a:effectRef>
-          <a:fontRef idx="minor">
-            <a:schemeClr val="tx1"/>
-          </a:fontRef>
-        </p:style>
-      </p:cxnSp>
-      <p:sp>
-        <p:nvSpPr>
-          <p:cNvPr id="219" name="矩形 218"/>
-          <p:cNvSpPr/>
-          <p:nvPr/>
-        </p:nvSpPr>
-        <p:spPr>
-          <a:xfrm>
-            <a:off x="7825415" y="3686881"/>
-            <a:ext cx="1111542" cy="503640"/>
-          </a:xfrm>
-          <a:prstGeom prst="rect">
-            <a:avLst/>
-          </a:prstGeom>
-          <a:solidFill>
-            <a:schemeClr val="accent6">
-              <a:lumMod val="20000"/>
-              <a:lumOff val="80000"/>
-            </a:schemeClr>
-          </a:solidFill>
-        </p:spPr>
-        <p:style>
-          <a:lnRef idx="2">
-            <a:schemeClr val="accent1">
-              <a:shade val="50000"/>
-            </a:schemeClr>
-          </a:lnRef>
-          <a:fillRef idx="1">
-            <a:schemeClr val="accent1"/>
-          </a:fillRef>
-          <a:effectRef idx="0">
-            <a:schemeClr val="accent1"/>
-          </a:effectRef>
-          <a:fontRef idx="minor">
-            <a:schemeClr val="lt1"/>
-          </a:fontRef>
-        </p:style>
-        <p:txBody>
-          <a:bodyPr rtlCol="0" anchor="ctr"/>
-          <a:lstStyle/>
-          <a:p>
-            <a:pPr algn="ctr"/>
-            <a:r>
-              <a:rPr lang="zh-CN" altLang="en-US" dirty="0">
-                <a:solidFill>
-                  <a:schemeClr val="tx1"/>
-                </a:solidFill>
-              </a:rPr>
-              <a:t>进出</a:t>
-            </a:r>
-            <a:r>
-              <a:rPr lang="zh-CN" altLang="en-US" dirty="0" smtClean="0">
-                <a:solidFill>
-                  <a:schemeClr val="tx1"/>
-                </a:solidFill>
-              </a:rPr>
-              <a:t>控制系统</a:t>
-            </a:r>
-            <a:endParaRPr lang="zh-CN" altLang="en-US" dirty="0">
-              <a:solidFill>
-                <a:schemeClr val="tx1"/>
-              </a:solidFill>
-            </a:endParaRPr>
-          </a:p>
-        </p:txBody>
-      </p:sp>
-      <p:sp>
-        <p:nvSpPr>
-          <p:cNvPr id="229" name="菱形 228"/>
-          <p:cNvSpPr/>
-          <p:nvPr/>
-        </p:nvSpPr>
-        <p:spPr>
-          <a:xfrm>
-            <a:off x="7703562" y="2300142"/>
-            <a:ext cx="768659" cy="685807"/>
-          </a:xfrm>
-          <a:prstGeom prst="diamond">
-            <a:avLst/>
-          </a:prstGeom>
-          <a:solidFill>
-            <a:schemeClr val="bg1">
-              <a:lumMod val="95000"/>
-            </a:schemeClr>
-          </a:solidFill>
-        </p:spPr>
-        <p:style>
-          <a:lnRef idx="2">
-            <a:schemeClr val="accent1">
-              <a:shade val="50000"/>
-            </a:schemeClr>
-          </a:lnRef>
-          <a:fillRef idx="1">
-            <a:schemeClr val="accent1"/>
-          </a:fillRef>
-          <a:effectRef idx="0">
-            <a:schemeClr val="accent1"/>
-          </a:effectRef>
-          <a:fontRef idx="minor">
-            <a:schemeClr val="lt1"/>
-          </a:fontRef>
-        </p:style>
-        <p:txBody>
-          <a:bodyPr rtlCol="0" anchor="ctr"/>
-          <a:lstStyle/>
-          <a:p>
-            <a:pPr algn="ctr"/>
-            <a:r>
-              <a:rPr lang="zh-CN" altLang="en-US" dirty="0" smtClean="0">
-                <a:solidFill>
-                  <a:schemeClr val="tx1"/>
-                </a:solidFill>
-              </a:rPr>
-              <a:t>反馈</a:t>
-            </a:r>
-            <a:endParaRPr lang="zh-CN" altLang="en-US" dirty="0">
-              <a:solidFill>
-                <a:schemeClr val="tx1"/>
-              </a:solidFill>
-            </a:endParaRPr>
-          </a:p>
-        </p:txBody>
-      </p:sp>
-      <p:cxnSp>
-        <p:nvCxnSpPr>
-          <p:cNvPr id="231" name="直接连接符 230"/>
-          <p:cNvCxnSpPr>
-            <a:stCxn id="117" idx="2"/>
-            <a:endCxn id="229" idx="0"/>
-          </p:cNvCxnSpPr>
-          <p:nvPr/>
-        </p:nvCxnSpPr>
-        <p:spPr>
-          <a:xfrm>
-            <a:off x="7923112" y="1423227"/>
-            <a:ext cx="164780" cy="876915"/>
-          </a:xfrm>
-          <a:prstGeom prst="line">
-            <a:avLst/>
-          </a:prstGeom>
-        </p:spPr>
-        <p:style>
-          <a:lnRef idx="1">
-            <a:schemeClr val="accent1"/>
-          </a:lnRef>
-          <a:fillRef idx="0">
-            <a:schemeClr val="accent1"/>
-          </a:fillRef>
-          <a:effectRef idx="0">
-            <a:schemeClr val="accent1"/>
-          </a:effectRef>
-          <a:fontRef idx="minor">
-            <a:schemeClr val="tx1"/>
-          </a:fontRef>
-        </p:style>
-      </p:cxnSp>
-      <p:cxnSp>
-        <p:nvCxnSpPr>
-          <p:cNvPr id="233" name="直接连接符 232"/>
-          <p:cNvCxnSpPr>
-            <a:stCxn id="219" idx="0"/>
-            <a:endCxn id="229" idx="2"/>
-          </p:cNvCxnSpPr>
-          <p:nvPr/>
-        </p:nvCxnSpPr>
-        <p:spPr>
-          <a:xfrm flipH="1" flipV="1">
-            <a:off x="8087892" y="2985949"/>
-            <a:ext cx="293294" cy="700932"/>
-          </a:xfrm>
-          <a:prstGeom prst="line">
-            <a:avLst/>
-          </a:prstGeom>
-        </p:spPr>
-        <p:style>
-          <a:lnRef idx="1">
-            <a:schemeClr val="accent1"/>
-          </a:lnRef>
-          <a:fillRef idx="0">
-            <a:schemeClr val="accent1"/>
-          </a:fillRef>
-          <a:effectRef idx="0">
-            <a:schemeClr val="accent1"/>
-          </a:effectRef>
-          <a:fontRef idx="minor">
-            <a:schemeClr val="tx1"/>
-          </a:fontRef>
-        </p:style>
-      </p:cxnSp>
-      <p:sp>
-        <p:nvSpPr>
-          <p:cNvPr id="237" name="菱形 236"/>
-          <p:cNvSpPr/>
-          <p:nvPr/>
-        </p:nvSpPr>
-        <p:spPr>
-          <a:xfrm>
-            <a:off x="9416227" y="2830723"/>
-            <a:ext cx="794653" cy="649974"/>
-          </a:xfrm>
-          <a:prstGeom prst="diamond">
-            <a:avLst/>
-          </a:prstGeom>
-          <a:solidFill>
-            <a:schemeClr val="bg1">
-              <a:lumMod val="95000"/>
-            </a:schemeClr>
-          </a:solidFill>
-        </p:spPr>
-        <p:style>
-          <a:lnRef idx="2">
-            <a:schemeClr val="accent1">
-              <a:shade val="50000"/>
-            </a:schemeClr>
-          </a:lnRef>
-          <a:fillRef idx="1">
-            <a:schemeClr val="accent1"/>
-          </a:fillRef>
-          <a:effectRef idx="0">
-            <a:schemeClr val="accent1"/>
-          </a:effectRef>
-          <a:fontRef idx="minor">
-            <a:schemeClr val="lt1"/>
-          </a:fontRef>
-        </p:style>
-        <p:txBody>
-          <a:bodyPr rtlCol="0" anchor="ctr"/>
-          <a:lstStyle/>
-          <a:p>
-            <a:pPr algn="ctr"/>
-            <a:r>
-              <a:rPr lang="zh-CN" altLang="en-US" dirty="0" smtClean="0">
-                <a:solidFill>
-                  <a:schemeClr val="tx1"/>
-                </a:solidFill>
-              </a:rPr>
-              <a:t>验证</a:t>
-            </a:r>
-            <a:endParaRPr lang="zh-CN" altLang="en-US" dirty="0">
-              <a:solidFill>
-                <a:schemeClr val="tx1"/>
-              </a:solidFill>
-            </a:endParaRPr>
-          </a:p>
-        </p:txBody>
-      </p:sp>
-      <p:cxnSp>
-        <p:nvCxnSpPr>
-          <p:cNvPr id="239" name="直接连接符 238"/>
-          <p:cNvCxnSpPr>
-            <a:stCxn id="237" idx="1"/>
-            <a:endCxn id="219" idx="3"/>
-          </p:cNvCxnSpPr>
-          <p:nvPr/>
-        </p:nvCxnSpPr>
-        <p:spPr>
-          <a:xfrm flipH="1">
-            <a:off x="8936957" y="3155710"/>
-            <a:ext cx="479270" cy="782991"/>
-          </a:xfrm>
-          <a:prstGeom prst="line">
-            <a:avLst/>
-          </a:prstGeom>
-        </p:spPr>
-        <p:style>
-          <a:lnRef idx="1">
-            <a:schemeClr val="accent1"/>
-          </a:lnRef>
-          <a:fillRef idx="0">
-            <a:schemeClr val="accent1"/>
-          </a:fillRef>
-          <a:effectRef idx="0">
-            <a:schemeClr val="accent1"/>
-          </a:effectRef>
-          <a:fontRef idx="minor">
-            <a:schemeClr val="tx1"/>
-          </a:fontRef>
-        </p:style>
-      </p:cxnSp>
-      <p:cxnSp>
-        <p:nvCxnSpPr>
-          <p:cNvPr id="245" name="直接连接符 244"/>
-          <p:cNvCxnSpPr>
-            <a:stCxn id="237" idx="3"/>
-            <a:endCxn id="3" idx="2"/>
-          </p:cNvCxnSpPr>
-          <p:nvPr/>
-        </p:nvCxnSpPr>
-        <p:spPr>
-          <a:xfrm flipV="1">
-            <a:off x="10210880" y="2393286"/>
-            <a:ext cx="282836" cy="762424"/>
-          </a:xfrm>
-          <a:prstGeom prst="line">
-            <a:avLst/>
-          </a:prstGeom>
-        </p:spPr>
-        <p:style>
-          <a:lnRef idx="1">
-            <a:schemeClr val="accent1"/>
-          </a:lnRef>
-          <a:fillRef idx="0">
-            <a:schemeClr val="accent1"/>
-          </a:fillRef>
-          <a:effectRef idx="0">
-            <a:schemeClr val="accent1"/>
-          </a:effectRef>
-          <a:fontRef idx="minor">
-            <a:schemeClr val="tx1"/>
-          </a:fontRef>
-        </p:style>
-      </p:cxnSp>
-      <p:sp>
-        <p:nvSpPr>
-          <p:cNvPr id="247" name="菱形 246"/>
-          <p:cNvSpPr/>
-          <p:nvPr/>
-        </p:nvSpPr>
-        <p:spPr>
-          <a:xfrm>
-            <a:off x="5113113" y="2578883"/>
-            <a:ext cx="768659" cy="685807"/>
-          </a:xfrm>
-          <a:prstGeom prst="diamond">
-            <a:avLst/>
-          </a:prstGeom>
-          <a:solidFill>
-            <a:schemeClr val="bg1">
-              <a:lumMod val="95000"/>
-            </a:schemeClr>
-          </a:solidFill>
-        </p:spPr>
-        <p:style>
-          <a:lnRef idx="2">
-            <a:schemeClr val="accent1">
-              <a:shade val="50000"/>
-            </a:schemeClr>
-          </a:lnRef>
-          <a:fillRef idx="1">
-            <a:schemeClr val="accent1"/>
-          </a:fillRef>
-          <a:effectRef idx="0">
-            <a:schemeClr val="accent1"/>
-          </a:effectRef>
-          <a:fontRef idx="minor">
-            <a:schemeClr val="lt1"/>
-          </a:fontRef>
-        </p:style>
-        <p:txBody>
-          <a:bodyPr rtlCol="0" anchor="ctr"/>
-          <a:lstStyle/>
-          <a:p>
-            <a:pPr algn="ctr"/>
-            <a:r>
-              <a:rPr lang="zh-CN" altLang="en-US" dirty="0" smtClean="0">
-                <a:solidFill>
-                  <a:schemeClr val="tx1"/>
-                </a:solidFill>
-              </a:rPr>
-              <a:t>反馈</a:t>
-            </a:r>
-            <a:endParaRPr lang="zh-CN" altLang="en-US" dirty="0">
-              <a:solidFill>
-                <a:schemeClr val="tx1"/>
-              </a:solidFill>
-            </a:endParaRPr>
-          </a:p>
-        </p:txBody>
-      </p:sp>
-      <p:cxnSp>
-        <p:nvCxnSpPr>
-          <p:cNvPr id="248" name="直接连接符 247"/>
-          <p:cNvCxnSpPr>
-            <a:stCxn id="219" idx="1"/>
-            <a:endCxn id="247" idx="2"/>
-          </p:cNvCxnSpPr>
-          <p:nvPr/>
-        </p:nvCxnSpPr>
-        <p:spPr>
-          <a:xfrm flipH="1" flipV="1">
-            <a:off x="5497443" y="3264690"/>
-            <a:ext cx="2327972" cy="674011"/>
-          </a:xfrm>
-          <a:prstGeom prst="line">
-            <a:avLst/>
-          </a:prstGeom>
-        </p:spPr>
-        <p:style>
-          <a:lnRef idx="1">
-            <a:schemeClr val="accent1"/>
-          </a:lnRef>
-          <a:fillRef idx="0">
-            <a:schemeClr val="accent1"/>
-          </a:fillRef>
-          <a:effectRef idx="0">
-            <a:schemeClr val="accent1"/>
-          </a:effectRef>
-          <a:fontRef idx="minor">
-            <a:schemeClr val="tx1"/>
-          </a:fontRef>
-        </p:style>
-      </p:cxnSp>
-      <p:cxnSp>
-        <p:nvCxnSpPr>
-          <p:cNvPr id="260" name="直接连接符 259"/>
-          <p:cNvCxnSpPr>
-            <a:stCxn id="116" idx="2"/>
-            <a:endCxn id="247" idx="0"/>
-          </p:cNvCxnSpPr>
-          <p:nvPr/>
-        </p:nvCxnSpPr>
-        <p:spPr>
-          <a:xfrm>
-            <a:off x="4857524" y="1452589"/>
-            <a:ext cx="639919" cy="1126294"/>
-          </a:xfrm>
-          <a:prstGeom prst="line">
-            <a:avLst/>
-          </a:prstGeom>
-        </p:spPr>
-        <p:style>
-          <a:lnRef idx="1">
-            <a:schemeClr val="accent1"/>
-          </a:lnRef>
-          <a:fillRef idx="0">
-            <a:schemeClr val="accent1"/>
-          </a:fillRef>
-          <a:effectRef idx="0">
-            <a:schemeClr val="accent1"/>
-          </a:effectRef>
-          <a:fontRef idx="minor">
-            <a:schemeClr val="tx1"/>
-          </a:fontRef>
-        </p:style>
-      </p:cxnSp>
-      <p:sp>
-        <p:nvSpPr>
-          <p:cNvPr id="261" name="菱形 260"/>
-          <p:cNvSpPr/>
-          <p:nvPr/>
-        </p:nvSpPr>
-        <p:spPr>
-          <a:xfrm>
-            <a:off x="4281651" y="3264690"/>
-            <a:ext cx="794653" cy="649974"/>
-          </a:xfrm>
-          <a:prstGeom prst="diamond">
-            <a:avLst/>
-          </a:prstGeom>
-          <a:solidFill>
-            <a:schemeClr val="bg1">
-              <a:lumMod val="95000"/>
-            </a:schemeClr>
-          </a:solidFill>
-        </p:spPr>
-        <p:style>
-          <a:lnRef idx="2">
-            <a:schemeClr val="accent1">
-              <a:shade val="50000"/>
-            </a:schemeClr>
-          </a:lnRef>
-          <a:fillRef idx="1">
-            <a:schemeClr val="accent1"/>
-          </a:fillRef>
-          <a:effectRef idx="0">
-            <a:schemeClr val="accent1"/>
-          </a:effectRef>
-          <a:fontRef idx="minor">
-            <a:schemeClr val="lt1"/>
-          </a:fontRef>
-        </p:style>
-        <p:txBody>
-          <a:bodyPr rtlCol="0" anchor="ctr"/>
-          <a:lstStyle/>
-          <a:p>
-            <a:pPr algn="ctr"/>
-            <a:r>
-              <a:rPr lang="zh-CN" altLang="en-US" dirty="0" smtClean="0">
-                <a:solidFill>
-                  <a:schemeClr val="tx1"/>
-                </a:solidFill>
-              </a:rPr>
-              <a:t>验证</a:t>
-            </a:r>
-            <a:endParaRPr lang="zh-CN" altLang="en-US" dirty="0">
-              <a:solidFill>
-                <a:schemeClr val="tx1"/>
-              </a:solidFill>
-            </a:endParaRPr>
-          </a:p>
-        </p:txBody>
-      </p:sp>
-      <p:cxnSp>
-        <p:nvCxnSpPr>
-          <p:cNvPr id="263" name="直接连接符 262"/>
-          <p:cNvCxnSpPr>
-            <a:stCxn id="261" idx="2"/>
-            <a:endCxn id="219" idx="1"/>
-          </p:cNvCxnSpPr>
-          <p:nvPr/>
-        </p:nvCxnSpPr>
-        <p:spPr>
-          <a:xfrm>
-            <a:off x="4678978" y="3914664"/>
-            <a:ext cx="3146437" cy="24037"/>
-          </a:xfrm>
-          <a:prstGeom prst="line">
-            <a:avLst/>
-          </a:prstGeom>
-        </p:spPr>
-        <p:style>
-          <a:lnRef idx="1">
-            <a:schemeClr val="accent1"/>
-          </a:lnRef>
-          <a:fillRef idx="0">
-            <a:schemeClr val="accent1"/>
-          </a:fillRef>
-          <a:effectRef idx="0">
-            <a:schemeClr val="accent1"/>
-          </a:effectRef>
-          <a:fontRef idx="minor">
-            <a:schemeClr val="tx1"/>
-          </a:fontRef>
-        </p:style>
-      </p:cxnSp>
-      <p:cxnSp>
-        <p:nvCxnSpPr>
-          <p:cNvPr id="265" name="直接连接符 264"/>
-          <p:cNvCxnSpPr>
-            <a:stCxn id="261" idx="0"/>
-            <a:endCxn id="2" idx="2"/>
-          </p:cNvCxnSpPr>
-          <p:nvPr/>
-        </p:nvCxnSpPr>
-        <p:spPr>
-          <a:xfrm flipH="1" flipV="1">
-            <a:off x="2913219" y="2393286"/>
-            <a:ext cx="1765759" cy="871404"/>
-          </a:xfrm>
-          <a:prstGeom prst="line">
-            <a:avLst/>
-          </a:prstGeom>
-        </p:spPr>
-        <p:style>
-          <a:lnRef idx="1">
-            <a:schemeClr val="accent1"/>
-          </a:lnRef>
-          <a:fillRef idx="0">
-            <a:schemeClr val="accent1"/>
-          </a:fillRef>
-          <a:effectRef idx="0">
-            <a:schemeClr val="accent1"/>
-          </a:effectRef>
-          <a:fontRef idx="minor">
-            <a:schemeClr val="tx1"/>
-          </a:fontRef>
-        </p:style>
-      </p:cxnSp>
-      <p:cxnSp>
-        <p:nvCxnSpPr>
-          <p:cNvPr id="283" name="直接连接符 282"/>
-          <p:cNvCxnSpPr>
-            <a:stCxn id="219" idx="2"/>
-            <a:endCxn id="14" idx="3"/>
-          </p:cNvCxnSpPr>
-          <p:nvPr/>
-        </p:nvCxnSpPr>
-        <p:spPr>
-          <a:xfrm flipH="1">
-            <a:off x="6987606" y="4190521"/>
-            <a:ext cx="1393580" cy="1769736"/>
-          </a:xfrm>
-          <a:prstGeom prst="line">
-            <a:avLst/>
-          </a:prstGeom>
-        </p:spPr>
-        <p:style>
-          <a:lnRef idx="1">
-            <a:schemeClr val="accent1"/>
-          </a:lnRef>
-          <a:fillRef idx="0">
-            <a:schemeClr val="accent1"/>
-          </a:fillRef>
-          <a:effectRef idx="0">
-            <a:schemeClr val="accent1"/>
-          </a:effectRef>
-          <a:fontRef idx="minor">
-            <a:schemeClr val="tx1"/>
-          </a:fontRef>
-        </p:style>
-      </p:cxnSp>
-      <p:sp>
-        <p:nvSpPr>
-          <p:cNvPr id="300" name="文本框 299"/>
-          <p:cNvSpPr txBox="1"/>
-          <p:nvPr/>
-        </p:nvSpPr>
-        <p:spPr>
-          <a:xfrm>
-            <a:off x="3034325" y="4237747"/>
-            <a:ext cx="306494" cy="369332"/>
-          </a:xfrm>
-          <a:prstGeom prst="rect">
-            <a:avLst/>
-          </a:prstGeom>
-          <a:noFill/>
-        </p:spPr>
-        <p:txBody>
-          <a:bodyPr wrap="none" rtlCol="0">
+        <p:txBody>
+          <a:bodyPr wrap="square" rtlCol="0">
             <a:spAutoFit/>
           </a:bodyPr>
           <a:lstStyle/>
           <a:p>
             <a:r>
-              <a:rPr lang="en-US" altLang="zh-CN" dirty="0" smtClean="0"/>
-              <a:t>n</a:t>
-            </a:r>
-            <a:endParaRPr lang="zh-CN" altLang="en-US" dirty="0"/>
-          </a:p>
-        </p:txBody>
-      </p:sp>
-      <p:sp>
-        <p:nvSpPr>
-          <p:cNvPr id="301" name="文本框 300"/>
-          <p:cNvSpPr txBox="1"/>
-          <p:nvPr/>
-        </p:nvSpPr>
-        <p:spPr>
-          <a:xfrm>
-            <a:off x="4216896" y="4237747"/>
-            <a:ext cx="301686" cy="369332"/>
-          </a:xfrm>
-          <a:prstGeom prst="rect">
-            <a:avLst/>
-          </a:prstGeom>
-          <a:noFill/>
-        </p:spPr>
-        <p:txBody>
-          <a:bodyPr wrap="none" rtlCol="0">
-            <a:spAutoFit/>
-          </a:bodyPr>
-          <a:lstStyle/>
-          <a:p>
-            <a:r>
-              <a:rPr lang="en-US" altLang="zh-CN" dirty="0" smtClean="0"/>
-              <a:t>1</a:t>
-            </a:r>
-            <a:endParaRPr lang="zh-CN" altLang="en-US" dirty="0"/>
-          </a:p>
-        </p:txBody>
-      </p:sp>
-      <p:sp>
-        <p:nvSpPr>
-          <p:cNvPr id="302" name="文本框 301"/>
-          <p:cNvSpPr txBox="1"/>
-          <p:nvPr/>
-        </p:nvSpPr>
-        <p:spPr>
-          <a:xfrm>
-            <a:off x="2645602" y="5023750"/>
-            <a:ext cx="301686" cy="369332"/>
-          </a:xfrm>
-          <a:prstGeom prst="rect">
-            <a:avLst/>
-          </a:prstGeom>
-          <a:noFill/>
-        </p:spPr>
-        <p:txBody>
-          <a:bodyPr wrap="none" rtlCol="0">
-            <a:spAutoFit/>
-          </a:bodyPr>
-          <a:lstStyle/>
-          <a:p>
-            <a:r>
-              <a:rPr lang="en-US" altLang="zh-CN" dirty="0"/>
-              <a:t>1</a:t>
-            </a:r>
-            <a:endParaRPr lang="zh-CN" altLang="en-US" dirty="0"/>
-          </a:p>
-        </p:txBody>
-      </p:sp>
-      <p:sp>
-        <p:nvSpPr>
-          <p:cNvPr id="305" name="文本框 304"/>
-          <p:cNvSpPr txBox="1"/>
-          <p:nvPr/>
-        </p:nvSpPr>
-        <p:spPr>
-          <a:xfrm>
-            <a:off x="2027188" y="5630687"/>
-            <a:ext cx="306494" cy="369332"/>
-          </a:xfrm>
-          <a:prstGeom prst="rect">
-            <a:avLst/>
-          </a:prstGeom>
-          <a:noFill/>
-        </p:spPr>
-        <p:txBody>
-          <a:bodyPr wrap="none" rtlCol="0">
-            <a:spAutoFit/>
-          </a:bodyPr>
-          <a:lstStyle/>
-          <a:p>
-            <a:r>
-              <a:rPr lang="en-US" altLang="zh-CN" dirty="0" smtClean="0"/>
-              <a:t>1</a:t>
-            </a:r>
-            <a:endParaRPr lang="zh-CN" altLang="en-US" dirty="0"/>
-          </a:p>
-        </p:txBody>
-      </p:sp>
-      <p:sp>
-        <p:nvSpPr>
-          <p:cNvPr id="306" name="文本框 305"/>
-          <p:cNvSpPr txBox="1"/>
-          <p:nvPr/>
-        </p:nvSpPr>
-        <p:spPr>
-          <a:xfrm>
-            <a:off x="4290766" y="5648261"/>
-            <a:ext cx="306494" cy="369332"/>
-          </a:xfrm>
-          <a:prstGeom prst="rect">
-            <a:avLst/>
-          </a:prstGeom>
-          <a:noFill/>
-        </p:spPr>
-        <p:txBody>
-          <a:bodyPr wrap="none" rtlCol="0">
-            <a:spAutoFit/>
-          </a:bodyPr>
-          <a:lstStyle/>
-          <a:p>
-            <a:r>
-              <a:rPr lang="en-US" altLang="zh-CN" dirty="0" smtClean="0"/>
-              <a:t>n</a:t>
-            </a:r>
-            <a:endParaRPr lang="zh-CN" altLang="en-US" dirty="0"/>
-          </a:p>
-        </p:txBody>
-      </p:sp>
-      <p:sp>
-        <p:nvSpPr>
-          <p:cNvPr id="307" name="文本框 306"/>
-          <p:cNvSpPr txBox="1"/>
-          <p:nvPr/>
-        </p:nvSpPr>
-        <p:spPr>
-          <a:xfrm>
-            <a:off x="6203418" y="4995995"/>
-            <a:ext cx="369012" cy="369332"/>
-          </a:xfrm>
-          <a:prstGeom prst="rect">
-            <a:avLst/>
-          </a:prstGeom>
-          <a:noFill/>
-        </p:spPr>
-        <p:txBody>
-          <a:bodyPr wrap="none" rtlCol="0">
-            <a:spAutoFit/>
-          </a:bodyPr>
-          <a:lstStyle/>
-          <a:p>
-            <a:r>
-              <a:rPr lang="en-US" altLang="zh-CN" dirty="0" smtClean="0"/>
-              <a:t>m</a:t>
-            </a:r>
-            <a:endParaRPr lang="zh-CN" altLang="en-US" dirty="0"/>
-          </a:p>
-        </p:txBody>
-      </p:sp>
-      <p:sp>
-        <p:nvSpPr>
-          <p:cNvPr id="309" name="文本框 308"/>
-          <p:cNvSpPr txBox="1"/>
-          <p:nvPr/>
-        </p:nvSpPr>
-        <p:spPr>
-          <a:xfrm>
-            <a:off x="7416177" y="4924413"/>
-            <a:ext cx="306494" cy="369332"/>
-          </a:xfrm>
-          <a:prstGeom prst="rect">
-            <a:avLst/>
-          </a:prstGeom>
-          <a:noFill/>
-        </p:spPr>
-        <p:txBody>
-          <a:bodyPr wrap="none" rtlCol="0">
-            <a:spAutoFit/>
-          </a:bodyPr>
-          <a:lstStyle/>
-          <a:p>
-            <a:r>
-              <a:rPr lang="en-US" altLang="zh-CN" dirty="0" smtClean="0"/>
-              <a:t>q</a:t>
-            </a:r>
-            <a:endParaRPr lang="zh-CN" altLang="en-US" dirty="0"/>
-          </a:p>
-        </p:txBody>
-      </p:sp>
-      <p:sp>
-        <p:nvSpPr>
-          <p:cNvPr id="310" name="文本框 309"/>
-          <p:cNvSpPr txBox="1"/>
-          <p:nvPr/>
-        </p:nvSpPr>
-        <p:spPr>
-          <a:xfrm>
-            <a:off x="8381186" y="5646628"/>
-            <a:ext cx="306494" cy="369332"/>
-          </a:xfrm>
-          <a:prstGeom prst="rect">
-            <a:avLst/>
-          </a:prstGeom>
-          <a:noFill/>
-        </p:spPr>
-        <p:txBody>
-          <a:bodyPr wrap="none" rtlCol="0">
-            <a:spAutoFit/>
-          </a:bodyPr>
-          <a:lstStyle/>
-          <a:p>
-            <a:r>
-              <a:rPr lang="en-US" altLang="zh-CN" dirty="0" smtClean="0"/>
-              <a:t>p</a:t>
-            </a:r>
-            <a:endParaRPr lang="zh-CN" altLang="en-US" dirty="0"/>
-          </a:p>
-        </p:txBody>
-      </p:sp>
-      <p:sp>
-        <p:nvSpPr>
-          <p:cNvPr id="311" name="文本框 310"/>
-          <p:cNvSpPr txBox="1"/>
-          <p:nvPr/>
-        </p:nvSpPr>
-        <p:spPr>
-          <a:xfrm>
-            <a:off x="6280800" y="2570042"/>
-            <a:ext cx="301686" cy="369332"/>
-          </a:xfrm>
-          <a:prstGeom prst="rect">
-            <a:avLst/>
-          </a:prstGeom>
-          <a:noFill/>
-        </p:spPr>
-        <p:txBody>
-          <a:bodyPr wrap="none" rtlCol="0">
-            <a:spAutoFit/>
-          </a:bodyPr>
-          <a:lstStyle/>
-          <a:p>
-            <a:r>
-              <a:rPr lang="en-US" altLang="zh-CN" dirty="0"/>
-              <a:t>1</a:t>
-            </a:r>
-            <a:endParaRPr lang="zh-CN" altLang="en-US" dirty="0"/>
-          </a:p>
-        </p:txBody>
-      </p:sp>
-      <p:sp>
-        <p:nvSpPr>
-          <p:cNvPr id="312" name="文本框 311"/>
-          <p:cNvSpPr txBox="1"/>
-          <p:nvPr/>
-        </p:nvSpPr>
-        <p:spPr>
-          <a:xfrm>
-            <a:off x="5458780" y="1846869"/>
-            <a:ext cx="306494" cy="369332"/>
-          </a:xfrm>
-          <a:prstGeom prst="rect">
-            <a:avLst/>
-          </a:prstGeom>
-          <a:noFill/>
-        </p:spPr>
-        <p:txBody>
-          <a:bodyPr wrap="none" rtlCol="0">
-            <a:spAutoFit/>
-          </a:bodyPr>
-          <a:lstStyle/>
-          <a:p>
-            <a:r>
-              <a:rPr lang="en-US" altLang="zh-CN" dirty="0" smtClean="0"/>
-              <a:t>q</a:t>
-            </a:r>
-            <a:endParaRPr lang="zh-CN" altLang="en-US" dirty="0"/>
-          </a:p>
-        </p:txBody>
-      </p:sp>
-      <p:sp>
-        <p:nvSpPr>
-          <p:cNvPr id="313" name="文本框 312"/>
-          <p:cNvSpPr txBox="1"/>
-          <p:nvPr/>
-        </p:nvSpPr>
-        <p:spPr>
-          <a:xfrm>
-            <a:off x="7261914" y="1843948"/>
-            <a:ext cx="306494" cy="369332"/>
-          </a:xfrm>
-          <a:prstGeom prst="rect">
-            <a:avLst/>
-          </a:prstGeom>
-          <a:noFill/>
-        </p:spPr>
-        <p:txBody>
-          <a:bodyPr wrap="none" rtlCol="0">
-            <a:spAutoFit/>
-          </a:bodyPr>
-          <a:lstStyle/>
-          <a:p>
-            <a:r>
-              <a:rPr lang="en-US" altLang="zh-CN" dirty="0" smtClean="0"/>
-              <a:t>p</a:t>
-            </a:r>
-            <a:endParaRPr lang="zh-CN" altLang="en-US" dirty="0"/>
-          </a:p>
-        </p:txBody>
-      </p:sp>
-      <p:sp>
-        <p:nvSpPr>
-          <p:cNvPr id="316" name="文本框 315"/>
-          <p:cNvSpPr txBox="1"/>
-          <p:nvPr/>
-        </p:nvSpPr>
-        <p:spPr>
-          <a:xfrm>
-            <a:off x="5110822" y="2236634"/>
-            <a:ext cx="306494" cy="369332"/>
-          </a:xfrm>
-          <a:prstGeom prst="rect">
-            <a:avLst/>
-          </a:prstGeom>
-          <a:noFill/>
-        </p:spPr>
-        <p:txBody>
-          <a:bodyPr wrap="none" rtlCol="0">
-            <a:spAutoFit/>
-          </a:bodyPr>
-          <a:lstStyle/>
-          <a:p>
-            <a:r>
-              <a:rPr lang="en-US" altLang="zh-CN" dirty="0" smtClean="0"/>
-              <a:t>1</a:t>
-            </a:r>
-            <a:endParaRPr lang="zh-CN" altLang="en-US" dirty="0"/>
-          </a:p>
-        </p:txBody>
-      </p:sp>
-      <p:sp>
-        <p:nvSpPr>
-          <p:cNvPr id="317" name="文本框 316"/>
-          <p:cNvSpPr txBox="1"/>
-          <p:nvPr/>
-        </p:nvSpPr>
-        <p:spPr>
-          <a:xfrm>
-            <a:off x="10541925" y="1505968"/>
-            <a:ext cx="306494" cy="369332"/>
-          </a:xfrm>
-          <a:prstGeom prst="rect">
-            <a:avLst/>
-          </a:prstGeom>
-          <a:noFill/>
-        </p:spPr>
-        <p:txBody>
-          <a:bodyPr wrap="none" rtlCol="0">
-            <a:spAutoFit/>
-          </a:bodyPr>
-          <a:lstStyle/>
-          <a:p>
-            <a:r>
-              <a:rPr lang="en-US" altLang="zh-CN" dirty="0" smtClean="0"/>
-              <a:t>1</a:t>
-            </a:r>
-            <a:endParaRPr lang="zh-CN" altLang="en-US" dirty="0"/>
-          </a:p>
-        </p:txBody>
-      </p:sp>
-      <p:sp>
-        <p:nvSpPr>
-          <p:cNvPr id="319" name="文本框 318"/>
-          <p:cNvSpPr txBox="1"/>
-          <p:nvPr/>
-        </p:nvSpPr>
-        <p:spPr>
-          <a:xfrm>
-            <a:off x="2598779" y="1501374"/>
-            <a:ext cx="306494" cy="369332"/>
-          </a:xfrm>
-          <a:prstGeom prst="rect">
-            <a:avLst/>
-          </a:prstGeom>
-          <a:noFill/>
-        </p:spPr>
-        <p:txBody>
-          <a:bodyPr wrap="none" rtlCol="0">
-            <a:spAutoFit/>
-          </a:bodyPr>
-          <a:lstStyle/>
-          <a:p>
-            <a:r>
-              <a:rPr lang="en-US" altLang="zh-CN" dirty="0" smtClean="0"/>
-              <a:t>1</a:t>
-            </a:r>
-            <a:endParaRPr lang="zh-CN" altLang="en-US" dirty="0"/>
-          </a:p>
-        </p:txBody>
-      </p:sp>
-      <p:sp>
-        <p:nvSpPr>
-          <p:cNvPr id="320" name="文本框 319"/>
-          <p:cNvSpPr txBox="1"/>
-          <p:nvPr/>
-        </p:nvSpPr>
-        <p:spPr>
-          <a:xfrm>
-            <a:off x="10026954" y="2611872"/>
-            <a:ext cx="306494" cy="369332"/>
-          </a:xfrm>
-          <a:prstGeom prst="rect">
-            <a:avLst/>
-          </a:prstGeom>
-          <a:noFill/>
-        </p:spPr>
-        <p:txBody>
-          <a:bodyPr wrap="none" rtlCol="0">
-            <a:spAutoFit/>
-          </a:bodyPr>
-          <a:lstStyle/>
-          <a:p>
-            <a:r>
-              <a:rPr lang="en-US" altLang="zh-CN" dirty="0" smtClean="0"/>
-              <a:t>n</a:t>
-            </a:r>
-            <a:endParaRPr lang="zh-CN" altLang="en-US" dirty="0"/>
-          </a:p>
-        </p:txBody>
-      </p:sp>
-      <p:sp>
-        <p:nvSpPr>
-          <p:cNvPr id="321" name="文本框 320"/>
-          <p:cNvSpPr txBox="1"/>
-          <p:nvPr/>
-        </p:nvSpPr>
-        <p:spPr>
-          <a:xfrm>
-            <a:off x="7903267" y="1538557"/>
-            <a:ext cx="306494" cy="369332"/>
-          </a:xfrm>
-          <a:prstGeom prst="rect">
-            <a:avLst/>
-          </a:prstGeom>
-          <a:noFill/>
-        </p:spPr>
-        <p:txBody>
-          <a:bodyPr wrap="none" rtlCol="0">
-            <a:spAutoFit/>
-          </a:bodyPr>
-          <a:lstStyle/>
-          <a:p>
-            <a:r>
-              <a:rPr lang="en-US" altLang="zh-CN" dirty="0" smtClean="0"/>
-              <a:t>1</a:t>
-            </a:r>
-            <a:endParaRPr lang="zh-CN" altLang="en-US" dirty="0"/>
-          </a:p>
-        </p:txBody>
-      </p:sp>
-      <p:sp>
-        <p:nvSpPr>
-          <p:cNvPr id="322" name="文本框 321"/>
-          <p:cNvSpPr txBox="1"/>
-          <p:nvPr/>
-        </p:nvSpPr>
-        <p:spPr>
-          <a:xfrm>
-            <a:off x="9182039" y="832380"/>
-            <a:ext cx="306494" cy="369332"/>
-          </a:xfrm>
-          <a:prstGeom prst="rect">
-            <a:avLst/>
-          </a:prstGeom>
-          <a:noFill/>
-        </p:spPr>
-        <p:txBody>
-          <a:bodyPr wrap="none" rtlCol="0">
-            <a:spAutoFit/>
-          </a:bodyPr>
-          <a:lstStyle/>
-          <a:p>
-            <a:r>
-              <a:rPr lang="en-US" altLang="zh-CN" dirty="0" smtClean="0"/>
-              <a:t>n</a:t>
-            </a:r>
-            <a:endParaRPr lang="zh-CN" altLang="en-US" dirty="0"/>
-          </a:p>
-        </p:txBody>
-      </p:sp>
-      <p:sp>
-        <p:nvSpPr>
-          <p:cNvPr id="328" name="文本框 327"/>
-          <p:cNvSpPr txBox="1"/>
-          <p:nvPr/>
-        </p:nvSpPr>
-        <p:spPr>
-          <a:xfrm>
-            <a:off x="5835695" y="3077437"/>
-            <a:ext cx="306494" cy="369332"/>
-          </a:xfrm>
-          <a:prstGeom prst="rect">
-            <a:avLst/>
-          </a:prstGeom>
-          <a:noFill/>
-        </p:spPr>
-        <p:txBody>
-          <a:bodyPr wrap="none" rtlCol="0">
-            <a:spAutoFit/>
-          </a:bodyPr>
-          <a:lstStyle/>
-          <a:p>
-            <a:r>
-              <a:rPr lang="en-US" altLang="zh-CN" dirty="0" smtClean="0"/>
-              <a:t>1</a:t>
-            </a:r>
-            <a:endParaRPr lang="zh-CN" altLang="en-US" dirty="0"/>
-          </a:p>
-        </p:txBody>
-      </p:sp>
-      <p:sp>
-        <p:nvSpPr>
-          <p:cNvPr id="329" name="文本框 328"/>
-          <p:cNvSpPr txBox="1"/>
-          <p:nvPr/>
-        </p:nvSpPr>
-        <p:spPr>
-          <a:xfrm>
-            <a:off x="2648342" y="2974570"/>
-            <a:ext cx="301686" cy="369332"/>
-          </a:xfrm>
-          <a:prstGeom prst="rect">
-            <a:avLst/>
-          </a:prstGeom>
-          <a:noFill/>
-        </p:spPr>
-        <p:txBody>
-          <a:bodyPr wrap="none" rtlCol="0">
-            <a:spAutoFit/>
-          </a:bodyPr>
-          <a:lstStyle/>
-          <a:p>
-            <a:r>
-              <a:rPr lang="en-US" altLang="zh-CN" dirty="0"/>
-              <a:t>1</a:t>
-            </a:r>
-            <a:endParaRPr lang="zh-CN" altLang="en-US" dirty="0"/>
-          </a:p>
-        </p:txBody>
-      </p:sp>
-      <p:sp>
-        <p:nvSpPr>
-          <p:cNvPr id="330" name="文本框 329"/>
-          <p:cNvSpPr txBox="1"/>
-          <p:nvPr/>
-        </p:nvSpPr>
-        <p:spPr>
-          <a:xfrm>
-            <a:off x="1104994" y="5176291"/>
-            <a:ext cx="301686" cy="369332"/>
-          </a:xfrm>
-          <a:prstGeom prst="rect">
-            <a:avLst/>
-          </a:prstGeom>
-          <a:noFill/>
-        </p:spPr>
-        <p:txBody>
-          <a:bodyPr wrap="none" rtlCol="0">
-            <a:spAutoFit/>
-          </a:bodyPr>
-          <a:lstStyle/>
-          <a:p>
-            <a:r>
-              <a:rPr lang="en-US" altLang="zh-CN" dirty="0"/>
-              <a:t>1</a:t>
-            </a:r>
-            <a:endParaRPr lang="zh-CN" altLang="en-US" dirty="0"/>
-          </a:p>
-        </p:txBody>
-      </p:sp>
-      <p:sp>
-        <p:nvSpPr>
-          <p:cNvPr id="331" name="文本框 330"/>
-          <p:cNvSpPr txBox="1"/>
-          <p:nvPr/>
-        </p:nvSpPr>
-        <p:spPr>
-          <a:xfrm>
-            <a:off x="10476711" y="2884970"/>
-            <a:ext cx="301686" cy="369332"/>
-          </a:xfrm>
-          <a:prstGeom prst="rect">
-            <a:avLst/>
-          </a:prstGeom>
-          <a:noFill/>
-        </p:spPr>
-        <p:txBody>
-          <a:bodyPr wrap="none" rtlCol="0">
-            <a:spAutoFit/>
-          </a:bodyPr>
-          <a:lstStyle/>
-          <a:p>
-            <a:r>
-              <a:rPr lang="en-US" altLang="zh-CN" dirty="0"/>
-              <a:t>1</a:t>
-            </a:r>
-            <a:endParaRPr lang="zh-CN" altLang="en-US" dirty="0"/>
-          </a:p>
-        </p:txBody>
-      </p:sp>
-      <p:sp>
-        <p:nvSpPr>
-          <p:cNvPr id="332" name="文本框 331"/>
-          <p:cNvSpPr txBox="1"/>
-          <p:nvPr/>
-        </p:nvSpPr>
-        <p:spPr>
-          <a:xfrm>
-            <a:off x="10476711" y="4991625"/>
-            <a:ext cx="301686" cy="369332"/>
-          </a:xfrm>
-          <a:prstGeom prst="rect">
-            <a:avLst/>
-          </a:prstGeom>
-          <a:noFill/>
-        </p:spPr>
-        <p:txBody>
-          <a:bodyPr wrap="none" rtlCol="0">
-            <a:spAutoFit/>
-          </a:bodyPr>
-          <a:lstStyle/>
-          <a:p>
-            <a:r>
-              <a:rPr lang="en-US" altLang="zh-CN" dirty="0"/>
-              <a:t>1</a:t>
-            </a:r>
-            <a:endParaRPr lang="zh-CN" altLang="en-US" dirty="0"/>
-          </a:p>
-        </p:txBody>
-      </p:sp>
-      <p:sp>
-        <p:nvSpPr>
-          <p:cNvPr id="335" name="文本框 334"/>
-          <p:cNvSpPr txBox="1"/>
-          <p:nvPr/>
-        </p:nvSpPr>
-        <p:spPr>
-          <a:xfrm>
-            <a:off x="9260080" y="3243766"/>
-            <a:ext cx="306494" cy="369332"/>
-          </a:xfrm>
-          <a:prstGeom prst="rect">
-            <a:avLst/>
-          </a:prstGeom>
-          <a:noFill/>
-        </p:spPr>
-        <p:txBody>
-          <a:bodyPr wrap="none" rtlCol="0">
-            <a:spAutoFit/>
-          </a:bodyPr>
-          <a:lstStyle/>
-          <a:p>
-            <a:r>
-              <a:rPr lang="en-US" altLang="zh-CN" dirty="0" smtClean="0"/>
-              <a:t>1</a:t>
-            </a:r>
-            <a:endParaRPr lang="zh-CN" altLang="en-US" dirty="0"/>
-          </a:p>
-        </p:txBody>
-      </p:sp>
-      <p:sp>
-        <p:nvSpPr>
-          <p:cNvPr id="336" name="文本框 335"/>
-          <p:cNvSpPr txBox="1"/>
-          <p:nvPr/>
-        </p:nvSpPr>
-        <p:spPr>
-          <a:xfrm>
-            <a:off x="4152019" y="3063560"/>
-            <a:ext cx="306494" cy="369332"/>
-          </a:xfrm>
-          <a:prstGeom prst="rect">
-            <a:avLst/>
-          </a:prstGeom>
-          <a:noFill/>
-        </p:spPr>
-        <p:txBody>
-          <a:bodyPr wrap="none" rtlCol="0">
-            <a:spAutoFit/>
-          </a:bodyPr>
-          <a:lstStyle/>
-          <a:p>
-            <a:r>
-              <a:rPr lang="en-US" altLang="zh-CN" dirty="0" smtClean="0"/>
-              <a:t>n</a:t>
-            </a:r>
-            <a:endParaRPr lang="zh-CN" altLang="en-US" dirty="0"/>
-          </a:p>
-        </p:txBody>
-      </p:sp>
-      <p:sp>
-        <p:nvSpPr>
-          <p:cNvPr id="337" name="文本框 336"/>
-          <p:cNvSpPr txBox="1"/>
-          <p:nvPr/>
-        </p:nvSpPr>
-        <p:spPr>
-          <a:xfrm>
-            <a:off x="5024236" y="3609141"/>
-            <a:ext cx="306494" cy="369332"/>
-          </a:xfrm>
-          <a:prstGeom prst="rect">
-            <a:avLst/>
-          </a:prstGeom>
-          <a:noFill/>
-        </p:spPr>
-        <p:txBody>
-          <a:bodyPr wrap="none" rtlCol="0">
-            <a:spAutoFit/>
-          </a:bodyPr>
-          <a:lstStyle/>
-          <a:p>
-            <a:r>
-              <a:rPr lang="en-US" altLang="zh-CN" dirty="0" smtClean="0"/>
-              <a:t>1</a:t>
-            </a:r>
-            <a:endParaRPr lang="zh-CN" altLang="en-US" dirty="0"/>
-          </a:p>
-        </p:txBody>
-      </p:sp>
-      <p:sp>
-        <p:nvSpPr>
-          <p:cNvPr id="338" name="文本框 337"/>
-          <p:cNvSpPr txBox="1"/>
-          <p:nvPr/>
-        </p:nvSpPr>
-        <p:spPr>
-          <a:xfrm>
-            <a:off x="8158460" y="3061001"/>
-            <a:ext cx="306494" cy="369332"/>
-          </a:xfrm>
-          <a:prstGeom prst="rect">
-            <a:avLst/>
-          </a:prstGeom>
-          <a:noFill/>
-        </p:spPr>
-        <p:txBody>
-          <a:bodyPr wrap="none" rtlCol="0">
-            <a:spAutoFit/>
-          </a:bodyPr>
-          <a:lstStyle/>
-          <a:p>
-            <a:r>
-              <a:rPr lang="en-US" altLang="zh-CN" dirty="0" smtClean="0"/>
-              <a:t>1</a:t>
-            </a:r>
-            <a:endParaRPr lang="zh-CN" altLang="en-US" dirty="0"/>
-          </a:p>
-        </p:txBody>
-      </p:sp>
-      <p:sp>
-        <p:nvSpPr>
-          <p:cNvPr id="87" name="文本框 86"/>
-          <p:cNvSpPr txBox="1"/>
-          <p:nvPr/>
-        </p:nvSpPr>
-        <p:spPr>
-          <a:xfrm>
-            <a:off x="3635102" y="854707"/>
-            <a:ext cx="306494" cy="369332"/>
-          </a:xfrm>
-          <a:prstGeom prst="rect">
-            <a:avLst/>
-          </a:prstGeom>
-          <a:noFill/>
-        </p:spPr>
-        <p:txBody>
-          <a:bodyPr wrap="none" rtlCol="0">
-            <a:spAutoFit/>
-          </a:bodyPr>
-          <a:lstStyle/>
-          <a:p>
-            <a:r>
-              <a:rPr lang="en-US" altLang="zh-CN" dirty="0" smtClean="0"/>
-              <a:t>n</a:t>
-            </a:r>
-            <a:endParaRPr lang="zh-CN" altLang="en-US" dirty="0"/>
+              <a:rPr lang="zh-CN" altLang="en-US" sz="1400" dirty="0" smtClean="0"/>
+              <a:t>删除信息</a:t>
+            </a:r>
+            <a:endParaRPr lang="zh-CN" altLang="en-US" sz="1400" dirty="0"/>
           </a:p>
         </p:txBody>
       </p:sp>
     </p:spTree>
     <p:extLst>
       <p:ext uri="{BB962C8B-B14F-4D97-AF65-F5344CB8AC3E}">
-        <p14:creationId xmlns:p14="http://schemas.microsoft.com/office/powerpoint/2010/main" val="409843175"/>
+        <p14:creationId xmlns:p14="http://schemas.microsoft.com/office/powerpoint/2010/main" val="931076549"/>
       </p:ext>
     </p:extLst>
   </p:cSld>
   <p:clrMapOvr>
     <a:masterClrMapping/>
   </p:clrMapOvr>
-  <p:timing>
-    <p:tnLst>
-      <p:par>
-        <p:cTn id="1" dur="indefinite" restart="never" nodeType="tmRoot"/>
-      </p:par>
-    </p:tnLst>
-  </p:timing>
-</p:sld>
-</file>
-
-<file path=ppt/slides/slide19.xml><?xml version="1.0" encoding="utf-8"?>
-<p:sld xmlns:a="http://schemas.openxmlformats.org/drawingml/2006/main" xmlns:r="http://schemas.openxmlformats.org/officeDocument/2006/relationships" xmlns:p="http://schemas.openxmlformats.org/presentationml/2006/main">
-  <p:cSld>
-    <p:spTree>
-      <p:nvGrpSpPr>
-        <p:cNvPr id="1" name=""/>
-        <p:cNvGrpSpPr/>
-        <p:nvPr/>
-      </p:nvGrpSpPr>
-      <p:grpSpPr>
-        <a:xfrm>
-          <a:off x="0" y="0"/>
-          <a:ext cx="0" cy="0"/>
-          <a:chOff x="0" y="0"/>
-          <a:chExt cx="0" cy="0"/>
-        </a:xfrm>
-      </p:grpSpPr>
-      <p:sp>
-        <p:nvSpPr>
-          <p:cNvPr id="2" name="矩形 1"/>
-          <p:cNvSpPr/>
-          <p:nvPr/>
-        </p:nvSpPr>
-        <p:spPr>
-          <a:xfrm>
-            <a:off x="2362320" y="1923501"/>
-            <a:ext cx="1101797" cy="469785"/>
-          </a:xfrm>
-          <a:prstGeom prst="rect">
-            <a:avLst/>
-          </a:prstGeom>
-          <a:solidFill>
-            <a:schemeClr val="accent6">
-              <a:lumMod val="20000"/>
-              <a:lumOff val="80000"/>
-            </a:schemeClr>
-          </a:solidFill>
-        </p:spPr>
-        <p:style>
-          <a:lnRef idx="2">
-            <a:schemeClr val="accent1">
-              <a:shade val="50000"/>
-            </a:schemeClr>
-          </a:lnRef>
-          <a:fillRef idx="1">
-            <a:schemeClr val="accent1"/>
-          </a:fillRef>
-          <a:effectRef idx="0">
-            <a:schemeClr val="accent1"/>
-          </a:effectRef>
-          <a:fontRef idx="minor">
-            <a:schemeClr val="lt1"/>
-          </a:fontRef>
-        </p:style>
-        <p:txBody>
-          <a:bodyPr rtlCol="0" anchor="ctr"/>
-          <a:lstStyle/>
-          <a:p>
-            <a:pPr algn="ctr"/>
-            <a:r>
-              <a:rPr lang="zh-CN" altLang="en-US" dirty="0" smtClean="0">
-                <a:solidFill>
-                  <a:schemeClr val="tx1"/>
-                </a:solidFill>
-              </a:rPr>
-              <a:t>本校学生</a:t>
-            </a:r>
-            <a:endParaRPr lang="zh-CN" altLang="en-US" dirty="0">
-              <a:solidFill>
-                <a:schemeClr val="tx1"/>
-              </a:solidFill>
-            </a:endParaRPr>
-          </a:p>
-        </p:txBody>
-      </p:sp>
-      <p:sp>
-        <p:nvSpPr>
-          <p:cNvPr id="3" name="矩形 2"/>
-          <p:cNvSpPr/>
-          <p:nvPr/>
-        </p:nvSpPr>
-        <p:spPr>
-          <a:xfrm>
-            <a:off x="9924353" y="1923501"/>
-            <a:ext cx="1138726" cy="469785"/>
-          </a:xfrm>
-          <a:prstGeom prst="rect">
-            <a:avLst/>
-          </a:prstGeom>
-          <a:solidFill>
-            <a:schemeClr val="accent6">
-              <a:lumMod val="20000"/>
-              <a:lumOff val="80000"/>
-            </a:schemeClr>
-          </a:solidFill>
-        </p:spPr>
-        <p:style>
-          <a:lnRef idx="2">
-            <a:schemeClr val="accent1">
-              <a:shade val="50000"/>
-            </a:schemeClr>
-          </a:lnRef>
-          <a:fillRef idx="1">
-            <a:schemeClr val="accent1"/>
-          </a:fillRef>
-          <a:effectRef idx="0">
-            <a:schemeClr val="accent1"/>
-          </a:effectRef>
-          <a:fontRef idx="minor">
-            <a:schemeClr val="lt1"/>
-          </a:fontRef>
-        </p:style>
-        <p:txBody>
-          <a:bodyPr rtlCol="0" anchor="ctr"/>
-          <a:lstStyle/>
-          <a:p>
-            <a:pPr algn="ctr"/>
-            <a:r>
-              <a:rPr lang="zh-CN" altLang="en-US" dirty="0" smtClean="0">
-                <a:solidFill>
-                  <a:schemeClr val="tx1"/>
-                </a:solidFill>
-              </a:rPr>
-              <a:t>本校团体</a:t>
-            </a:r>
-            <a:endParaRPr lang="zh-CN" altLang="en-US" dirty="0">
-              <a:solidFill>
-                <a:schemeClr val="tx1"/>
-              </a:solidFill>
-            </a:endParaRPr>
-          </a:p>
-        </p:txBody>
-      </p:sp>
-      <p:sp>
-        <p:nvSpPr>
-          <p:cNvPr id="4" name="矩形 3"/>
-          <p:cNvSpPr/>
-          <p:nvPr/>
-        </p:nvSpPr>
-        <p:spPr>
-          <a:xfrm>
-            <a:off x="824712" y="4279672"/>
-            <a:ext cx="1005382" cy="565150"/>
-          </a:xfrm>
-          <a:prstGeom prst="rect">
-            <a:avLst/>
-          </a:prstGeom>
-          <a:solidFill>
-            <a:schemeClr val="accent6">
-              <a:lumMod val="20000"/>
-              <a:lumOff val="80000"/>
-            </a:schemeClr>
-          </a:solidFill>
-        </p:spPr>
-        <p:style>
-          <a:lnRef idx="2">
-            <a:schemeClr val="accent1">
-              <a:shade val="50000"/>
-            </a:schemeClr>
-          </a:lnRef>
-          <a:fillRef idx="1">
-            <a:schemeClr val="accent1"/>
-          </a:fillRef>
-          <a:effectRef idx="0">
-            <a:schemeClr val="accent1"/>
-          </a:effectRef>
-          <a:fontRef idx="minor">
-            <a:schemeClr val="lt1"/>
-          </a:fontRef>
-        </p:style>
-        <p:txBody>
-          <a:bodyPr rtlCol="0" anchor="ctr"/>
-          <a:lstStyle/>
-          <a:p>
-            <a:pPr algn="ctr"/>
-            <a:r>
-              <a:rPr lang="zh-CN" altLang="en-US" dirty="0" smtClean="0">
-                <a:solidFill>
-                  <a:schemeClr val="tx1"/>
-                </a:solidFill>
-              </a:rPr>
-              <a:t>非本校人员</a:t>
-            </a:r>
-            <a:endParaRPr lang="zh-CN" altLang="en-US" dirty="0">
-              <a:solidFill>
-                <a:schemeClr val="tx1"/>
-              </a:solidFill>
-            </a:endParaRPr>
-          </a:p>
-        </p:txBody>
-      </p:sp>
-      <p:sp>
-        <p:nvSpPr>
-          <p:cNvPr id="5" name="矩形 4"/>
-          <p:cNvSpPr/>
-          <p:nvPr/>
-        </p:nvSpPr>
-        <p:spPr>
-          <a:xfrm>
-            <a:off x="5958877" y="4331494"/>
-            <a:ext cx="1107308" cy="474925"/>
-          </a:xfrm>
-          <a:prstGeom prst="rect">
-            <a:avLst/>
-          </a:prstGeom>
-          <a:solidFill>
-            <a:schemeClr val="accent6">
-              <a:lumMod val="20000"/>
-              <a:lumOff val="80000"/>
-            </a:schemeClr>
-          </a:solidFill>
-        </p:spPr>
-        <p:style>
-          <a:lnRef idx="2">
-            <a:schemeClr val="accent1">
-              <a:shade val="50000"/>
-            </a:schemeClr>
-          </a:lnRef>
-          <a:fillRef idx="1">
-            <a:schemeClr val="accent1"/>
-          </a:fillRef>
-          <a:effectRef idx="0">
-            <a:schemeClr val="accent1"/>
-          </a:effectRef>
-          <a:fontRef idx="minor">
-            <a:schemeClr val="lt1"/>
-          </a:fontRef>
-        </p:style>
-        <p:txBody>
-          <a:bodyPr rtlCol="0" anchor="ctr"/>
-          <a:lstStyle/>
-          <a:p>
-            <a:pPr algn="ctr"/>
-            <a:r>
-              <a:rPr lang="zh-CN" altLang="en-US" dirty="0" smtClean="0">
-                <a:solidFill>
-                  <a:schemeClr val="tx1"/>
-                </a:solidFill>
-              </a:rPr>
-              <a:t>管理员</a:t>
-            </a:r>
-            <a:endParaRPr lang="zh-CN" altLang="en-US" dirty="0">
-              <a:solidFill>
-                <a:schemeClr val="tx1"/>
-              </a:solidFill>
-            </a:endParaRPr>
-          </a:p>
-        </p:txBody>
-      </p:sp>
-      <p:sp>
-        <p:nvSpPr>
-          <p:cNvPr id="6" name="菱形 5"/>
-          <p:cNvSpPr/>
-          <p:nvPr/>
-        </p:nvSpPr>
-        <p:spPr>
-          <a:xfrm>
-            <a:off x="3427894" y="4284529"/>
-            <a:ext cx="748570" cy="560293"/>
-          </a:xfrm>
-          <a:prstGeom prst="diamond">
-            <a:avLst/>
-          </a:prstGeom>
-          <a:solidFill>
-            <a:schemeClr val="bg1">
-              <a:lumMod val="95000"/>
-            </a:schemeClr>
-          </a:solidFill>
-        </p:spPr>
-        <p:style>
-          <a:lnRef idx="2">
-            <a:schemeClr val="accent1">
-              <a:shade val="50000"/>
-            </a:schemeClr>
-          </a:lnRef>
-          <a:fillRef idx="1">
-            <a:schemeClr val="accent1"/>
-          </a:fillRef>
-          <a:effectRef idx="0">
-            <a:schemeClr val="accent1"/>
-          </a:effectRef>
-          <a:fontRef idx="minor">
-            <a:schemeClr val="lt1"/>
-          </a:fontRef>
-        </p:style>
-        <p:txBody>
-          <a:bodyPr rtlCol="0" anchor="ctr"/>
-          <a:lstStyle/>
-          <a:p>
-            <a:pPr algn="ctr"/>
-            <a:r>
-              <a:rPr lang="zh-CN" altLang="en-US" dirty="0">
-                <a:solidFill>
-                  <a:schemeClr val="tx1"/>
-                </a:solidFill>
-              </a:rPr>
-              <a:t>申请</a:t>
-            </a:r>
-          </a:p>
-        </p:txBody>
-      </p:sp>
-      <p:cxnSp>
-        <p:nvCxnSpPr>
-          <p:cNvPr id="7" name="直接连接符 6"/>
-          <p:cNvCxnSpPr>
-            <a:stCxn id="4" idx="3"/>
-            <a:endCxn id="6" idx="1"/>
-          </p:cNvCxnSpPr>
-          <p:nvPr/>
-        </p:nvCxnSpPr>
-        <p:spPr>
-          <a:xfrm>
-            <a:off x="1830094" y="4562247"/>
-            <a:ext cx="1597800" cy="2429"/>
-          </a:xfrm>
-          <a:prstGeom prst="line">
-            <a:avLst/>
-          </a:prstGeom>
-        </p:spPr>
-        <p:style>
-          <a:lnRef idx="1">
-            <a:schemeClr val="accent1"/>
-          </a:lnRef>
-          <a:fillRef idx="0">
-            <a:schemeClr val="accent1"/>
-          </a:fillRef>
-          <a:effectRef idx="0">
-            <a:schemeClr val="accent1"/>
-          </a:effectRef>
-          <a:fontRef idx="minor">
-            <a:schemeClr val="tx1"/>
-          </a:fontRef>
-        </p:style>
-      </p:cxnSp>
-      <p:cxnSp>
-        <p:nvCxnSpPr>
-          <p:cNvPr id="8" name="直接连接符 7"/>
-          <p:cNvCxnSpPr>
-            <a:stCxn id="6" idx="3"/>
-            <a:endCxn id="5" idx="1"/>
-          </p:cNvCxnSpPr>
-          <p:nvPr/>
-        </p:nvCxnSpPr>
-        <p:spPr>
-          <a:xfrm>
-            <a:off x="4176464" y="4564676"/>
-            <a:ext cx="1782413" cy="4281"/>
-          </a:xfrm>
-          <a:prstGeom prst="line">
-            <a:avLst/>
-          </a:prstGeom>
-        </p:spPr>
-        <p:style>
-          <a:lnRef idx="1">
-            <a:schemeClr val="accent1"/>
-          </a:lnRef>
-          <a:fillRef idx="0">
-            <a:schemeClr val="accent1"/>
-          </a:fillRef>
-          <a:effectRef idx="0">
-            <a:schemeClr val="accent1"/>
-          </a:effectRef>
-          <a:fontRef idx="minor">
-            <a:schemeClr val="tx1"/>
-          </a:fontRef>
-        </p:style>
-      </p:cxnSp>
-      <p:sp>
-        <p:nvSpPr>
-          <p:cNvPr id="9" name="矩形 8"/>
-          <p:cNvSpPr/>
-          <p:nvPr/>
-        </p:nvSpPr>
-        <p:spPr>
-          <a:xfrm>
-            <a:off x="2359608" y="5751491"/>
-            <a:ext cx="1103952" cy="417533"/>
-          </a:xfrm>
-          <a:prstGeom prst="rect">
-            <a:avLst/>
-          </a:prstGeom>
-          <a:solidFill>
-            <a:schemeClr val="accent6">
-              <a:lumMod val="20000"/>
-              <a:lumOff val="80000"/>
-            </a:schemeClr>
-          </a:solidFill>
-        </p:spPr>
-        <p:style>
-          <a:lnRef idx="2">
-            <a:schemeClr val="accent1">
-              <a:shade val="50000"/>
-            </a:schemeClr>
-          </a:lnRef>
-          <a:fillRef idx="1">
-            <a:schemeClr val="accent1"/>
-          </a:fillRef>
-          <a:effectRef idx="0">
-            <a:schemeClr val="accent1"/>
-          </a:effectRef>
-          <a:fontRef idx="minor">
-            <a:schemeClr val="lt1"/>
-          </a:fontRef>
-        </p:style>
-        <p:txBody>
-          <a:bodyPr rtlCol="0" anchor="ctr"/>
-          <a:lstStyle/>
-          <a:p>
-            <a:pPr algn="ctr"/>
-            <a:r>
-              <a:rPr lang="zh-CN" altLang="en-US" dirty="0" smtClean="0">
-                <a:solidFill>
-                  <a:schemeClr val="tx1"/>
-                </a:solidFill>
-              </a:rPr>
-              <a:t>单人座位</a:t>
-            </a:r>
-            <a:endParaRPr lang="zh-CN" altLang="en-US" dirty="0">
-              <a:solidFill>
-                <a:schemeClr val="tx1"/>
-              </a:solidFill>
-            </a:endParaRPr>
-          </a:p>
-        </p:txBody>
-      </p:sp>
-      <p:sp>
-        <p:nvSpPr>
-          <p:cNvPr id="10" name="菱形 9"/>
-          <p:cNvSpPr/>
-          <p:nvPr/>
-        </p:nvSpPr>
-        <p:spPr>
-          <a:xfrm>
-            <a:off x="658858" y="5576429"/>
-            <a:ext cx="1343459" cy="767655"/>
-          </a:xfrm>
-          <a:prstGeom prst="diamond">
-            <a:avLst/>
-          </a:prstGeom>
-          <a:solidFill>
-            <a:schemeClr val="bg1">
-              <a:lumMod val="95000"/>
-            </a:schemeClr>
-          </a:solidFill>
-        </p:spPr>
-        <p:style>
-          <a:lnRef idx="2">
-            <a:schemeClr val="accent1">
-              <a:shade val="50000"/>
-            </a:schemeClr>
-          </a:lnRef>
-          <a:fillRef idx="1">
-            <a:schemeClr val="accent1"/>
-          </a:fillRef>
-          <a:effectRef idx="0">
-            <a:schemeClr val="accent1"/>
-          </a:effectRef>
-          <a:fontRef idx="minor">
-            <a:schemeClr val="lt1"/>
-          </a:fontRef>
-        </p:style>
-        <p:txBody>
-          <a:bodyPr rtlCol="0" anchor="ctr"/>
-          <a:lstStyle/>
-          <a:p>
-            <a:pPr algn="ctr"/>
-            <a:r>
-              <a:rPr lang="zh-CN" altLang="en-US" dirty="0">
-                <a:solidFill>
-                  <a:schemeClr val="tx1"/>
-                </a:solidFill>
-              </a:rPr>
-              <a:t>临</a:t>
-            </a:r>
-            <a:r>
-              <a:rPr lang="zh-CN" altLang="en-US" dirty="0" smtClean="0">
-                <a:solidFill>
-                  <a:schemeClr val="tx1"/>
-                </a:solidFill>
-              </a:rPr>
-              <a:t>时预约</a:t>
-            </a:r>
-            <a:endParaRPr lang="zh-CN" altLang="en-US" dirty="0">
-              <a:solidFill>
-                <a:schemeClr val="tx1"/>
-              </a:solidFill>
-            </a:endParaRPr>
-          </a:p>
-        </p:txBody>
-      </p:sp>
-      <p:cxnSp>
-        <p:nvCxnSpPr>
-          <p:cNvPr id="11" name="直接连接符 10"/>
-          <p:cNvCxnSpPr>
-            <a:stCxn id="4" idx="2"/>
-            <a:endCxn id="10" idx="0"/>
-          </p:cNvCxnSpPr>
-          <p:nvPr/>
-        </p:nvCxnSpPr>
-        <p:spPr>
-          <a:xfrm>
-            <a:off x="1327403" y="4844822"/>
-            <a:ext cx="3185" cy="731607"/>
-          </a:xfrm>
-          <a:prstGeom prst="line">
-            <a:avLst/>
-          </a:prstGeom>
-        </p:spPr>
-        <p:style>
-          <a:lnRef idx="1">
-            <a:schemeClr val="accent1"/>
-          </a:lnRef>
-          <a:fillRef idx="0">
-            <a:schemeClr val="accent1"/>
-          </a:fillRef>
-          <a:effectRef idx="0">
-            <a:schemeClr val="accent1"/>
-          </a:effectRef>
-          <a:fontRef idx="minor">
-            <a:schemeClr val="tx1"/>
-          </a:fontRef>
-        </p:style>
-      </p:cxnSp>
-      <p:cxnSp>
-        <p:nvCxnSpPr>
-          <p:cNvPr id="12" name="直接连接符 11"/>
-          <p:cNvCxnSpPr>
-            <a:stCxn id="10" idx="3"/>
-            <a:endCxn id="9" idx="1"/>
-          </p:cNvCxnSpPr>
-          <p:nvPr/>
-        </p:nvCxnSpPr>
-        <p:spPr>
-          <a:xfrm>
-            <a:off x="2002317" y="5960257"/>
-            <a:ext cx="357291" cy="1"/>
-          </a:xfrm>
-          <a:prstGeom prst="line">
-            <a:avLst/>
-          </a:prstGeom>
-        </p:spPr>
-        <p:style>
-          <a:lnRef idx="1">
-            <a:schemeClr val="accent1"/>
-          </a:lnRef>
-          <a:fillRef idx="0">
-            <a:schemeClr val="accent1"/>
-          </a:fillRef>
-          <a:effectRef idx="0">
-            <a:schemeClr val="accent1"/>
-          </a:effectRef>
-          <a:fontRef idx="minor">
-            <a:schemeClr val="tx1"/>
-          </a:fontRef>
-        </p:style>
-      </p:cxnSp>
-      <p:cxnSp>
-        <p:nvCxnSpPr>
-          <p:cNvPr id="13" name="直接连接符 12"/>
-          <p:cNvCxnSpPr>
-            <a:stCxn id="5" idx="2"/>
-            <a:endCxn id="14" idx="0"/>
-          </p:cNvCxnSpPr>
-          <p:nvPr/>
-        </p:nvCxnSpPr>
-        <p:spPr>
-          <a:xfrm>
-            <a:off x="6512531" y="4806419"/>
-            <a:ext cx="0" cy="840209"/>
-          </a:xfrm>
-          <a:prstGeom prst="line">
-            <a:avLst/>
-          </a:prstGeom>
-        </p:spPr>
-        <p:style>
-          <a:lnRef idx="1">
-            <a:schemeClr val="accent1"/>
-          </a:lnRef>
-          <a:fillRef idx="0">
-            <a:schemeClr val="accent1"/>
-          </a:fillRef>
-          <a:effectRef idx="0">
-            <a:schemeClr val="accent1"/>
-          </a:effectRef>
-          <a:fontRef idx="minor">
-            <a:schemeClr val="tx1"/>
-          </a:fontRef>
-        </p:style>
-      </p:cxnSp>
-      <p:sp>
-        <p:nvSpPr>
-          <p:cNvPr id="14" name="菱形 13"/>
-          <p:cNvSpPr/>
-          <p:nvPr/>
-        </p:nvSpPr>
-        <p:spPr>
-          <a:xfrm>
-            <a:off x="6037455" y="5646628"/>
-            <a:ext cx="950151" cy="627258"/>
-          </a:xfrm>
-          <a:prstGeom prst="diamond">
-            <a:avLst/>
-          </a:prstGeom>
-          <a:solidFill>
-            <a:schemeClr val="bg1">
-              <a:lumMod val="95000"/>
-            </a:schemeClr>
-          </a:solidFill>
-        </p:spPr>
-        <p:style>
-          <a:lnRef idx="2">
-            <a:schemeClr val="accent1">
-              <a:shade val="50000"/>
-            </a:schemeClr>
-          </a:lnRef>
-          <a:fillRef idx="1">
-            <a:schemeClr val="accent1"/>
-          </a:fillRef>
-          <a:effectRef idx="0">
-            <a:schemeClr val="accent1"/>
-          </a:effectRef>
-          <a:fontRef idx="minor">
-            <a:schemeClr val="lt1"/>
-          </a:fontRef>
-        </p:style>
-        <p:txBody>
-          <a:bodyPr rtlCol="0" anchor="ctr"/>
-          <a:lstStyle/>
-          <a:p>
-            <a:pPr algn="ctr"/>
-            <a:r>
-              <a:rPr lang="zh-CN" altLang="en-US" dirty="0" smtClean="0">
-                <a:solidFill>
-                  <a:schemeClr val="tx1"/>
-                </a:solidFill>
-              </a:rPr>
-              <a:t>管理</a:t>
-            </a:r>
-            <a:endParaRPr lang="zh-CN" altLang="en-US" dirty="0">
-              <a:solidFill>
-                <a:schemeClr val="tx1"/>
-              </a:solidFill>
-            </a:endParaRPr>
-          </a:p>
-        </p:txBody>
-      </p:sp>
-      <p:cxnSp>
-        <p:nvCxnSpPr>
-          <p:cNvPr id="15" name="直接连接符 14"/>
-          <p:cNvCxnSpPr>
-            <a:stCxn id="14" idx="1"/>
-            <a:endCxn id="9" idx="3"/>
-          </p:cNvCxnSpPr>
-          <p:nvPr/>
-        </p:nvCxnSpPr>
-        <p:spPr>
-          <a:xfrm flipH="1">
-            <a:off x="3463560" y="5960257"/>
-            <a:ext cx="2573895" cy="1"/>
-          </a:xfrm>
-          <a:prstGeom prst="line">
-            <a:avLst/>
-          </a:prstGeom>
-        </p:spPr>
-        <p:style>
-          <a:lnRef idx="1">
-            <a:schemeClr val="accent1"/>
-          </a:lnRef>
-          <a:fillRef idx="0">
-            <a:schemeClr val="accent1"/>
-          </a:fillRef>
-          <a:effectRef idx="0">
-            <a:schemeClr val="accent1"/>
-          </a:effectRef>
-          <a:fontRef idx="minor">
-            <a:schemeClr val="tx1"/>
-          </a:fontRef>
-        </p:style>
-      </p:cxnSp>
-      <p:sp>
-        <p:nvSpPr>
-          <p:cNvPr id="115" name="矩形 114"/>
-          <p:cNvSpPr/>
-          <p:nvPr/>
-        </p:nvSpPr>
-        <p:spPr>
-          <a:xfrm>
-            <a:off x="5790431" y="114947"/>
-            <a:ext cx="1175538" cy="359029"/>
-          </a:xfrm>
-          <a:prstGeom prst="rect">
-            <a:avLst/>
-          </a:prstGeom>
-          <a:solidFill>
-            <a:schemeClr val="accent6">
-              <a:lumMod val="20000"/>
-              <a:lumOff val="80000"/>
-            </a:schemeClr>
-          </a:solidFill>
-        </p:spPr>
-        <p:style>
-          <a:lnRef idx="2">
-            <a:schemeClr val="accent1">
-              <a:shade val="50000"/>
-            </a:schemeClr>
-          </a:lnRef>
-          <a:fillRef idx="1">
-            <a:schemeClr val="accent1"/>
-          </a:fillRef>
-          <a:effectRef idx="0">
-            <a:schemeClr val="accent1"/>
-          </a:effectRef>
-          <a:fontRef idx="minor">
-            <a:schemeClr val="lt1"/>
-          </a:fontRef>
-        </p:style>
-        <p:txBody>
-          <a:bodyPr rtlCol="0" anchor="ctr"/>
-          <a:lstStyle/>
-          <a:p>
-            <a:pPr algn="ctr"/>
-            <a:r>
-              <a:rPr lang="zh-CN" altLang="en-US" dirty="0" smtClean="0">
-                <a:solidFill>
-                  <a:schemeClr val="tx1"/>
-                </a:solidFill>
-              </a:rPr>
-              <a:t>违约记录</a:t>
-            </a:r>
-            <a:endParaRPr lang="zh-CN" altLang="en-US" dirty="0">
-              <a:solidFill>
-                <a:schemeClr val="tx1"/>
-              </a:solidFill>
-            </a:endParaRPr>
-          </a:p>
-        </p:txBody>
-      </p:sp>
-      <p:sp>
-        <p:nvSpPr>
-          <p:cNvPr id="116" name="矩形 115"/>
-          <p:cNvSpPr/>
-          <p:nvPr/>
-        </p:nvSpPr>
-        <p:spPr>
-          <a:xfrm>
-            <a:off x="4305034" y="896018"/>
-            <a:ext cx="1104979" cy="556571"/>
-          </a:xfrm>
-          <a:prstGeom prst="rect">
-            <a:avLst/>
-          </a:prstGeom>
-          <a:solidFill>
-            <a:schemeClr val="accent6">
-              <a:lumMod val="20000"/>
-              <a:lumOff val="80000"/>
-            </a:schemeClr>
-          </a:solidFill>
-        </p:spPr>
-        <p:style>
-          <a:lnRef idx="2">
-            <a:schemeClr val="accent1">
-              <a:shade val="50000"/>
-            </a:schemeClr>
-          </a:lnRef>
-          <a:fillRef idx="1">
-            <a:schemeClr val="accent1"/>
-          </a:fillRef>
-          <a:effectRef idx="0">
-            <a:schemeClr val="accent1"/>
-          </a:effectRef>
-          <a:fontRef idx="minor">
-            <a:schemeClr val="lt1"/>
-          </a:fontRef>
-        </p:style>
-        <p:txBody>
-          <a:bodyPr rtlCol="0" anchor="ctr"/>
-          <a:lstStyle/>
-          <a:p>
-            <a:pPr algn="ctr"/>
-            <a:r>
-              <a:rPr lang="zh-CN" altLang="en-US" dirty="0" smtClean="0">
-                <a:solidFill>
-                  <a:schemeClr val="tx1"/>
-                </a:solidFill>
-              </a:rPr>
-              <a:t>个人</a:t>
-            </a:r>
-            <a:endParaRPr lang="en-US" altLang="zh-CN" dirty="0" smtClean="0">
-              <a:solidFill>
-                <a:schemeClr val="tx1"/>
-              </a:solidFill>
-            </a:endParaRPr>
-          </a:p>
-          <a:p>
-            <a:pPr algn="ctr"/>
-            <a:r>
-              <a:rPr lang="zh-CN" altLang="en-US" dirty="0" smtClean="0">
-                <a:solidFill>
-                  <a:schemeClr val="tx1"/>
-                </a:solidFill>
-              </a:rPr>
-              <a:t>违约记录</a:t>
-            </a:r>
-            <a:endParaRPr lang="zh-CN" altLang="en-US" dirty="0">
-              <a:solidFill>
-                <a:schemeClr val="tx1"/>
-              </a:solidFill>
-            </a:endParaRPr>
-          </a:p>
-        </p:txBody>
-      </p:sp>
-      <p:sp>
-        <p:nvSpPr>
-          <p:cNvPr id="117" name="矩形 116"/>
-          <p:cNvSpPr/>
-          <p:nvPr/>
-        </p:nvSpPr>
-        <p:spPr>
-          <a:xfrm>
-            <a:off x="7346387" y="896018"/>
-            <a:ext cx="1153449" cy="527209"/>
-          </a:xfrm>
-          <a:prstGeom prst="rect">
-            <a:avLst/>
-          </a:prstGeom>
-          <a:solidFill>
-            <a:schemeClr val="accent6">
-              <a:lumMod val="20000"/>
-              <a:lumOff val="80000"/>
-            </a:schemeClr>
-          </a:solidFill>
-        </p:spPr>
-        <p:style>
-          <a:lnRef idx="2">
-            <a:schemeClr val="accent1">
-              <a:shade val="50000"/>
-            </a:schemeClr>
-          </a:lnRef>
-          <a:fillRef idx="1">
-            <a:schemeClr val="accent1"/>
-          </a:fillRef>
-          <a:effectRef idx="0">
-            <a:schemeClr val="accent1"/>
-          </a:effectRef>
-          <a:fontRef idx="minor">
-            <a:schemeClr val="lt1"/>
-          </a:fontRef>
-        </p:style>
-        <p:txBody>
-          <a:bodyPr rtlCol="0" anchor="ctr"/>
-          <a:lstStyle/>
-          <a:p>
-            <a:pPr algn="ctr"/>
-            <a:r>
-              <a:rPr lang="zh-CN" altLang="en-US" dirty="0" smtClean="0">
-                <a:solidFill>
-                  <a:schemeClr val="tx1"/>
-                </a:solidFill>
-              </a:rPr>
-              <a:t>团体</a:t>
-            </a:r>
-            <a:endParaRPr lang="en-US" altLang="zh-CN" dirty="0" smtClean="0">
-              <a:solidFill>
-                <a:schemeClr val="tx1"/>
-              </a:solidFill>
-            </a:endParaRPr>
-          </a:p>
-          <a:p>
-            <a:pPr algn="ctr"/>
-            <a:r>
-              <a:rPr lang="zh-CN" altLang="en-US" dirty="0" smtClean="0">
-                <a:solidFill>
-                  <a:schemeClr val="tx1"/>
-                </a:solidFill>
-              </a:rPr>
-              <a:t>违约记录</a:t>
-            </a:r>
-            <a:endParaRPr lang="zh-CN" altLang="en-US" dirty="0">
-              <a:solidFill>
-                <a:schemeClr val="tx1"/>
-              </a:solidFill>
-            </a:endParaRPr>
-          </a:p>
-        </p:txBody>
-      </p:sp>
-      <p:cxnSp>
-        <p:nvCxnSpPr>
-          <p:cNvPr id="118" name="直接连接符 117"/>
-          <p:cNvCxnSpPr>
-            <a:stCxn id="116" idx="3"/>
-            <a:endCxn id="120" idx="0"/>
-          </p:cNvCxnSpPr>
-          <p:nvPr/>
-        </p:nvCxnSpPr>
-        <p:spPr>
-          <a:xfrm flipV="1">
-            <a:off x="5410013" y="1050894"/>
-            <a:ext cx="968187" cy="123410"/>
-          </a:xfrm>
-          <a:prstGeom prst="line">
-            <a:avLst/>
-          </a:prstGeom>
-        </p:spPr>
-        <p:style>
-          <a:lnRef idx="1">
-            <a:schemeClr val="accent1"/>
-          </a:lnRef>
-          <a:fillRef idx="0">
-            <a:schemeClr val="accent1"/>
-          </a:fillRef>
-          <a:effectRef idx="0">
-            <a:schemeClr val="accent1"/>
-          </a:effectRef>
-          <a:fontRef idx="minor">
-            <a:schemeClr val="tx1"/>
-          </a:fontRef>
-        </p:style>
-      </p:cxnSp>
-      <p:cxnSp>
-        <p:nvCxnSpPr>
-          <p:cNvPr id="119" name="直接连接符 118"/>
-          <p:cNvCxnSpPr>
-            <a:stCxn id="120" idx="0"/>
-            <a:endCxn id="117" idx="1"/>
-          </p:cNvCxnSpPr>
-          <p:nvPr/>
-        </p:nvCxnSpPr>
-        <p:spPr>
-          <a:xfrm>
-            <a:off x="6378200" y="1050894"/>
-            <a:ext cx="968187" cy="108729"/>
-          </a:xfrm>
-          <a:prstGeom prst="line">
-            <a:avLst/>
-          </a:prstGeom>
-        </p:spPr>
-        <p:style>
-          <a:lnRef idx="1">
-            <a:schemeClr val="accent1"/>
-          </a:lnRef>
-          <a:fillRef idx="0">
-            <a:schemeClr val="accent1"/>
-          </a:fillRef>
-          <a:effectRef idx="0">
-            <a:schemeClr val="accent1"/>
-          </a:effectRef>
-          <a:fontRef idx="minor">
-            <a:schemeClr val="tx1"/>
-          </a:fontRef>
-        </p:style>
-      </p:cxnSp>
-      <p:sp>
-        <p:nvSpPr>
-          <p:cNvPr id="120" name="流程图: 合并 119"/>
-          <p:cNvSpPr/>
-          <p:nvPr/>
-        </p:nvSpPr>
-        <p:spPr>
-          <a:xfrm flipV="1">
-            <a:off x="5926698" y="613867"/>
-            <a:ext cx="903004" cy="437027"/>
-          </a:xfrm>
-          <a:prstGeom prst="flowChartMerge">
-            <a:avLst/>
-          </a:prstGeom>
-          <a:noFill/>
-        </p:spPr>
-        <p:style>
-          <a:lnRef idx="2">
-            <a:schemeClr val="accent1">
-              <a:shade val="50000"/>
-            </a:schemeClr>
-          </a:lnRef>
-          <a:fillRef idx="1">
-            <a:schemeClr val="accent1"/>
-          </a:fillRef>
-          <a:effectRef idx="0">
-            <a:schemeClr val="accent1"/>
-          </a:effectRef>
-          <a:fontRef idx="minor">
-            <a:schemeClr val="lt1"/>
-          </a:fontRef>
-        </p:style>
-        <p:txBody>
-          <a:bodyPr rtlCol="0" anchor="ctr"/>
-          <a:lstStyle/>
-          <a:p>
-            <a:pPr algn="ctr"/>
-            <a:endParaRPr lang="zh-CN" altLang="en-US"/>
-          </a:p>
-        </p:txBody>
-      </p:sp>
-      <p:cxnSp>
-        <p:nvCxnSpPr>
-          <p:cNvPr id="121" name="直接连接符 120"/>
-          <p:cNvCxnSpPr>
-            <a:stCxn id="115" idx="2"/>
-            <a:endCxn id="120" idx="2"/>
-          </p:cNvCxnSpPr>
-          <p:nvPr/>
-        </p:nvCxnSpPr>
-        <p:spPr>
-          <a:xfrm>
-            <a:off x="6378200" y="473976"/>
-            <a:ext cx="0" cy="139891"/>
-          </a:xfrm>
-          <a:prstGeom prst="line">
-            <a:avLst/>
-          </a:prstGeom>
-        </p:spPr>
-        <p:style>
-          <a:lnRef idx="1">
-            <a:schemeClr val="accent1"/>
-          </a:lnRef>
-          <a:fillRef idx="0">
-            <a:schemeClr val="accent1"/>
-          </a:fillRef>
-          <a:effectRef idx="0">
-            <a:schemeClr val="accent1"/>
-          </a:effectRef>
-          <a:fontRef idx="minor">
-            <a:schemeClr val="tx1"/>
-          </a:fontRef>
-        </p:style>
-      </p:cxnSp>
-      <p:cxnSp>
-        <p:nvCxnSpPr>
-          <p:cNvPr id="122" name="直接连接符 121"/>
-          <p:cNvCxnSpPr/>
-          <p:nvPr/>
-        </p:nvCxnSpPr>
-        <p:spPr>
-          <a:xfrm>
-            <a:off x="6224737" y="798438"/>
-            <a:ext cx="273006" cy="225129"/>
-          </a:xfrm>
-          <a:prstGeom prst="line">
-            <a:avLst/>
-          </a:prstGeom>
-          <a:ln w="19050">
-            <a:solidFill>
-              <a:schemeClr val="tx1"/>
-            </a:solidFill>
-          </a:ln>
-        </p:spPr>
-        <p:style>
-          <a:lnRef idx="1">
-            <a:schemeClr val="accent1"/>
-          </a:lnRef>
-          <a:fillRef idx="0">
-            <a:schemeClr val="accent1"/>
-          </a:fillRef>
-          <a:effectRef idx="0">
-            <a:schemeClr val="accent1"/>
-          </a:effectRef>
-          <a:fontRef idx="minor">
-            <a:schemeClr val="tx1"/>
-          </a:fontRef>
-        </p:style>
-      </p:cxnSp>
-      <p:cxnSp>
-        <p:nvCxnSpPr>
-          <p:cNvPr id="123" name="直接连接符 122"/>
-          <p:cNvCxnSpPr/>
-          <p:nvPr/>
-        </p:nvCxnSpPr>
-        <p:spPr>
-          <a:xfrm flipV="1">
-            <a:off x="6258657" y="798438"/>
-            <a:ext cx="239086" cy="225129"/>
-          </a:xfrm>
-          <a:prstGeom prst="line">
-            <a:avLst/>
-          </a:prstGeom>
-          <a:ln w="19050">
-            <a:solidFill>
-              <a:schemeClr val="tx1"/>
-            </a:solidFill>
-          </a:ln>
-        </p:spPr>
-        <p:style>
-          <a:lnRef idx="1">
-            <a:schemeClr val="accent1"/>
-          </a:lnRef>
-          <a:fillRef idx="0">
-            <a:schemeClr val="accent1"/>
-          </a:fillRef>
-          <a:effectRef idx="0">
-            <a:schemeClr val="accent1"/>
-          </a:effectRef>
-          <a:fontRef idx="minor">
-            <a:schemeClr val="tx1"/>
-          </a:fontRef>
-        </p:style>
-      </p:cxnSp>
-      <p:sp>
-        <p:nvSpPr>
-          <p:cNvPr id="151" name="菱形 150"/>
-          <p:cNvSpPr/>
-          <p:nvPr/>
-        </p:nvSpPr>
-        <p:spPr>
-          <a:xfrm>
-            <a:off x="2509229" y="832381"/>
-            <a:ext cx="805824" cy="686412"/>
-          </a:xfrm>
-          <a:prstGeom prst="diamond">
-            <a:avLst/>
-          </a:prstGeom>
-          <a:solidFill>
-            <a:schemeClr val="bg1">
-              <a:lumMod val="95000"/>
-            </a:schemeClr>
-          </a:solidFill>
-        </p:spPr>
-        <p:style>
-          <a:lnRef idx="2">
-            <a:schemeClr val="accent1">
-              <a:shade val="50000"/>
-            </a:schemeClr>
-          </a:lnRef>
-          <a:fillRef idx="1">
-            <a:schemeClr val="accent1"/>
-          </a:fillRef>
-          <a:effectRef idx="0">
-            <a:schemeClr val="accent1"/>
-          </a:effectRef>
-          <a:fontRef idx="minor">
-            <a:schemeClr val="lt1"/>
-          </a:fontRef>
-        </p:style>
-        <p:txBody>
-          <a:bodyPr rtlCol="0" anchor="ctr"/>
-          <a:lstStyle/>
-          <a:p>
-            <a:pPr algn="ctr"/>
-            <a:r>
-              <a:rPr lang="zh-CN" altLang="en-US" dirty="0">
-                <a:solidFill>
-                  <a:schemeClr val="tx1"/>
-                </a:solidFill>
-              </a:rPr>
-              <a:t>监督</a:t>
-            </a:r>
-          </a:p>
-        </p:txBody>
-      </p:sp>
-      <p:cxnSp>
-        <p:nvCxnSpPr>
-          <p:cNvPr id="155" name="直接连接符 154"/>
-          <p:cNvCxnSpPr>
-            <a:stCxn id="151" idx="3"/>
-            <a:endCxn id="116" idx="1"/>
-          </p:cNvCxnSpPr>
-          <p:nvPr/>
-        </p:nvCxnSpPr>
-        <p:spPr>
-          <a:xfrm flipV="1">
-            <a:off x="3315053" y="1174304"/>
-            <a:ext cx="989981" cy="1283"/>
-          </a:xfrm>
-          <a:prstGeom prst="line">
-            <a:avLst/>
-          </a:prstGeom>
-        </p:spPr>
-        <p:style>
-          <a:lnRef idx="1">
-            <a:schemeClr val="accent1"/>
-          </a:lnRef>
-          <a:fillRef idx="0">
-            <a:schemeClr val="accent1"/>
-          </a:fillRef>
-          <a:effectRef idx="0">
-            <a:schemeClr val="accent1"/>
-          </a:effectRef>
-          <a:fontRef idx="minor">
-            <a:schemeClr val="tx1"/>
-          </a:fontRef>
-        </p:style>
-      </p:cxnSp>
-      <p:cxnSp>
-        <p:nvCxnSpPr>
-          <p:cNvPr id="158" name="直接连接符 157"/>
-          <p:cNvCxnSpPr>
-            <a:stCxn id="151" idx="2"/>
-            <a:endCxn id="2" idx="0"/>
-          </p:cNvCxnSpPr>
-          <p:nvPr/>
-        </p:nvCxnSpPr>
-        <p:spPr>
-          <a:xfrm>
-            <a:off x="2912141" y="1518793"/>
-            <a:ext cx="1078" cy="404708"/>
-          </a:xfrm>
-          <a:prstGeom prst="line">
-            <a:avLst/>
-          </a:prstGeom>
-        </p:spPr>
-        <p:style>
-          <a:lnRef idx="1">
-            <a:schemeClr val="accent1"/>
-          </a:lnRef>
-          <a:fillRef idx="0">
-            <a:schemeClr val="accent1"/>
-          </a:fillRef>
-          <a:effectRef idx="0">
-            <a:schemeClr val="accent1"/>
-          </a:effectRef>
-          <a:fontRef idx="minor">
-            <a:schemeClr val="tx1"/>
-          </a:fontRef>
-        </p:style>
-      </p:cxnSp>
-      <p:sp>
-        <p:nvSpPr>
-          <p:cNvPr id="161" name="菱形 160"/>
-          <p:cNvSpPr/>
-          <p:nvPr/>
-        </p:nvSpPr>
-        <p:spPr>
-          <a:xfrm>
-            <a:off x="10090804" y="819556"/>
-            <a:ext cx="805824" cy="686412"/>
-          </a:xfrm>
-          <a:prstGeom prst="diamond">
-            <a:avLst/>
-          </a:prstGeom>
-          <a:solidFill>
-            <a:schemeClr val="bg1">
-              <a:lumMod val="95000"/>
-            </a:schemeClr>
-          </a:solidFill>
-        </p:spPr>
-        <p:style>
-          <a:lnRef idx="2">
-            <a:schemeClr val="accent1">
-              <a:shade val="50000"/>
-            </a:schemeClr>
-          </a:lnRef>
-          <a:fillRef idx="1">
-            <a:schemeClr val="accent1"/>
-          </a:fillRef>
-          <a:effectRef idx="0">
-            <a:schemeClr val="accent1"/>
-          </a:effectRef>
-          <a:fontRef idx="minor">
-            <a:schemeClr val="lt1"/>
-          </a:fontRef>
-        </p:style>
-        <p:txBody>
-          <a:bodyPr rtlCol="0" anchor="ctr"/>
-          <a:lstStyle/>
-          <a:p>
-            <a:pPr algn="ctr"/>
-            <a:r>
-              <a:rPr lang="zh-CN" altLang="en-US" dirty="0">
-                <a:solidFill>
-                  <a:schemeClr val="tx1"/>
-                </a:solidFill>
-              </a:rPr>
-              <a:t>监督</a:t>
-            </a:r>
-          </a:p>
-        </p:txBody>
-      </p:sp>
-      <p:cxnSp>
-        <p:nvCxnSpPr>
-          <p:cNvPr id="163" name="直接连接符 162"/>
-          <p:cNvCxnSpPr>
-            <a:stCxn id="117" idx="3"/>
-            <a:endCxn id="161" idx="1"/>
-          </p:cNvCxnSpPr>
-          <p:nvPr/>
-        </p:nvCxnSpPr>
-        <p:spPr>
-          <a:xfrm>
-            <a:off x="8499836" y="1159623"/>
-            <a:ext cx="1590968" cy="3139"/>
-          </a:xfrm>
-          <a:prstGeom prst="line">
-            <a:avLst/>
-          </a:prstGeom>
-        </p:spPr>
-        <p:style>
-          <a:lnRef idx="1">
-            <a:schemeClr val="accent1"/>
-          </a:lnRef>
-          <a:fillRef idx="0">
-            <a:schemeClr val="accent1"/>
-          </a:fillRef>
-          <a:effectRef idx="0">
-            <a:schemeClr val="accent1"/>
-          </a:effectRef>
-          <a:fontRef idx="minor">
-            <a:schemeClr val="tx1"/>
-          </a:fontRef>
-        </p:style>
-      </p:cxnSp>
-      <p:cxnSp>
-        <p:nvCxnSpPr>
-          <p:cNvPr id="165" name="直接连接符 164"/>
-          <p:cNvCxnSpPr>
-            <a:stCxn id="161" idx="2"/>
-            <a:endCxn id="3" idx="0"/>
-          </p:cNvCxnSpPr>
-          <p:nvPr/>
-        </p:nvCxnSpPr>
-        <p:spPr>
-          <a:xfrm>
-            <a:off x="10493716" y="1505968"/>
-            <a:ext cx="0" cy="417533"/>
-          </a:xfrm>
-          <a:prstGeom prst="line">
-            <a:avLst/>
-          </a:prstGeom>
-        </p:spPr>
-        <p:style>
-          <a:lnRef idx="1">
-            <a:schemeClr val="accent1"/>
-          </a:lnRef>
-          <a:fillRef idx="0">
-            <a:schemeClr val="accent1"/>
-          </a:fillRef>
-          <a:effectRef idx="0">
-            <a:schemeClr val="accent1"/>
-          </a:effectRef>
-          <a:fontRef idx="minor">
-            <a:schemeClr val="tx1"/>
-          </a:fontRef>
-        </p:style>
-      </p:cxnSp>
-      <p:sp>
-        <p:nvSpPr>
-          <p:cNvPr id="168" name="菱形 167"/>
-          <p:cNvSpPr/>
-          <p:nvPr/>
-        </p:nvSpPr>
-        <p:spPr>
-          <a:xfrm>
-            <a:off x="6116154" y="1838723"/>
-            <a:ext cx="792755" cy="639335"/>
-          </a:xfrm>
-          <a:prstGeom prst="diamond">
-            <a:avLst/>
-          </a:prstGeom>
-          <a:solidFill>
-            <a:schemeClr val="bg1">
-              <a:lumMod val="95000"/>
-            </a:schemeClr>
-          </a:solidFill>
-        </p:spPr>
-        <p:style>
-          <a:lnRef idx="2">
-            <a:schemeClr val="accent1">
-              <a:shade val="50000"/>
-            </a:schemeClr>
-          </a:lnRef>
-          <a:fillRef idx="1">
-            <a:schemeClr val="accent1"/>
-          </a:fillRef>
-          <a:effectRef idx="0">
-            <a:schemeClr val="accent1"/>
-          </a:effectRef>
-          <a:fontRef idx="minor">
-            <a:schemeClr val="lt1"/>
-          </a:fontRef>
-        </p:style>
-        <p:txBody>
-          <a:bodyPr rtlCol="0" anchor="ctr"/>
-          <a:lstStyle/>
-          <a:p>
-            <a:pPr algn="ctr"/>
-            <a:r>
-              <a:rPr lang="zh-CN" altLang="en-US" dirty="0" smtClean="0">
-                <a:solidFill>
-                  <a:schemeClr val="tx1"/>
-                </a:solidFill>
-              </a:rPr>
-              <a:t>申</a:t>
-            </a:r>
-            <a:r>
-              <a:rPr lang="zh-CN" altLang="en-US" dirty="0">
-                <a:solidFill>
-                  <a:schemeClr val="tx1"/>
-                </a:solidFill>
-              </a:rPr>
-              <a:t>诉</a:t>
-            </a:r>
-          </a:p>
-        </p:txBody>
-      </p:sp>
-      <p:cxnSp>
-        <p:nvCxnSpPr>
-          <p:cNvPr id="172" name="直接连接符 171"/>
-          <p:cNvCxnSpPr>
-            <a:stCxn id="168" idx="3"/>
-            <a:endCxn id="3" idx="1"/>
-          </p:cNvCxnSpPr>
-          <p:nvPr/>
-        </p:nvCxnSpPr>
-        <p:spPr>
-          <a:xfrm>
-            <a:off x="6908909" y="2158391"/>
-            <a:ext cx="3015444" cy="3"/>
-          </a:xfrm>
-          <a:prstGeom prst="line">
-            <a:avLst/>
-          </a:prstGeom>
-        </p:spPr>
-        <p:style>
-          <a:lnRef idx="1">
-            <a:schemeClr val="accent1"/>
-          </a:lnRef>
-          <a:fillRef idx="0">
-            <a:schemeClr val="accent1"/>
-          </a:fillRef>
-          <a:effectRef idx="0">
-            <a:schemeClr val="accent1"/>
-          </a:effectRef>
-          <a:fontRef idx="minor">
-            <a:schemeClr val="tx1"/>
-          </a:fontRef>
-        </p:style>
-      </p:cxnSp>
-      <p:cxnSp>
-        <p:nvCxnSpPr>
-          <p:cNvPr id="174" name="直接连接符 173"/>
-          <p:cNvCxnSpPr>
-            <a:stCxn id="168" idx="2"/>
-            <a:endCxn id="5" idx="0"/>
-          </p:cNvCxnSpPr>
-          <p:nvPr/>
-        </p:nvCxnSpPr>
-        <p:spPr>
-          <a:xfrm flipH="1">
-            <a:off x="6512531" y="2478058"/>
-            <a:ext cx="1" cy="1853436"/>
-          </a:xfrm>
-          <a:prstGeom prst="line">
-            <a:avLst/>
-          </a:prstGeom>
-        </p:spPr>
-        <p:style>
-          <a:lnRef idx="1">
-            <a:schemeClr val="accent1"/>
-          </a:lnRef>
-          <a:fillRef idx="0">
-            <a:schemeClr val="accent1"/>
-          </a:fillRef>
-          <a:effectRef idx="0">
-            <a:schemeClr val="accent1"/>
-          </a:effectRef>
-          <a:fontRef idx="minor">
-            <a:schemeClr val="tx1"/>
-          </a:fontRef>
-        </p:style>
-      </p:cxnSp>
-      <p:cxnSp>
-        <p:nvCxnSpPr>
-          <p:cNvPr id="181" name="直接连接符 180"/>
-          <p:cNvCxnSpPr>
-            <a:stCxn id="168" idx="1"/>
-            <a:endCxn id="2" idx="3"/>
-          </p:cNvCxnSpPr>
-          <p:nvPr/>
-        </p:nvCxnSpPr>
-        <p:spPr>
-          <a:xfrm flipH="1">
-            <a:off x="3464117" y="2158391"/>
-            <a:ext cx="2652037" cy="3"/>
-          </a:xfrm>
-          <a:prstGeom prst="line">
-            <a:avLst/>
-          </a:prstGeom>
-        </p:spPr>
-        <p:style>
-          <a:lnRef idx="1">
-            <a:schemeClr val="accent1"/>
-          </a:lnRef>
-          <a:fillRef idx="0">
-            <a:schemeClr val="accent1"/>
-          </a:fillRef>
-          <a:effectRef idx="0">
-            <a:schemeClr val="accent1"/>
-          </a:effectRef>
-          <a:fontRef idx="minor">
-            <a:schemeClr val="tx1"/>
-          </a:fontRef>
-        </p:style>
-      </p:cxnSp>
-      <p:sp>
-        <p:nvSpPr>
-          <p:cNvPr id="182" name="菱形 181"/>
-          <p:cNvSpPr/>
-          <p:nvPr/>
-        </p:nvSpPr>
-        <p:spPr>
-          <a:xfrm>
-            <a:off x="2262615" y="3538493"/>
-            <a:ext cx="1297937" cy="672056"/>
-          </a:xfrm>
-          <a:prstGeom prst="diamond">
-            <a:avLst/>
-          </a:prstGeom>
-          <a:solidFill>
-            <a:schemeClr val="bg1">
-              <a:lumMod val="95000"/>
-            </a:schemeClr>
-          </a:solidFill>
-        </p:spPr>
-        <p:style>
-          <a:lnRef idx="2">
-            <a:schemeClr val="accent1">
-              <a:shade val="50000"/>
-            </a:schemeClr>
-          </a:lnRef>
-          <a:fillRef idx="1">
-            <a:schemeClr val="accent1"/>
-          </a:fillRef>
-          <a:effectRef idx="0">
-            <a:schemeClr val="accent1"/>
-          </a:effectRef>
-          <a:fontRef idx="minor">
-            <a:schemeClr val="lt1"/>
-          </a:fontRef>
-        </p:style>
-        <p:txBody>
-          <a:bodyPr rtlCol="0" anchor="ctr"/>
-          <a:lstStyle/>
-          <a:p>
-            <a:pPr algn="ctr"/>
-            <a:r>
-              <a:rPr lang="zh-CN" altLang="en-US" dirty="0" smtClean="0">
-                <a:solidFill>
-                  <a:schemeClr val="tx1"/>
-                </a:solidFill>
-              </a:rPr>
-              <a:t>座位预约</a:t>
-            </a:r>
-            <a:endParaRPr lang="zh-CN" altLang="en-US" dirty="0">
-              <a:solidFill>
-                <a:schemeClr val="tx1"/>
-              </a:solidFill>
-            </a:endParaRPr>
-          </a:p>
-        </p:txBody>
-      </p:sp>
-      <p:cxnSp>
-        <p:nvCxnSpPr>
-          <p:cNvPr id="183" name="直接连接符 182"/>
-          <p:cNvCxnSpPr>
-            <a:stCxn id="2" idx="2"/>
-            <a:endCxn id="182" idx="0"/>
-          </p:cNvCxnSpPr>
-          <p:nvPr/>
-        </p:nvCxnSpPr>
-        <p:spPr>
-          <a:xfrm flipH="1">
-            <a:off x="2911584" y="2393286"/>
-            <a:ext cx="1635" cy="1145207"/>
-          </a:xfrm>
-          <a:prstGeom prst="line">
-            <a:avLst/>
-          </a:prstGeom>
-        </p:spPr>
-        <p:style>
-          <a:lnRef idx="1">
-            <a:schemeClr val="accent1"/>
-          </a:lnRef>
-          <a:fillRef idx="0">
-            <a:schemeClr val="accent1"/>
-          </a:fillRef>
-          <a:effectRef idx="0">
-            <a:schemeClr val="accent1"/>
-          </a:effectRef>
-          <a:fontRef idx="minor">
-            <a:schemeClr val="tx1"/>
-          </a:fontRef>
-        </p:style>
-      </p:cxnSp>
-      <p:cxnSp>
-        <p:nvCxnSpPr>
-          <p:cNvPr id="184" name="直接连接符 183"/>
-          <p:cNvCxnSpPr>
-            <a:stCxn id="182" idx="2"/>
-            <a:endCxn id="9" idx="0"/>
-          </p:cNvCxnSpPr>
-          <p:nvPr/>
-        </p:nvCxnSpPr>
-        <p:spPr>
-          <a:xfrm>
-            <a:off x="2911584" y="4210549"/>
-            <a:ext cx="0" cy="1540942"/>
-          </a:xfrm>
-          <a:prstGeom prst="line">
-            <a:avLst/>
-          </a:prstGeom>
-        </p:spPr>
-        <p:style>
-          <a:lnRef idx="1">
-            <a:schemeClr val="accent1"/>
-          </a:lnRef>
-          <a:fillRef idx="0">
-            <a:schemeClr val="accent1"/>
-          </a:fillRef>
-          <a:effectRef idx="0">
-            <a:schemeClr val="accent1"/>
-          </a:effectRef>
-          <a:fontRef idx="minor">
-            <a:schemeClr val="tx1"/>
-          </a:fontRef>
-        </p:style>
-      </p:cxnSp>
-      <p:sp>
-        <p:nvSpPr>
-          <p:cNvPr id="194" name="矩形 193"/>
-          <p:cNvSpPr/>
-          <p:nvPr/>
-        </p:nvSpPr>
-        <p:spPr>
-          <a:xfrm>
-            <a:off x="10045588" y="5751491"/>
-            <a:ext cx="896256" cy="417533"/>
-          </a:xfrm>
-          <a:prstGeom prst="rect">
-            <a:avLst/>
-          </a:prstGeom>
-          <a:solidFill>
-            <a:schemeClr val="accent6">
-              <a:lumMod val="20000"/>
-              <a:lumOff val="80000"/>
-            </a:schemeClr>
-          </a:solidFill>
-        </p:spPr>
-        <p:style>
-          <a:lnRef idx="2">
-            <a:schemeClr val="accent1">
-              <a:shade val="50000"/>
-            </a:schemeClr>
-          </a:lnRef>
-          <a:fillRef idx="1">
-            <a:schemeClr val="accent1"/>
-          </a:fillRef>
-          <a:effectRef idx="0">
-            <a:schemeClr val="accent1"/>
-          </a:effectRef>
-          <a:fontRef idx="minor">
-            <a:schemeClr val="lt1"/>
-          </a:fontRef>
-        </p:style>
-        <p:txBody>
-          <a:bodyPr rtlCol="0" anchor="ctr"/>
-          <a:lstStyle/>
-          <a:p>
-            <a:pPr algn="ctr"/>
-            <a:r>
-              <a:rPr lang="zh-CN" altLang="en-US" dirty="0">
-                <a:solidFill>
-                  <a:schemeClr val="tx1"/>
-                </a:solidFill>
-              </a:rPr>
-              <a:t>讨</a:t>
-            </a:r>
-            <a:r>
-              <a:rPr lang="zh-CN" altLang="en-US" dirty="0" smtClean="0">
-                <a:solidFill>
-                  <a:schemeClr val="tx1"/>
-                </a:solidFill>
-              </a:rPr>
-              <a:t>论室</a:t>
-            </a:r>
-            <a:endParaRPr lang="zh-CN" altLang="en-US" dirty="0">
-              <a:solidFill>
-                <a:schemeClr val="tx1"/>
-              </a:solidFill>
-            </a:endParaRPr>
-          </a:p>
-        </p:txBody>
-      </p:sp>
-      <p:sp>
-        <p:nvSpPr>
-          <p:cNvPr id="195" name="菱形 194"/>
-          <p:cNvSpPr/>
-          <p:nvPr/>
-        </p:nvSpPr>
-        <p:spPr>
-          <a:xfrm>
-            <a:off x="9830558" y="3580383"/>
-            <a:ext cx="1326316" cy="742100"/>
-          </a:xfrm>
-          <a:prstGeom prst="diamond">
-            <a:avLst/>
-          </a:prstGeom>
-          <a:solidFill>
-            <a:schemeClr val="bg1">
-              <a:lumMod val="95000"/>
-            </a:schemeClr>
-          </a:solidFill>
-        </p:spPr>
-        <p:style>
-          <a:lnRef idx="2">
-            <a:schemeClr val="accent1">
-              <a:shade val="50000"/>
-            </a:schemeClr>
-          </a:lnRef>
-          <a:fillRef idx="1">
-            <a:schemeClr val="accent1"/>
-          </a:fillRef>
-          <a:effectRef idx="0">
-            <a:schemeClr val="accent1"/>
-          </a:effectRef>
-          <a:fontRef idx="minor">
-            <a:schemeClr val="lt1"/>
-          </a:fontRef>
-        </p:style>
-        <p:txBody>
-          <a:bodyPr rtlCol="0" anchor="ctr"/>
-          <a:lstStyle/>
-          <a:p>
-            <a:pPr algn="ctr"/>
-            <a:r>
-              <a:rPr lang="zh-CN" altLang="en-US" dirty="0" smtClean="0">
-                <a:solidFill>
-                  <a:schemeClr val="tx1"/>
-                </a:solidFill>
-              </a:rPr>
-              <a:t>教室预约</a:t>
-            </a:r>
-            <a:endParaRPr lang="zh-CN" altLang="en-US" dirty="0">
-              <a:solidFill>
-                <a:schemeClr val="tx1"/>
-              </a:solidFill>
-            </a:endParaRPr>
-          </a:p>
-        </p:txBody>
-      </p:sp>
-      <p:cxnSp>
-        <p:nvCxnSpPr>
-          <p:cNvPr id="197" name="直接连接符 196"/>
-          <p:cNvCxnSpPr>
-            <a:stCxn id="3" idx="2"/>
-            <a:endCxn id="195" idx="0"/>
-          </p:cNvCxnSpPr>
-          <p:nvPr/>
-        </p:nvCxnSpPr>
-        <p:spPr>
-          <a:xfrm>
-            <a:off x="10493716" y="2393286"/>
-            <a:ext cx="0" cy="1187097"/>
-          </a:xfrm>
-          <a:prstGeom prst="line">
-            <a:avLst/>
-          </a:prstGeom>
-        </p:spPr>
-        <p:style>
-          <a:lnRef idx="1">
-            <a:schemeClr val="accent1"/>
-          </a:lnRef>
-          <a:fillRef idx="0">
-            <a:schemeClr val="accent1"/>
-          </a:fillRef>
-          <a:effectRef idx="0">
-            <a:schemeClr val="accent1"/>
-          </a:effectRef>
-          <a:fontRef idx="minor">
-            <a:schemeClr val="tx1"/>
-          </a:fontRef>
-        </p:style>
-      </p:cxnSp>
-      <p:cxnSp>
-        <p:nvCxnSpPr>
-          <p:cNvPr id="198" name="直接连接符 197"/>
-          <p:cNvCxnSpPr>
-            <a:stCxn id="195" idx="2"/>
-            <a:endCxn id="194" idx="0"/>
-          </p:cNvCxnSpPr>
-          <p:nvPr/>
-        </p:nvCxnSpPr>
-        <p:spPr>
-          <a:xfrm>
-            <a:off x="10493716" y="4322483"/>
-            <a:ext cx="0" cy="1429008"/>
-          </a:xfrm>
-          <a:prstGeom prst="line">
-            <a:avLst/>
-          </a:prstGeom>
-        </p:spPr>
-        <p:style>
-          <a:lnRef idx="1">
-            <a:schemeClr val="accent1"/>
-          </a:lnRef>
-          <a:fillRef idx="0">
-            <a:schemeClr val="accent1"/>
-          </a:fillRef>
-          <a:effectRef idx="0">
-            <a:schemeClr val="accent1"/>
-          </a:effectRef>
-          <a:fontRef idx="minor">
-            <a:schemeClr val="tx1"/>
-          </a:fontRef>
-        </p:style>
-      </p:cxnSp>
-      <p:cxnSp>
-        <p:nvCxnSpPr>
-          <p:cNvPr id="212" name="直接连接符 211"/>
-          <p:cNvCxnSpPr>
-            <a:stCxn id="14" idx="3"/>
-            <a:endCxn id="194" idx="1"/>
-          </p:cNvCxnSpPr>
-          <p:nvPr/>
-        </p:nvCxnSpPr>
-        <p:spPr>
-          <a:xfrm>
-            <a:off x="6987606" y="5960257"/>
-            <a:ext cx="3057982" cy="1"/>
-          </a:xfrm>
-          <a:prstGeom prst="line">
-            <a:avLst/>
-          </a:prstGeom>
-        </p:spPr>
-        <p:style>
-          <a:lnRef idx="1">
-            <a:schemeClr val="accent1"/>
-          </a:lnRef>
-          <a:fillRef idx="0">
-            <a:schemeClr val="accent1"/>
-          </a:fillRef>
-          <a:effectRef idx="0">
-            <a:schemeClr val="accent1"/>
-          </a:effectRef>
-          <a:fontRef idx="minor">
-            <a:schemeClr val="tx1"/>
-          </a:fontRef>
-        </p:style>
-      </p:cxnSp>
-      <p:sp>
-        <p:nvSpPr>
-          <p:cNvPr id="219" name="矩形 218"/>
-          <p:cNvSpPr/>
-          <p:nvPr/>
-        </p:nvSpPr>
-        <p:spPr>
-          <a:xfrm>
-            <a:off x="7825415" y="3686881"/>
-            <a:ext cx="1111542" cy="503640"/>
-          </a:xfrm>
-          <a:prstGeom prst="rect">
-            <a:avLst/>
-          </a:prstGeom>
-          <a:solidFill>
-            <a:schemeClr val="accent6">
-              <a:lumMod val="20000"/>
-              <a:lumOff val="80000"/>
-            </a:schemeClr>
-          </a:solidFill>
-        </p:spPr>
-        <p:style>
-          <a:lnRef idx="2">
-            <a:schemeClr val="accent1">
-              <a:shade val="50000"/>
-            </a:schemeClr>
-          </a:lnRef>
-          <a:fillRef idx="1">
-            <a:schemeClr val="accent1"/>
-          </a:fillRef>
-          <a:effectRef idx="0">
-            <a:schemeClr val="accent1"/>
-          </a:effectRef>
-          <a:fontRef idx="minor">
-            <a:schemeClr val="lt1"/>
-          </a:fontRef>
-        </p:style>
-        <p:txBody>
-          <a:bodyPr rtlCol="0" anchor="ctr"/>
-          <a:lstStyle/>
-          <a:p>
-            <a:pPr algn="ctr"/>
-            <a:r>
-              <a:rPr lang="zh-CN" altLang="en-US" dirty="0">
-                <a:solidFill>
-                  <a:schemeClr val="tx1"/>
-                </a:solidFill>
-              </a:rPr>
-              <a:t>进出</a:t>
-            </a:r>
-            <a:r>
-              <a:rPr lang="zh-CN" altLang="en-US" dirty="0" smtClean="0">
-                <a:solidFill>
-                  <a:schemeClr val="tx1"/>
-                </a:solidFill>
-              </a:rPr>
-              <a:t>控制系统</a:t>
-            </a:r>
-            <a:endParaRPr lang="zh-CN" altLang="en-US" dirty="0">
-              <a:solidFill>
-                <a:schemeClr val="tx1"/>
-              </a:solidFill>
-            </a:endParaRPr>
-          </a:p>
-        </p:txBody>
-      </p:sp>
-      <p:sp>
-        <p:nvSpPr>
-          <p:cNvPr id="229" name="菱形 228"/>
-          <p:cNvSpPr/>
-          <p:nvPr/>
-        </p:nvSpPr>
-        <p:spPr>
-          <a:xfrm>
-            <a:off x="7703562" y="2300142"/>
-            <a:ext cx="768659" cy="685807"/>
-          </a:xfrm>
-          <a:prstGeom prst="diamond">
-            <a:avLst/>
-          </a:prstGeom>
-          <a:solidFill>
-            <a:schemeClr val="bg1">
-              <a:lumMod val="95000"/>
-            </a:schemeClr>
-          </a:solidFill>
-        </p:spPr>
-        <p:style>
-          <a:lnRef idx="2">
-            <a:schemeClr val="accent1">
-              <a:shade val="50000"/>
-            </a:schemeClr>
-          </a:lnRef>
-          <a:fillRef idx="1">
-            <a:schemeClr val="accent1"/>
-          </a:fillRef>
-          <a:effectRef idx="0">
-            <a:schemeClr val="accent1"/>
-          </a:effectRef>
-          <a:fontRef idx="minor">
-            <a:schemeClr val="lt1"/>
-          </a:fontRef>
-        </p:style>
-        <p:txBody>
-          <a:bodyPr rtlCol="0" anchor="ctr"/>
-          <a:lstStyle/>
-          <a:p>
-            <a:pPr algn="ctr"/>
-            <a:r>
-              <a:rPr lang="zh-CN" altLang="en-US" dirty="0" smtClean="0">
-                <a:solidFill>
-                  <a:schemeClr val="tx1"/>
-                </a:solidFill>
-              </a:rPr>
-              <a:t>反馈</a:t>
-            </a:r>
-            <a:endParaRPr lang="zh-CN" altLang="en-US" dirty="0">
-              <a:solidFill>
-                <a:schemeClr val="tx1"/>
-              </a:solidFill>
-            </a:endParaRPr>
-          </a:p>
-        </p:txBody>
-      </p:sp>
-      <p:cxnSp>
-        <p:nvCxnSpPr>
-          <p:cNvPr id="231" name="直接连接符 230"/>
-          <p:cNvCxnSpPr>
-            <a:stCxn id="117" idx="2"/>
-            <a:endCxn id="229" idx="0"/>
-          </p:cNvCxnSpPr>
-          <p:nvPr/>
-        </p:nvCxnSpPr>
-        <p:spPr>
-          <a:xfrm>
-            <a:off x="7923112" y="1423227"/>
-            <a:ext cx="164780" cy="876915"/>
-          </a:xfrm>
-          <a:prstGeom prst="line">
-            <a:avLst/>
-          </a:prstGeom>
-        </p:spPr>
-        <p:style>
-          <a:lnRef idx="1">
-            <a:schemeClr val="accent1"/>
-          </a:lnRef>
-          <a:fillRef idx="0">
-            <a:schemeClr val="accent1"/>
-          </a:fillRef>
-          <a:effectRef idx="0">
-            <a:schemeClr val="accent1"/>
-          </a:effectRef>
-          <a:fontRef idx="minor">
-            <a:schemeClr val="tx1"/>
-          </a:fontRef>
-        </p:style>
-      </p:cxnSp>
-      <p:cxnSp>
-        <p:nvCxnSpPr>
-          <p:cNvPr id="233" name="直接连接符 232"/>
-          <p:cNvCxnSpPr>
-            <a:stCxn id="219" idx="0"/>
-            <a:endCxn id="229" idx="2"/>
-          </p:cNvCxnSpPr>
-          <p:nvPr/>
-        </p:nvCxnSpPr>
-        <p:spPr>
-          <a:xfrm flipH="1" flipV="1">
-            <a:off x="8087892" y="2985949"/>
-            <a:ext cx="293294" cy="700932"/>
-          </a:xfrm>
-          <a:prstGeom prst="line">
-            <a:avLst/>
-          </a:prstGeom>
-        </p:spPr>
-        <p:style>
-          <a:lnRef idx="1">
-            <a:schemeClr val="accent1"/>
-          </a:lnRef>
-          <a:fillRef idx="0">
-            <a:schemeClr val="accent1"/>
-          </a:fillRef>
-          <a:effectRef idx="0">
-            <a:schemeClr val="accent1"/>
-          </a:effectRef>
-          <a:fontRef idx="minor">
-            <a:schemeClr val="tx1"/>
-          </a:fontRef>
-        </p:style>
-      </p:cxnSp>
-      <p:sp>
-        <p:nvSpPr>
-          <p:cNvPr id="237" name="菱形 236"/>
-          <p:cNvSpPr/>
-          <p:nvPr/>
-        </p:nvSpPr>
-        <p:spPr>
-          <a:xfrm>
-            <a:off x="9416227" y="2830723"/>
-            <a:ext cx="794653" cy="649974"/>
-          </a:xfrm>
-          <a:prstGeom prst="diamond">
-            <a:avLst/>
-          </a:prstGeom>
-          <a:solidFill>
-            <a:schemeClr val="bg1">
-              <a:lumMod val="95000"/>
-            </a:schemeClr>
-          </a:solidFill>
-        </p:spPr>
-        <p:style>
-          <a:lnRef idx="2">
-            <a:schemeClr val="accent1">
-              <a:shade val="50000"/>
-            </a:schemeClr>
-          </a:lnRef>
-          <a:fillRef idx="1">
-            <a:schemeClr val="accent1"/>
-          </a:fillRef>
-          <a:effectRef idx="0">
-            <a:schemeClr val="accent1"/>
-          </a:effectRef>
-          <a:fontRef idx="minor">
-            <a:schemeClr val="lt1"/>
-          </a:fontRef>
-        </p:style>
-        <p:txBody>
-          <a:bodyPr rtlCol="0" anchor="ctr"/>
-          <a:lstStyle/>
-          <a:p>
-            <a:pPr algn="ctr"/>
-            <a:r>
-              <a:rPr lang="zh-CN" altLang="en-US" dirty="0" smtClean="0">
-                <a:solidFill>
-                  <a:schemeClr val="tx1"/>
-                </a:solidFill>
-              </a:rPr>
-              <a:t>验证</a:t>
-            </a:r>
-            <a:endParaRPr lang="zh-CN" altLang="en-US" dirty="0">
-              <a:solidFill>
-                <a:schemeClr val="tx1"/>
-              </a:solidFill>
-            </a:endParaRPr>
-          </a:p>
-        </p:txBody>
-      </p:sp>
-      <p:cxnSp>
-        <p:nvCxnSpPr>
-          <p:cNvPr id="239" name="直接连接符 238"/>
-          <p:cNvCxnSpPr>
-            <a:stCxn id="237" idx="1"/>
-            <a:endCxn id="219" idx="3"/>
-          </p:cNvCxnSpPr>
-          <p:nvPr/>
-        </p:nvCxnSpPr>
-        <p:spPr>
-          <a:xfrm flipH="1">
-            <a:off x="8936957" y="3155710"/>
-            <a:ext cx="479270" cy="782991"/>
-          </a:xfrm>
-          <a:prstGeom prst="line">
-            <a:avLst/>
-          </a:prstGeom>
-        </p:spPr>
-        <p:style>
-          <a:lnRef idx="1">
-            <a:schemeClr val="accent1"/>
-          </a:lnRef>
-          <a:fillRef idx="0">
-            <a:schemeClr val="accent1"/>
-          </a:fillRef>
-          <a:effectRef idx="0">
-            <a:schemeClr val="accent1"/>
-          </a:effectRef>
-          <a:fontRef idx="minor">
-            <a:schemeClr val="tx1"/>
-          </a:fontRef>
-        </p:style>
-      </p:cxnSp>
-      <p:cxnSp>
-        <p:nvCxnSpPr>
-          <p:cNvPr id="245" name="直接连接符 244"/>
-          <p:cNvCxnSpPr>
-            <a:stCxn id="237" idx="3"/>
-            <a:endCxn id="3" idx="2"/>
-          </p:cNvCxnSpPr>
-          <p:nvPr/>
-        </p:nvCxnSpPr>
-        <p:spPr>
-          <a:xfrm flipV="1">
-            <a:off x="10210880" y="2393286"/>
-            <a:ext cx="282836" cy="762424"/>
-          </a:xfrm>
-          <a:prstGeom prst="line">
-            <a:avLst/>
-          </a:prstGeom>
-        </p:spPr>
-        <p:style>
-          <a:lnRef idx="1">
-            <a:schemeClr val="accent1"/>
-          </a:lnRef>
-          <a:fillRef idx="0">
-            <a:schemeClr val="accent1"/>
-          </a:fillRef>
-          <a:effectRef idx="0">
-            <a:schemeClr val="accent1"/>
-          </a:effectRef>
-          <a:fontRef idx="minor">
-            <a:schemeClr val="tx1"/>
-          </a:fontRef>
-        </p:style>
-      </p:cxnSp>
-      <p:sp>
-        <p:nvSpPr>
-          <p:cNvPr id="247" name="菱形 246"/>
-          <p:cNvSpPr/>
-          <p:nvPr/>
-        </p:nvSpPr>
-        <p:spPr>
-          <a:xfrm>
-            <a:off x="5113113" y="2578883"/>
-            <a:ext cx="768659" cy="685807"/>
-          </a:xfrm>
-          <a:prstGeom prst="diamond">
-            <a:avLst/>
-          </a:prstGeom>
-          <a:solidFill>
-            <a:schemeClr val="bg1">
-              <a:lumMod val="95000"/>
-            </a:schemeClr>
-          </a:solidFill>
-        </p:spPr>
-        <p:style>
-          <a:lnRef idx="2">
-            <a:schemeClr val="accent1">
-              <a:shade val="50000"/>
-            </a:schemeClr>
-          </a:lnRef>
-          <a:fillRef idx="1">
-            <a:schemeClr val="accent1"/>
-          </a:fillRef>
-          <a:effectRef idx="0">
-            <a:schemeClr val="accent1"/>
-          </a:effectRef>
-          <a:fontRef idx="minor">
-            <a:schemeClr val="lt1"/>
-          </a:fontRef>
-        </p:style>
-        <p:txBody>
-          <a:bodyPr rtlCol="0" anchor="ctr"/>
-          <a:lstStyle/>
-          <a:p>
-            <a:pPr algn="ctr"/>
-            <a:r>
-              <a:rPr lang="zh-CN" altLang="en-US" dirty="0" smtClean="0">
-                <a:solidFill>
-                  <a:schemeClr val="tx1"/>
-                </a:solidFill>
-              </a:rPr>
-              <a:t>反馈</a:t>
-            </a:r>
-            <a:endParaRPr lang="zh-CN" altLang="en-US" dirty="0">
-              <a:solidFill>
-                <a:schemeClr val="tx1"/>
-              </a:solidFill>
-            </a:endParaRPr>
-          </a:p>
-        </p:txBody>
-      </p:sp>
-      <p:cxnSp>
-        <p:nvCxnSpPr>
-          <p:cNvPr id="248" name="直接连接符 247"/>
-          <p:cNvCxnSpPr>
-            <a:stCxn id="219" idx="1"/>
-            <a:endCxn id="247" idx="2"/>
-          </p:cNvCxnSpPr>
-          <p:nvPr/>
-        </p:nvCxnSpPr>
-        <p:spPr>
-          <a:xfrm flipH="1" flipV="1">
-            <a:off x="5497443" y="3264690"/>
-            <a:ext cx="2327972" cy="674011"/>
-          </a:xfrm>
-          <a:prstGeom prst="line">
-            <a:avLst/>
-          </a:prstGeom>
-        </p:spPr>
-        <p:style>
-          <a:lnRef idx="1">
-            <a:schemeClr val="accent1"/>
-          </a:lnRef>
-          <a:fillRef idx="0">
-            <a:schemeClr val="accent1"/>
-          </a:fillRef>
-          <a:effectRef idx="0">
-            <a:schemeClr val="accent1"/>
-          </a:effectRef>
-          <a:fontRef idx="minor">
-            <a:schemeClr val="tx1"/>
-          </a:fontRef>
-        </p:style>
-      </p:cxnSp>
-      <p:cxnSp>
-        <p:nvCxnSpPr>
-          <p:cNvPr id="260" name="直接连接符 259"/>
-          <p:cNvCxnSpPr>
-            <a:stCxn id="116" idx="2"/>
-            <a:endCxn id="247" idx="0"/>
-          </p:cNvCxnSpPr>
-          <p:nvPr/>
-        </p:nvCxnSpPr>
-        <p:spPr>
-          <a:xfrm>
-            <a:off x="4857524" y="1452589"/>
-            <a:ext cx="639919" cy="1126294"/>
-          </a:xfrm>
-          <a:prstGeom prst="line">
-            <a:avLst/>
-          </a:prstGeom>
-        </p:spPr>
-        <p:style>
-          <a:lnRef idx="1">
-            <a:schemeClr val="accent1"/>
-          </a:lnRef>
-          <a:fillRef idx="0">
-            <a:schemeClr val="accent1"/>
-          </a:fillRef>
-          <a:effectRef idx="0">
-            <a:schemeClr val="accent1"/>
-          </a:effectRef>
-          <a:fontRef idx="minor">
-            <a:schemeClr val="tx1"/>
-          </a:fontRef>
-        </p:style>
-      </p:cxnSp>
-      <p:sp>
-        <p:nvSpPr>
-          <p:cNvPr id="261" name="菱形 260"/>
-          <p:cNvSpPr/>
-          <p:nvPr/>
-        </p:nvSpPr>
-        <p:spPr>
-          <a:xfrm>
-            <a:off x="4281651" y="3264690"/>
-            <a:ext cx="794653" cy="649974"/>
-          </a:xfrm>
-          <a:prstGeom prst="diamond">
-            <a:avLst/>
-          </a:prstGeom>
-          <a:solidFill>
-            <a:schemeClr val="bg1">
-              <a:lumMod val="95000"/>
-            </a:schemeClr>
-          </a:solidFill>
-        </p:spPr>
-        <p:style>
-          <a:lnRef idx="2">
-            <a:schemeClr val="accent1">
-              <a:shade val="50000"/>
-            </a:schemeClr>
-          </a:lnRef>
-          <a:fillRef idx="1">
-            <a:schemeClr val="accent1"/>
-          </a:fillRef>
-          <a:effectRef idx="0">
-            <a:schemeClr val="accent1"/>
-          </a:effectRef>
-          <a:fontRef idx="minor">
-            <a:schemeClr val="lt1"/>
-          </a:fontRef>
-        </p:style>
-        <p:txBody>
-          <a:bodyPr rtlCol="0" anchor="ctr"/>
-          <a:lstStyle/>
-          <a:p>
-            <a:pPr algn="ctr"/>
-            <a:r>
-              <a:rPr lang="zh-CN" altLang="en-US" dirty="0" smtClean="0">
-                <a:solidFill>
-                  <a:schemeClr val="tx1"/>
-                </a:solidFill>
-              </a:rPr>
-              <a:t>验证</a:t>
-            </a:r>
-            <a:endParaRPr lang="zh-CN" altLang="en-US" dirty="0">
-              <a:solidFill>
-                <a:schemeClr val="tx1"/>
-              </a:solidFill>
-            </a:endParaRPr>
-          </a:p>
-        </p:txBody>
-      </p:sp>
-      <p:cxnSp>
-        <p:nvCxnSpPr>
-          <p:cNvPr id="263" name="直接连接符 262"/>
-          <p:cNvCxnSpPr>
-            <a:stCxn id="261" idx="2"/>
-            <a:endCxn id="219" idx="1"/>
-          </p:cNvCxnSpPr>
-          <p:nvPr/>
-        </p:nvCxnSpPr>
-        <p:spPr>
-          <a:xfrm>
-            <a:off x="4678978" y="3914664"/>
-            <a:ext cx="3146437" cy="24037"/>
-          </a:xfrm>
-          <a:prstGeom prst="line">
-            <a:avLst/>
-          </a:prstGeom>
-        </p:spPr>
-        <p:style>
-          <a:lnRef idx="1">
-            <a:schemeClr val="accent1"/>
-          </a:lnRef>
-          <a:fillRef idx="0">
-            <a:schemeClr val="accent1"/>
-          </a:fillRef>
-          <a:effectRef idx="0">
-            <a:schemeClr val="accent1"/>
-          </a:effectRef>
-          <a:fontRef idx="minor">
-            <a:schemeClr val="tx1"/>
-          </a:fontRef>
-        </p:style>
-      </p:cxnSp>
-      <p:cxnSp>
-        <p:nvCxnSpPr>
-          <p:cNvPr id="265" name="直接连接符 264"/>
-          <p:cNvCxnSpPr>
-            <a:stCxn id="261" idx="0"/>
-            <a:endCxn id="2" idx="2"/>
-          </p:cNvCxnSpPr>
-          <p:nvPr/>
-        </p:nvCxnSpPr>
-        <p:spPr>
-          <a:xfrm flipH="1" flipV="1">
-            <a:off x="2913219" y="2393286"/>
-            <a:ext cx="1765759" cy="871404"/>
-          </a:xfrm>
-          <a:prstGeom prst="line">
-            <a:avLst/>
-          </a:prstGeom>
-        </p:spPr>
-        <p:style>
-          <a:lnRef idx="1">
-            <a:schemeClr val="accent1"/>
-          </a:lnRef>
-          <a:fillRef idx="0">
-            <a:schemeClr val="accent1"/>
-          </a:fillRef>
-          <a:effectRef idx="0">
-            <a:schemeClr val="accent1"/>
-          </a:effectRef>
-          <a:fontRef idx="minor">
-            <a:schemeClr val="tx1"/>
-          </a:fontRef>
-        </p:style>
-      </p:cxnSp>
-      <p:cxnSp>
-        <p:nvCxnSpPr>
-          <p:cNvPr id="283" name="直接连接符 282"/>
-          <p:cNvCxnSpPr>
-            <a:stCxn id="219" idx="2"/>
-            <a:endCxn id="14" idx="3"/>
-          </p:cNvCxnSpPr>
-          <p:nvPr/>
-        </p:nvCxnSpPr>
-        <p:spPr>
-          <a:xfrm flipH="1">
-            <a:off x="6987606" y="4190521"/>
-            <a:ext cx="1393580" cy="1769736"/>
-          </a:xfrm>
-          <a:prstGeom prst="line">
-            <a:avLst/>
-          </a:prstGeom>
-        </p:spPr>
-        <p:style>
-          <a:lnRef idx="1">
-            <a:schemeClr val="accent1"/>
-          </a:lnRef>
-          <a:fillRef idx="0">
-            <a:schemeClr val="accent1"/>
-          </a:fillRef>
-          <a:effectRef idx="0">
-            <a:schemeClr val="accent1"/>
-          </a:effectRef>
-          <a:fontRef idx="minor">
-            <a:schemeClr val="tx1"/>
-          </a:fontRef>
-        </p:style>
-      </p:cxnSp>
-      <p:sp>
-        <p:nvSpPr>
-          <p:cNvPr id="300" name="文本框 299"/>
-          <p:cNvSpPr txBox="1"/>
-          <p:nvPr/>
-        </p:nvSpPr>
-        <p:spPr>
-          <a:xfrm>
-            <a:off x="3034325" y="4237747"/>
-            <a:ext cx="306494" cy="369332"/>
-          </a:xfrm>
-          <a:prstGeom prst="rect">
-            <a:avLst/>
-          </a:prstGeom>
-          <a:noFill/>
-        </p:spPr>
-        <p:txBody>
-          <a:bodyPr wrap="none" rtlCol="0">
-            <a:spAutoFit/>
-          </a:bodyPr>
-          <a:lstStyle/>
-          <a:p>
-            <a:r>
-              <a:rPr lang="en-US" altLang="zh-CN" dirty="0" smtClean="0"/>
-              <a:t>n</a:t>
-            </a:r>
-            <a:endParaRPr lang="zh-CN" altLang="en-US" dirty="0"/>
-          </a:p>
-        </p:txBody>
-      </p:sp>
-      <p:sp>
-        <p:nvSpPr>
-          <p:cNvPr id="301" name="文本框 300"/>
-          <p:cNvSpPr txBox="1"/>
-          <p:nvPr/>
-        </p:nvSpPr>
-        <p:spPr>
-          <a:xfrm>
-            <a:off x="4216896" y="4237747"/>
-            <a:ext cx="301686" cy="369332"/>
-          </a:xfrm>
-          <a:prstGeom prst="rect">
-            <a:avLst/>
-          </a:prstGeom>
-          <a:noFill/>
-        </p:spPr>
-        <p:txBody>
-          <a:bodyPr wrap="none" rtlCol="0">
-            <a:spAutoFit/>
-          </a:bodyPr>
-          <a:lstStyle/>
-          <a:p>
-            <a:r>
-              <a:rPr lang="en-US" altLang="zh-CN" dirty="0" smtClean="0"/>
-              <a:t>1</a:t>
-            </a:r>
-            <a:endParaRPr lang="zh-CN" altLang="en-US" dirty="0"/>
-          </a:p>
-        </p:txBody>
-      </p:sp>
-      <p:sp>
-        <p:nvSpPr>
-          <p:cNvPr id="302" name="文本框 301"/>
-          <p:cNvSpPr txBox="1"/>
-          <p:nvPr/>
-        </p:nvSpPr>
-        <p:spPr>
-          <a:xfrm>
-            <a:off x="2645602" y="5023750"/>
-            <a:ext cx="301686" cy="369332"/>
-          </a:xfrm>
-          <a:prstGeom prst="rect">
-            <a:avLst/>
-          </a:prstGeom>
-          <a:noFill/>
-        </p:spPr>
-        <p:txBody>
-          <a:bodyPr wrap="none" rtlCol="0">
-            <a:spAutoFit/>
-          </a:bodyPr>
-          <a:lstStyle/>
-          <a:p>
-            <a:r>
-              <a:rPr lang="en-US" altLang="zh-CN" dirty="0"/>
-              <a:t>1</a:t>
-            </a:r>
-            <a:endParaRPr lang="zh-CN" altLang="en-US" dirty="0"/>
-          </a:p>
-        </p:txBody>
-      </p:sp>
-      <p:sp>
-        <p:nvSpPr>
-          <p:cNvPr id="305" name="文本框 304"/>
-          <p:cNvSpPr txBox="1"/>
-          <p:nvPr/>
-        </p:nvSpPr>
-        <p:spPr>
-          <a:xfrm>
-            <a:off x="2027188" y="5630687"/>
-            <a:ext cx="306494" cy="369332"/>
-          </a:xfrm>
-          <a:prstGeom prst="rect">
-            <a:avLst/>
-          </a:prstGeom>
-          <a:noFill/>
-        </p:spPr>
-        <p:txBody>
-          <a:bodyPr wrap="none" rtlCol="0">
-            <a:spAutoFit/>
-          </a:bodyPr>
-          <a:lstStyle/>
-          <a:p>
-            <a:r>
-              <a:rPr lang="en-US" altLang="zh-CN" dirty="0" smtClean="0"/>
-              <a:t>1</a:t>
-            </a:r>
-            <a:endParaRPr lang="zh-CN" altLang="en-US" dirty="0"/>
-          </a:p>
-        </p:txBody>
-      </p:sp>
-      <p:sp>
-        <p:nvSpPr>
-          <p:cNvPr id="306" name="文本框 305"/>
-          <p:cNvSpPr txBox="1"/>
-          <p:nvPr/>
-        </p:nvSpPr>
-        <p:spPr>
-          <a:xfrm>
-            <a:off x="4290766" y="5648261"/>
-            <a:ext cx="306494" cy="369332"/>
-          </a:xfrm>
-          <a:prstGeom prst="rect">
-            <a:avLst/>
-          </a:prstGeom>
-          <a:noFill/>
-        </p:spPr>
-        <p:txBody>
-          <a:bodyPr wrap="none" rtlCol="0">
-            <a:spAutoFit/>
-          </a:bodyPr>
-          <a:lstStyle/>
-          <a:p>
-            <a:r>
-              <a:rPr lang="en-US" altLang="zh-CN" dirty="0" smtClean="0"/>
-              <a:t>n</a:t>
-            </a:r>
-            <a:endParaRPr lang="zh-CN" altLang="en-US" dirty="0"/>
-          </a:p>
-        </p:txBody>
-      </p:sp>
-      <p:sp>
-        <p:nvSpPr>
-          <p:cNvPr id="307" name="文本框 306"/>
-          <p:cNvSpPr txBox="1"/>
-          <p:nvPr/>
-        </p:nvSpPr>
-        <p:spPr>
-          <a:xfrm>
-            <a:off x="6203418" y="4995995"/>
-            <a:ext cx="369012" cy="369332"/>
-          </a:xfrm>
-          <a:prstGeom prst="rect">
-            <a:avLst/>
-          </a:prstGeom>
-          <a:noFill/>
-        </p:spPr>
-        <p:txBody>
-          <a:bodyPr wrap="none" rtlCol="0">
-            <a:spAutoFit/>
-          </a:bodyPr>
-          <a:lstStyle/>
-          <a:p>
-            <a:r>
-              <a:rPr lang="en-US" altLang="zh-CN" dirty="0" smtClean="0"/>
-              <a:t>m</a:t>
-            </a:r>
-            <a:endParaRPr lang="zh-CN" altLang="en-US" dirty="0"/>
-          </a:p>
-        </p:txBody>
-      </p:sp>
-      <p:sp>
-        <p:nvSpPr>
-          <p:cNvPr id="309" name="文本框 308"/>
-          <p:cNvSpPr txBox="1"/>
-          <p:nvPr/>
-        </p:nvSpPr>
-        <p:spPr>
-          <a:xfrm>
-            <a:off x="7416177" y="4924413"/>
-            <a:ext cx="306494" cy="369332"/>
-          </a:xfrm>
-          <a:prstGeom prst="rect">
-            <a:avLst/>
-          </a:prstGeom>
-          <a:noFill/>
-        </p:spPr>
-        <p:txBody>
-          <a:bodyPr wrap="none" rtlCol="0">
-            <a:spAutoFit/>
-          </a:bodyPr>
-          <a:lstStyle/>
-          <a:p>
-            <a:r>
-              <a:rPr lang="en-US" altLang="zh-CN" dirty="0" smtClean="0"/>
-              <a:t>q</a:t>
-            </a:r>
-            <a:endParaRPr lang="zh-CN" altLang="en-US" dirty="0"/>
-          </a:p>
-        </p:txBody>
-      </p:sp>
-      <p:sp>
-        <p:nvSpPr>
-          <p:cNvPr id="310" name="文本框 309"/>
-          <p:cNvSpPr txBox="1"/>
-          <p:nvPr/>
-        </p:nvSpPr>
-        <p:spPr>
-          <a:xfrm>
-            <a:off x="8381186" y="5646628"/>
-            <a:ext cx="306494" cy="369332"/>
-          </a:xfrm>
-          <a:prstGeom prst="rect">
-            <a:avLst/>
-          </a:prstGeom>
-          <a:noFill/>
-        </p:spPr>
-        <p:txBody>
-          <a:bodyPr wrap="none" rtlCol="0">
-            <a:spAutoFit/>
-          </a:bodyPr>
-          <a:lstStyle/>
-          <a:p>
-            <a:r>
-              <a:rPr lang="en-US" altLang="zh-CN" dirty="0" smtClean="0"/>
-              <a:t>p</a:t>
-            </a:r>
-            <a:endParaRPr lang="zh-CN" altLang="en-US" dirty="0"/>
-          </a:p>
-        </p:txBody>
-      </p:sp>
-      <p:sp>
-        <p:nvSpPr>
-          <p:cNvPr id="311" name="文本框 310"/>
-          <p:cNvSpPr txBox="1"/>
-          <p:nvPr/>
-        </p:nvSpPr>
-        <p:spPr>
-          <a:xfrm>
-            <a:off x="6280800" y="2570042"/>
-            <a:ext cx="301686" cy="369332"/>
-          </a:xfrm>
-          <a:prstGeom prst="rect">
-            <a:avLst/>
-          </a:prstGeom>
-          <a:noFill/>
-        </p:spPr>
-        <p:txBody>
-          <a:bodyPr wrap="none" rtlCol="0">
-            <a:spAutoFit/>
-          </a:bodyPr>
-          <a:lstStyle/>
-          <a:p>
-            <a:r>
-              <a:rPr lang="en-US" altLang="zh-CN" dirty="0"/>
-              <a:t>1</a:t>
-            </a:r>
-            <a:endParaRPr lang="zh-CN" altLang="en-US" dirty="0"/>
-          </a:p>
-        </p:txBody>
-      </p:sp>
-      <p:sp>
-        <p:nvSpPr>
-          <p:cNvPr id="312" name="文本框 311"/>
-          <p:cNvSpPr txBox="1"/>
-          <p:nvPr/>
-        </p:nvSpPr>
-        <p:spPr>
-          <a:xfrm>
-            <a:off x="5458780" y="1846869"/>
-            <a:ext cx="306494" cy="369332"/>
-          </a:xfrm>
-          <a:prstGeom prst="rect">
-            <a:avLst/>
-          </a:prstGeom>
-          <a:noFill/>
-        </p:spPr>
-        <p:txBody>
-          <a:bodyPr wrap="none" rtlCol="0">
-            <a:spAutoFit/>
-          </a:bodyPr>
-          <a:lstStyle/>
-          <a:p>
-            <a:r>
-              <a:rPr lang="en-US" altLang="zh-CN" dirty="0" smtClean="0"/>
-              <a:t>q</a:t>
-            </a:r>
-            <a:endParaRPr lang="zh-CN" altLang="en-US" dirty="0"/>
-          </a:p>
-        </p:txBody>
-      </p:sp>
-      <p:sp>
-        <p:nvSpPr>
-          <p:cNvPr id="313" name="文本框 312"/>
-          <p:cNvSpPr txBox="1"/>
-          <p:nvPr/>
-        </p:nvSpPr>
-        <p:spPr>
-          <a:xfrm>
-            <a:off x="7261914" y="1843948"/>
-            <a:ext cx="306494" cy="369332"/>
-          </a:xfrm>
-          <a:prstGeom prst="rect">
-            <a:avLst/>
-          </a:prstGeom>
-          <a:noFill/>
-        </p:spPr>
-        <p:txBody>
-          <a:bodyPr wrap="none" rtlCol="0">
-            <a:spAutoFit/>
-          </a:bodyPr>
-          <a:lstStyle/>
-          <a:p>
-            <a:r>
-              <a:rPr lang="en-US" altLang="zh-CN" dirty="0" smtClean="0"/>
-              <a:t>p</a:t>
-            </a:r>
-            <a:endParaRPr lang="zh-CN" altLang="en-US" dirty="0"/>
-          </a:p>
-        </p:txBody>
-      </p:sp>
-      <p:sp>
-        <p:nvSpPr>
-          <p:cNvPr id="316" name="文本框 315"/>
-          <p:cNvSpPr txBox="1"/>
-          <p:nvPr/>
-        </p:nvSpPr>
-        <p:spPr>
-          <a:xfrm>
-            <a:off x="5110822" y="2236634"/>
-            <a:ext cx="306494" cy="369332"/>
-          </a:xfrm>
-          <a:prstGeom prst="rect">
-            <a:avLst/>
-          </a:prstGeom>
-          <a:noFill/>
-        </p:spPr>
-        <p:txBody>
-          <a:bodyPr wrap="none" rtlCol="0">
-            <a:spAutoFit/>
-          </a:bodyPr>
-          <a:lstStyle/>
-          <a:p>
-            <a:r>
-              <a:rPr lang="en-US" altLang="zh-CN" dirty="0" smtClean="0"/>
-              <a:t>1</a:t>
-            </a:r>
-            <a:endParaRPr lang="zh-CN" altLang="en-US" dirty="0"/>
-          </a:p>
-        </p:txBody>
-      </p:sp>
-      <p:sp>
-        <p:nvSpPr>
-          <p:cNvPr id="317" name="文本框 316"/>
-          <p:cNvSpPr txBox="1"/>
-          <p:nvPr/>
-        </p:nvSpPr>
-        <p:spPr>
-          <a:xfrm>
-            <a:off x="10541925" y="1505968"/>
-            <a:ext cx="306494" cy="369332"/>
-          </a:xfrm>
-          <a:prstGeom prst="rect">
-            <a:avLst/>
-          </a:prstGeom>
-          <a:noFill/>
-        </p:spPr>
-        <p:txBody>
-          <a:bodyPr wrap="none" rtlCol="0">
-            <a:spAutoFit/>
-          </a:bodyPr>
-          <a:lstStyle/>
-          <a:p>
-            <a:r>
-              <a:rPr lang="en-US" altLang="zh-CN" dirty="0" smtClean="0"/>
-              <a:t>1</a:t>
-            </a:r>
-            <a:endParaRPr lang="zh-CN" altLang="en-US" dirty="0"/>
-          </a:p>
-        </p:txBody>
-      </p:sp>
-      <p:sp>
-        <p:nvSpPr>
-          <p:cNvPr id="319" name="文本框 318"/>
-          <p:cNvSpPr txBox="1"/>
-          <p:nvPr/>
-        </p:nvSpPr>
-        <p:spPr>
-          <a:xfrm>
-            <a:off x="2598779" y="1501374"/>
-            <a:ext cx="306494" cy="369332"/>
-          </a:xfrm>
-          <a:prstGeom prst="rect">
-            <a:avLst/>
-          </a:prstGeom>
-          <a:noFill/>
-        </p:spPr>
-        <p:txBody>
-          <a:bodyPr wrap="none" rtlCol="0">
-            <a:spAutoFit/>
-          </a:bodyPr>
-          <a:lstStyle/>
-          <a:p>
-            <a:r>
-              <a:rPr lang="en-US" altLang="zh-CN" dirty="0" smtClean="0"/>
-              <a:t>1</a:t>
-            </a:r>
-            <a:endParaRPr lang="zh-CN" altLang="en-US" dirty="0"/>
-          </a:p>
-        </p:txBody>
-      </p:sp>
-      <p:sp>
-        <p:nvSpPr>
-          <p:cNvPr id="320" name="文本框 319"/>
-          <p:cNvSpPr txBox="1"/>
-          <p:nvPr/>
-        </p:nvSpPr>
-        <p:spPr>
-          <a:xfrm>
-            <a:off x="10026954" y="2611872"/>
-            <a:ext cx="306494" cy="369332"/>
-          </a:xfrm>
-          <a:prstGeom prst="rect">
-            <a:avLst/>
-          </a:prstGeom>
-          <a:noFill/>
-        </p:spPr>
-        <p:txBody>
-          <a:bodyPr wrap="none" rtlCol="0">
-            <a:spAutoFit/>
-          </a:bodyPr>
-          <a:lstStyle/>
-          <a:p>
-            <a:r>
-              <a:rPr lang="en-US" altLang="zh-CN" dirty="0" smtClean="0"/>
-              <a:t>n</a:t>
-            </a:r>
-            <a:endParaRPr lang="zh-CN" altLang="en-US" dirty="0"/>
-          </a:p>
-        </p:txBody>
-      </p:sp>
-      <p:sp>
-        <p:nvSpPr>
-          <p:cNvPr id="321" name="文本框 320"/>
-          <p:cNvSpPr txBox="1"/>
-          <p:nvPr/>
-        </p:nvSpPr>
-        <p:spPr>
-          <a:xfrm>
-            <a:off x="7903267" y="1538557"/>
-            <a:ext cx="306494" cy="369332"/>
-          </a:xfrm>
-          <a:prstGeom prst="rect">
-            <a:avLst/>
-          </a:prstGeom>
-          <a:noFill/>
-        </p:spPr>
-        <p:txBody>
-          <a:bodyPr wrap="none" rtlCol="0">
-            <a:spAutoFit/>
-          </a:bodyPr>
-          <a:lstStyle/>
-          <a:p>
-            <a:r>
-              <a:rPr lang="en-US" altLang="zh-CN" dirty="0" smtClean="0"/>
-              <a:t>1</a:t>
-            </a:r>
-            <a:endParaRPr lang="zh-CN" altLang="en-US" dirty="0"/>
-          </a:p>
-        </p:txBody>
-      </p:sp>
-      <p:sp>
-        <p:nvSpPr>
-          <p:cNvPr id="322" name="文本框 321"/>
-          <p:cNvSpPr txBox="1"/>
-          <p:nvPr/>
-        </p:nvSpPr>
-        <p:spPr>
-          <a:xfrm>
-            <a:off x="9182039" y="832380"/>
-            <a:ext cx="306494" cy="369332"/>
-          </a:xfrm>
-          <a:prstGeom prst="rect">
-            <a:avLst/>
-          </a:prstGeom>
-          <a:noFill/>
-        </p:spPr>
-        <p:txBody>
-          <a:bodyPr wrap="none" rtlCol="0">
-            <a:spAutoFit/>
-          </a:bodyPr>
-          <a:lstStyle/>
-          <a:p>
-            <a:r>
-              <a:rPr lang="en-US" altLang="zh-CN" dirty="0" smtClean="0"/>
-              <a:t>n</a:t>
-            </a:r>
-            <a:endParaRPr lang="zh-CN" altLang="en-US" dirty="0"/>
-          </a:p>
-        </p:txBody>
-      </p:sp>
-      <p:sp>
-        <p:nvSpPr>
-          <p:cNvPr id="328" name="文本框 327"/>
-          <p:cNvSpPr txBox="1"/>
-          <p:nvPr/>
-        </p:nvSpPr>
-        <p:spPr>
-          <a:xfrm>
-            <a:off x="5835695" y="3077437"/>
-            <a:ext cx="306494" cy="369332"/>
-          </a:xfrm>
-          <a:prstGeom prst="rect">
-            <a:avLst/>
-          </a:prstGeom>
-          <a:noFill/>
-        </p:spPr>
-        <p:txBody>
-          <a:bodyPr wrap="none" rtlCol="0">
-            <a:spAutoFit/>
-          </a:bodyPr>
-          <a:lstStyle/>
-          <a:p>
-            <a:r>
-              <a:rPr lang="en-US" altLang="zh-CN" dirty="0" smtClean="0"/>
-              <a:t>1</a:t>
-            </a:r>
-            <a:endParaRPr lang="zh-CN" altLang="en-US" dirty="0"/>
-          </a:p>
-        </p:txBody>
-      </p:sp>
-      <p:sp>
-        <p:nvSpPr>
-          <p:cNvPr id="329" name="文本框 328"/>
-          <p:cNvSpPr txBox="1"/>
-          <p:nvPr/>
-        </p:nvSpPr>
-        <p:spPr>
-          <a:xfrm>
-            <a:off x="2648342" y="2974570"/>
-            <a:ext cx="301686" cy="369332"/>
-          </a:xfrm>
-          <a:prstGeom prst="rect">
-            <a:avLst/>
-          </a:prstGeom>
-          <a:noFill/>
-        </p:spPr>
-        <p:txBody>
-          <a:bodyPr wrap="none" rtlCol="0">
-            <a:spAutoFit/>
-          </a:bodyPr>
-          <a:lstStyle/>
-          <a:p>
-            <a:r>
-              <a:rPr lang="en-US" altLang="zh-CN" dirty="0"/>
-              <a:t>1</a:t>
-            </a:r>
-            <a:endParaRPr lang="zh-CN" altLang="en-US" dirty="0"/>
-          </a:p>
-        </p:txBody>
-      </p:sp>
-      <p:sp>
-        <p:nvSpPr>
-          <p:cNvPr id="330" name="文本框 329"/>
-          <p:cNvSpPr txBox="1"/>
-          <p:nvPr/>
-        </p:nvSpPr>
-        <p:spPr>
-          <a:xfrm>
-            <a:off x="1104994" y="5176291"/>
-            <a:ext cx="301686" cy="369332"/>
-          </a:xfrm>
-          <a:prstGeom prst="rect">
-            <a:avLst/>
-          </a:prstGeom>
-          <a:noFill/>
-        </p:spPr>
-        <p:txBody>
-          <a:bodyPr wrap="none" rtlCol="0">
-            <a:spAutoFit/>
-          </a:bodyPr>
-          <a:lstStyle/>
-          <a:p>
-            <a:r>
-              <a:rPr lang="en-US" altLang="zh-CN" dirty="0"/>
-              <a:t>1</a:t>
-            </a:r>
-            <a:endParaRPr lang="zh-CN" altLang="en-US" dirty="0"/>
-          </a:p>
-        </p:txBody>
-      </p:sp>
-      <p:sp>
-        <p:nvSpPr>
-          <p:cNvPr id="331" name="文本框 330"/>
-          <p:cNvSpPr txBox="1"/>
-          <p:nvPr/>
-        </p:nvSpPr>
-        <p:spPr>
-          <a:xfrm>
-            <a:off x="10476711" y="2884970"/>
-            <a:ext cx="301686" cy="369332"/>
-          </a:xfrm>
-          <a:prstGeom prst="rect">
-            <a:avLst/>
-          </a:prstGeom>
-          <a:noFill/>
-        </p:spPr>
-        <p:txBody>
-          <a:bodyPr wrap="none" rtlCol="0">
-            <a:spAutoFit/>
-          </a:bodyPr>
-          <a:lstStyle/>
-          <a:p>
-            <a:r>
-              <a:rPr lang="en-US" altLang="zh-CN" dirty="0"/>
-              <a:t>1</a:t>
-            </a:r>
-            <a:endParaRPr lang="zh-CN" altLang="en-US" dirty="0"/>
-          </a:p>
-        </p:txBody>
-      </p:sp>
-      <p:sp>
-        <p:nvSpPr>
-          <p:cNvPr id="332" name="文本框 331"/>
-          <p:cNvSpPr txBox="1"/>
-          <p:nvPr/>
-        </p:nvSpPr>
-        <p:spPr>
-          <a:xfrm>
-            <a:off x="10476711" y="4991625"/>
-            <a:ext cx="301686" cy="369332"/>
-          </a:xfrm>
-          <a:prstGeom prst="rect">
-            <a:avLst/>
-          </a:prstGeom>
-          <a:noFill/>
-        </p:spPr>
-        <p:txBody>
-          <a:bodyPr wrap="none" rtlCol="0">
-            <a:spAutoFit/>
-          </a:bodyPr>
-          <a:lstStyle/>
-          <a:p>
-            <a:r>
-              <a:rPr lang="en-US" altLang="zh-CN" dirty="0"/>
-              <a:t>1</a:t>
-            </a:r>
-            <a:endParaRPr lang="zh-CN" altLang="en-US" dirty="0"/>
-          </a:p>
-        </p:txBody>
-      </p:sp>
-      <p:sp>
-        <p:nvSpPr>
-          <p:cNvPr id="335" name="文本框 334"/>
-          <p:cNvSpPr txBox="1"/>
-          <p:nvPr/>
-        </p:nvSpPr>
-        <p:spPr>
-          <a:xfrm>
-            <a:off x="9260080" y="3243766"/>
-            <a:ext cx="306494" cy="369332"/>
-          </a:xfrm>
-          <a:prstGeom prst="rect">
-            <a:avLst/>
-          </a:prstGeom>
-          <a:noFill/>
-        </p:spPr>
-        <p:txBody>
-          <a:bodyPr wrap="none" rtlCol="0">
-            <a:spAutoFit/>
-          </a:bodyPr>
-          <a:lstStyle/>
-          <a:p>
-            <a:r>
-              <a:rPr lang="en-US" altLang="zh-CN" dirty="0" smtClean="0"/>
-              <a:t>1</a:t>
-            </a:r>
-            <a:endParaRPr lang="zh-CN" altLang="en-US" dirty="0"/>
-          </a:p>
-        </p:txBody>
-      </p:sp>
-      <p:sp>
-        <p:nvSpPr>
-          <p:cNvPr id="336" name="文本框 335"/>
-          <p:cNvSpPr txBox="1"/>
-          <p:nvPr/>
-        </p:nvSpPr>
-        <p:spPr>
-          <a:xfrm>
-            <a:off x="4152019" y="3063560"/>
-            <a:ext cx="306494" cy="369332"/>
-          </a:xfrm>
-          <a:prstGeom prst="rect">
-            <a:avLst/>
-          </a:prstGeom>
-          <a:noFill/>
-        </p:spPr>
-        <p:txBody>
-          <a:bodyPr wrap="none" rtlCol="0">
-            <a:spAutoFit/>
-          </a:bodyPr>
-          <a:lstStyle/>
-          <a:p>
-            <a:r>
-              <a:rPr lang="en-US" altLang="zh-CN" dirty="0" smtClean="0"/>
-              <a:t>n</a:t>
-            </a:r>
-            <a:endParaRPr lang="zh-CN" altLang="en-US" dirty="0"/>
-          </a:p>
-        </p:txBody>
-      </p:sp>
-      <p:sp>
-        <p:nvSpPr>
-          <p:cNvPr id="337" name="文本框 336"/>
-          <p:cNvSpPr txBox="1"/>
-          <p:nvPr/>
-        </p:nvSpPr>
-        <p:spPr>
-          <a:xfrm>
-            <a:off x="5024236" y="3609141"/>
-            <a:ext cx="306494" cy="369332"/>
-          </a:xfrm>
-          <a:prstGeom prst="rect">
-            <a:avLst/>
-          </a:prstGeom>
-          <a:noFill/>
-        </p:spPr>
-        <p:txBody>
-          <a:bodyPr wrap="none" rtlCol="0">
-            <a:spAutoFit/>
-          </a:bodyPr>
-          <a:lstStyle/>
-          <a:p>
-            <a:r>
-              <a:rPr lang="en-US" altLang="zh-CN" dirty="0" smtClean="0"/>
-              <a:t>1</a:t>
-            </a:r>
-            <a:endParaRPr lang="zh-CN" altLang="en-US" dirty="0"/>
-          </a:p>
-        </p:txBody>
-      </p:sp>
-      <p:sp>
-        <p:nvSpPr>
-          <p:cNvPr id="338" name="文本框 337"/>
-          <p:cNvSpPr txBox="1"/>
-          <p:nvPr/>
-        </p:nvSpPr>
-        <p:spPr>
-          <a:xfrm>
-            <a:off x="8158460" y="3061001"/>
-            <a:ext cx="306494" cy="369332"/>
-          </a:xfrm>
-          <a:prstGeom prst="rect">
-            <a:avLst/>
-          </a:prstGeom>
-          <a:noFill/>
-        </p:spPr>
-        <p:txBody>
-          <a:bodyPr wrap="none" rtlCol="0">
-            <a:spAutoFit/>
-          </a:bodyPr>
-          <a:lstStyle/>
-          <a:p>
-            <a:r>
-              <a:rPr lang="en-US" altLang="zh-CN" dirty="0" smtClean="0"/>
-              <a:t>1</a:t>
-            </a:r>
-            <a:endParaRPr lang="zh-CN" altLang="en-US" dirty="0"/>
-          </a:p>
-        </p:txBody>
-      </p:sp>
-      <p:sp>
-        <p:nvSpPr>
-          <p:cNvPr id="87" name="文本框 86"/>
-          <p:cNvSpPr txBox="1"/>
-          <p:nvPr/>
-        </p:nvSpPr>
-        <p:spPr>
-          <a:xfrm>
-            <a:off x="3635102" y="854707"/>
-            <a:ext cx="306494" cy="369332"/>
-          </a:xfrm>
-          <a:prstGeom prst="rect">
-            <a:avLst/>
-          </a:prstGeom>
-          <a:noFill/>
-        </p:spPr>
-        <p:txBody>
-          <a:bodyPr wrap="none" rtlCol="0">
-            <a:spAutoFit/>
-          </a:bodyPr>
-          <a:lstStyle/>
-          <a:p>
-            <a:r>
-              <a:rPr lang="en-US" altLang="zh-CN" dirty="0" smtClean="0"/>
-              <a:t>n</a:t>
-            </a:r>
-            <a:endParaRPr lang="zh-CN" altLang="en-US" dirty="0"/>
-          </a:p>
-        </p:txBody>
-      </p:sp>
-    </p:spTree>
-    <p:extLst>
-      <p:ext uri="{BB962C8B-B14F-4D97-AF65-F5344CB8AC3E}">
-        <p14:creationId xmlns:p14="http://schemas.microsoft.com/office/powerpoint/2010/main" val="3687808829"/>
-      </p:ext>
-    </p:extLst>
-  </p:cSld>
-  <p:clrMapOvr>
-    <a:masterClrMapping/>
-  </p:clrMapOvr>
-  <p:timing>
-    <p:tnLst>
-      <p:par>
-        <p:cTn id="1" dur="indefinite" restart="never" nodeType="tmRoot"/>
-      </p:par>
-    </p:tnLst>
-  </p:timing>
 </p:sld>
 </file>
 
